--- a/q#.pptx
+++ b/q#.pptx
@@ -5,10 +5,10 @@
     <p:sldMasterId id="2147483684" r:id="rId2"/>
   </p:sldMasterIdLst>
   <p:notesMasterIdLst>
-    <p:notesMasterId r:id="rId60"/>
+    <p:notesMasterId r:id="rId62"/>
   </p:notesMasterIdLst>
   <p:handoutMasterIdLst>
-    <p:handoutMasterId r:id="rId61"/>
+    <p:handoutMasterId r:id="rId63"/>
   </p:handoutMasterIdLst>
   <p:sldIdLst>
     <p:sldId id="265" r:id="rId3"/>
@@ -58,16 +58,18 @@
     <p:sldId id="314" r:id="rId47"/>
     <p:sldId id="315" r:id="rId48"/>
     <p:sldId id="316" r:id="rId49"/>
-    <p:sldId id="317" r:id="rId50"/>
-    <p:sldId id="330" r:id="rId51"/>
-    <p:sldId id="331" r:id="rId52"/>
-    <p:sldId id="332" r:id="rId53"/>
-    <p:sldId id="333" r:id="rId54"/>
-    <p:sldId id="334" r:id="rId55"/>
-    <p:sldId id="335" r:id="rId56"/>
-    <p:sldId id="336" r:id="rId57"/>
-    <p:sldId id="337" r:id="rId58"/>
-    <p:sldId id="338" r:id="rId59"/>
+    <p:sldId id="339" r:id="rId50"/>
+    <p:sldId id="340" r:id="rId51"/>
+    <p:sldId id="341" r:id="rId52"/>
+    <p:sldId id="330" r:id="rId53"/>
+    <p:sldId id="331" r:id="rId54"/>
+    <p:sldId id="332" r:id="rId55"/>
+    <p:sldId id="333" r:id="rId56"/>
+    <p:sldId id="334" r:id="rId57"/>
+    <p:sldId id="335" r:id="rId58"/>
+    <p:sldId id="336" r:id="rId59"/>
+    <p:sldId id="337" r:id="rId60"/>
+    <p:sldId id="338" r:id="rId61"/>
   </p:sldIdLst>
   <p:sldSz cx="12192000" cy="6858000"/>
   <p:notesSz cx="6858000" cy="9144000"/>
@@ -2086,35 +2088,35 @@
     </dgm:pt>
   </dgm:ptLst>
   <dgm:cxnLst>
+    <dgm:cxn modelId="{DBDEF28F-5C4C-4A2A-931D-02522427EEDE}" srcId="{1D66F6DA-CBEE-4933-8A93-59C51DE179A1}" destId="{03F4336D-475B-4692-B904-9A00796285BF}" srcOrd="2" destOrd="0" parTransId="{AE7C2B93-DB16-4583-A6E1-3E8B569869AA}" sibTransId="{67127B76-680C-4131-86D3-A16333E85786}"/>
+    <dgm:cxn modelId="{4064E703-05F9-4955-AA87-23A2D7DE577A}" type="presOf" srcId="{89AE2931-DA9A-49C7-8ED5-7368DA874CDF}" destId="{F43F5463-494C-419F-BF2F-BB59D7BF31E7}" srcOrd="0" destOrd="0" presId="urn:microsoft.com/office/officeart/2008/layout/LinedList"/>
+    <dgm:cxn modelId="{3B684FA8-4D5C-49BD-91D7-6608CEE50820}" type="presOf" srcId="{B35EBE1A-1F57-4A58-B847-14B44BFFD2B2}" destId="{5D4EF1A0-361C-4B11-B4AC-B14634B18F17}" srcOrd="0" destOrd="0" presId="urn:microsoft.com/office/officeart/2008/layout/LinedList"/>
+    <dgm:cxn modelId="{9DA27575-10F1-4844-8E61-F126DE4B8A47}" type="presOf" srcId="{71E3888B-2714-4B63-954D-FA37BE843855}" destId="{17B2CC0F-7432-4C7C-9DBA-40A6021E5E18}" srcOrd="0" destOrd="0" presId="urn:microsoft.com/office/officeart/2008/layout/LinedList"/>
+    <dgm:cxn modelId="{9D4C81BC-68B2-49D5-9566-47397DA5D49B}" srcId="{1D66F6DA-CBEE-4933-8A93-59C51DE179A1}" destId="{83960A6E-C7B6-4A26-A72F-A7990456210E}" srcOrd="4" destOrd="0" parTransId="{30A1E24B-EFE1-442B-87C5-ECFD1F714937}" sibTransId="{DFD32225-F327-4933-AD20-2C47960F9470}"/>
     <dgm:cxn modelId="{A6A4D882-1F2F-498C-B8DE-8BA8B213399B}" type="presOf" srcId="{0574D7F2-514A-4FAC-9ADA-FE4455857B25}" destId="{8FFAD65E-F91C-4BD9-9219-B3B139967861}" srcOrd="0" destOrd="0" presId="urn:microsoft.com/office/officeart/2008/layout/LinedList"/>
+    <dgm:cxn modelId="{C41F555B-4512-45D9-A0D8-5AC5639BA7A7}" type="presOf" srcId="{5869D19D-43B5-48C2-95E0-ECA66D1451B5}" destId="{ECF54895-6DCA-4ED0-8DE6-17D668B468CB}" srcOrd="0" destOrd="0" presId="urn:microsoft.com/office/officeart/2008/layout/LinedList"/>
+    <dgm:cxn modelId="{ABA7789A-F813-494C-9B2C-62D2832AC169}" srcId="{1D66F6DA-CBEE-4933-8A93-59C51DE179A1}" destId="{E89399FA-31AD-461B-A295-79C392B6456D}" srcOrd="0" destOrd="0" parTransId="{082F50F8-4811-42EA-A81E-D6FA49C41B71}" sibTransId="{275FA785-3411-4645-8D27-696746014789}"/>
+    <dgm:cxn modelId="{955B1DB5-865F-4F01-8B27-92F82925EA37}" type="presOf" srcId="{62594219-E882-4BC6-AB48-08ECE9C51A96}" destId="{6F712116-AADA-4C9D-90BA-D73E52016D94}" srcOrd="0" destOrd="0" presId="urn:microsoft.com/office/officeart/2008/layout/LinedList"/>
+    <dgm:cxn modelId="{6C673607-EE4C-41E1-B15D-87DE0146548D}" srcId="{1D66F6DA-CBEE-4933-8A93-59C51DE179A1}" destId="{5869D19D-43B5-48C2-95E0-ECA66D1451B5}" srcOrd="5" destOrd="0" parTransId="{C8BCA8D0-8315-4277-B2E1-A05FEC4632A2}" sibTransId="{DDAB7762-21E5-4752-8FC8-B6B42EEC8219}"/>
+    <dgm:cxn modelId="{2F1B0106-B67F-4FD2-B55C-476C26146D99}" type="presOf" srcId="{83960A6E-C7B6-4A26-A72F-A7990456210E}" destId="{874C6CD5-E89A-435A-9234-8678635D1A63}" srcOrd="0" destOrd="0" presId="urn:microsoft.com/office/officeart/2008/layout/LinedList"/>
+    <dgm:cxn modelId="{1A384201-0938-486E-9732-2345B7D962DB}" srcId="{1D66F6DA-CBEE-4933-8A93-59C51DE179A1}" destId="{AA710F0D-2BF8-47B3-9028-E3F72D404DB5}" srcOrd="10" destOrd="0" parTransId="{567B731D-2453-45F6-A1EC-D20D6808A3EA}" sibTransId="{2D779423-3476-4989-BB73-63900674ABA5}"/>
+    <dgm:cxn modelId="{1AC7356B-F8DB-42B8-924E-C99761931BBB}" srcId="{1D66F6DA-CBEE-4933-8A93-59C51DE179A1}" destId="{0574D7F2-514A-4FAC-9ADA-FE4455857B25}" srcOrd="9" destOrd="0" parTransId="{7C1C3E1B-427E-455B-B8EA-0D4A9C771AD8}" sibTransId="{0C80EB67-1FFA-4F36-996D-9F1C331F9CB3}"/>
+    <dgm:cxn modelId="{73936B2A-78B6-423E-921A-1A248714EE67}" type="presOf" srcId="{03F4336D-475B-4692-B904-9A00796285BF}" destId="{DBDE7171-676C-460E-B239-5DAD14402C92}" srcOrd="0" destOrd="0" presId="urn:microsoft.com/office/officeart/2008/layout/LinedList"/>
+    <dgm:cxn modelId="{8D3AB147-7EF8-4AAE-9060-C38BFCF4E136}" srcId="{1D66F6DA-CBEE-4933-8A93-59C51DE179A1}" destId="{422F1DBE-AFB6-48C4-B6BD-5DCCF3E16109}" srcOrd="12" destOrd="0" parTransId="{08D054B8-9162-43B7-8612-A24C199F3373}" sibTransId="{BB3A1E36-1ADC-46AB-AD44-63BE23ABF6CB}"/>
     <dgm:cxn modelId="{6F908C48-58C3-499C-96A6-80D93C11B135}" srcId="{1D66F6DA-CBEE-4933-8A93-59C51DE179A1}" destId="{5640241A-E247-460D-8119-D1EBAE5BCC95}" srcOrd="7" destOrd="0" parTransId="{3F6FDA4C-56C9-4A0D-9958-0E8D3A1749FC}" sibTransId="{963D98DF-7C1C-4CA2-841E-8EAB6159DF95}"/>
-    <dgm:cxn modelId="{6C673607-EE4C-41E1-B15D-87DE0146548D}" srcId="{1D66F6DA-CBEE-4933-8A93-59C51DE179A1}" destId="{5869D19D-43B5-48C2-95E0-ECA66D1451B5}" srcOrd="5" destOrd="0" parTransId="{C8BCA8D0-8315-4277-B2E1-A05FEC4632A2}" sibTransId="{DDAB7762-21E5-4752-8FC8-B6B42EEC8219}"/>
     <dgm:cxn modelId="{701F8BCC-634B-41FC-8440-FE6D9F7535E4}" srcId="{1D66F6DA-CBEE-4933-8A93-59C51DE179A1}" destId="{89AE2931-DA9A-49C7-8ED5-7368DA874CDF}" srcOrd="6" destOrd="0" parTransId="{58148B52-704A-479A-A49E-E05B8582BE52}" sibTransId="{4A49AF1E-7A4A-464A-9216-5D12C248CFBF}"/>
-    <dgm:cxn modelId="{9D4C81BC-68B2-49D5-9566-47397DA5D49B}" srcId="{1D66F6DA-CBEE-4933-8A93-59C51DE179A1}" destId="{83960A6E-C7B6-4A26-A72F-A7990456210E}" srcOrd="4" destOrd="0" parTransId="{30A1E24B-EFE1-442B-87C5-ECFD1F714937}" sibTransId="{DFD32225-F327-4933-AD20-2C47960F9470}"/>
-    <dgm:cxn modelId="{92110138-D9E0-408A-A531-705D6EC213B6}" type="presOf" srcId="{1D66F6DA-CBEE-4933-8A93-59C51DE179A1}" destId="{9E4F370C-600F-4CD7-ADD3-5CBB2DFD8E77}" srcOrd="0" destOrd="0" presId="urn:microsoft.com/office/officeart/2008/layout/LinedList"/>
-    <dgm:cxn modelId="{1AC7356B-F8DB-42B8-924E-C99761931BBB}" srcId="{1D66F6DA-CBEE-4933-8A93-59C51DE179A1}" destId="{0574D7F2-514A-4FAC-9ADA-FE4455857B25}" srcOrd="9" destOrd="0" parTransId="{7C1C3E1B-427E-455B-B8EA-0D4A9C771AD8}" sibTransId="{0C80EB67-1FFA-4F36-996D-9F1C331F9CB3}"/>
-    <dgm:cxn modelId="{8D3AB147-7EF8-4AAE-9060-C38BFCF4E136}" srcId="{1D66F6DA-CBEE-4933-8A93-59C51DE179A1}" destId="{422F1DBE-AFB6-48C4-B6BD-5DCCF3E16109}" srcOrd="12" destOrd="0" parTransId="{08D054B8-9162-43B7-8612-A24C199F3373}" sibTransId="{BB3A1E36-1ADC-46AB-AD44-63BE23ABF6CB}"/>
+    <dgm:cxn modelId="{4398E528-AB5C-4CA6-B8D5-02254D53D51F}" srcId="{71E3888B-2714-4B63-954D-FA37BE843855}" destId="{1D66F6DA-CBEE-4933-8A93-59C51DE179A1}" srcOrd="0" destOrd="0" parTransId="{3F557299-9289-48B5-A5E5-689A2D9C89C9}" sibTransId="{C0737863-AC04-4856-B349-3A21703F7530}"/>
+    <dgm:cxn modelId="{A0217A05-5DF3-4514-B360-9E6DD92C08C1}" type="presOf" srcId="{AA710F0D-2BF8-47B3-9028-E3F72D404DB5}" destId="{627633C5-399F-47E8-A739-968ECC655B63}" srcOrd="0" destOrd="0" presId="urn:microsoft.com/office/officeart/2008/layout/LinedList"/>
+    <dgm:cxn modelId="{28BCE666-F601-417D-AF22-A62ED88DECD0}" srcId="{1D66F6DA-CBEE-4933-8A93-59C51DE179A1}" destId="{449B2EF2-5D13-4C2F-B527-3E70CC13ADDF}" srcOrd="3" destOrd="0" parTransId="{04E12ECC-4A56-48F9-8FC4-ACDF77E90D5D}" sibTransId="{945920FF-B404-45D1-A16D-A4BA72426CBC}"/>
+    <dgm:cxn modelId="{D89830FB-D660-49EC-B313-2CB7B2F6F122}" type="presOf" srcId="{5640241A-E247-460D-8119-D1EBAE5BCC95}" destId="{929BD149-AF90-488A-9F2B-0E0AA31FF67B}" srcOrd="0" destOrd="0" presId="urn:microsoft.com/office/officeart/2008/layout/LinedList"/>
+    <dgm:cxn modelId="{D4CD55AF-6573-456C-B30B-FC7A4D44A687}" srcId="{1D66F6DA-CBEE-4933-8A93-59C51DE179A1}" destId="{423DA25C-E8F9-4B31-B9FE-E6B46F2FBC90}" srcOrd="1" destOrd="0" parTransId="{02E1D5F1-D713-4DAF-825D-53EBD835C1F4}" sibTransId="{6DCC3ED2-A641-4BF3-8E53-116CE1AD3FB9}"/>
     <dgm:cxn modelId="{22135283-AAE7-4F39-B108-15C3968F0B16}" type="presOf" srcId="{423DA25C-E8F9-4B31-B9FE-E6B46F2FBC90}" destId="{E0467ECD-DA30-4BE7-BC97-893CE5424E3F}" srcOrd="0" destOrd="0" presId="urn:microsoft.com/office/officeart/2008/layout/LinedList"/>
-    <dgm:cxn modelId="{D89830FB-D660-49EC-B313-2CB7B2F6F122}" type="presOf" srcId="{5640241A-E247-460D-8119-D1EBAE5BCC95}" destId="{929BD149-AF90-488A-9F2B-0E0AA31FF67B}" srcOrd="0" destOrd="0" presId="urn:microsoft.com/office/officeart/2008/layout/LinedList"/>
-    <dgm:cxn modelId="{2F1B0106-B67F-4FD2-B55C-476C26146D99}" type="presOf" srcId="{83960A6E-C7B6-4A26-A72F-A7990456210E}" destId="{874C6CD5-E89A-435A-9234-8678635D1A63}" srcOrd="0" destOrd="0" presId="urn:microsoft.com/office/officeart/2008/layout/LinedList"/>
-    <dgm:cxn modelId="{3B684FA8-4D5C-49BD-91D7-6608CEE50820}" type="presOf" srcId="{B35EBE1A-1F57-4A58-B847-14B44BFFD2B2}" destId="{5D4EF1A0-361C-4B11-B4AC-B14634B18F17}" srcOrd="0" destOrd="0" presId="urn:microsoft.com/office/officeart/2008/layout/LinedList"/>
-    <dgm:cxn modelId="{ABA7789A-F813-494C-9B2C-62D2832AC169}" srcId="{1D66F6DA-CBEE-4933-8A93-59C51DE179A1}" destId="{E89399FA-31AD-461B-A295-79C392B6456D}" srcOrd="0" destOrd="0" parTransId="{082F50F8-4811-42EA-A81E-D6FA49C41B71}" sibTransId="{275FA785-3411-4645-8D27-696746014789}"/>
-    <dgm:cxn modelId="{73936B2A-78B6-423E-921A-1A248714EE67}" type="presOf" srcId="{03F4336D-475B-4692-B904-9A00796285BF}" destId="{DBDE7171-676C-460E-B239-5DAD14402C92}" srcOrd="0" destOrd="0" presId="urn:microsoft.com/office/officeart/2008/layout/LinedList"/>
+    <dgm:cxn modelId="{3229C74A-ADCA-4825-A84B-9EDFF340A5FE}" type="presOf" srcId="{E89399FA-31AD-461B-A295-79C392B6456D}" destId="{73C2F66B-B82C-4DB3-A6BA-F90CC218B55D}" srcOrd="0" destOrd="0" presId="urn:microsoft.com/office/officeart/2008/layout/LinedList"/>
     <dgm:cxn modelId="{A0CEE896-493A-4E48-91C0-F9AF43719D47}" type="presOf" srcId="{422F1DBE-AFB6-48C4-B6BD-5DCCF3E16109}" destId="{778780B8-43C8-45CB-AA98-02C659DC9C46}" srcOrd="0" destOrd="0" presId="urn:microsoft.com/office/officeart/2008/layout/LinedList"/>
     <dgm:cxn modelId="{7D4239B8-B0AA-42EE-8FA7-F9C624358579}" srcId="{1D66F6DA-CBEE-4933-8A93-59C51DE179A1}" destId="{B35EBE1A-1F57-4A58-B847-14B44BFFD2B2}" srcOrd="11" destOrd="0" parTransId="{942AF254-2F05-4F04-942C-608553D2F2E3}" sibTransId="{A83A50C7-3A2F-4AC3-AF07-57AB7B2121AD}"/>
-    <dgm:cxn modelId="{9DA27575-10F1-4844-8E61-F126DE4B8A47}" type="presOf" srcId="{71E3888B-2714-4B63-954D-FA37BE843855}" destId="{17B2CC0F-7432-4C7C-9DBA-40A6021E5E18}" srcOrd="0" destOrd="0" presId="urn:microsoft.com/office/officeart/2008/layout/LinedList"/>
-    <dgm:cxn modelId="{4398E528-AB5C-4CA6-B8D5-02254D53D51F}" srcId="{71E3888B-2714-4B63-954D-FA37BE843855}" destId="{1D66F6DA-CBEE-4933-8A93-59C51DE179A1}" srcOrd="0" destOrd="0" parTransId="{3F557299-9289-48B5-A5E5-689A2D9C89C9}" sibTransId="{C0737863-AC04-4856-B349-3A21703F7530}"/>
-    <dgm:cxn modelId="{C41F555B-4512-45D9-A0D8-5AC5639BA7A7}" type="presOf" srcId="{5869D19D-43B5-48C2-95E0-ECA66D1451B5}" destId="{ECF54895-6DCA-4ED0-8DE6-17D668B468CB}" srcOrd="0" destOrd="0" presId="urn:microsoft.com/office/officeart/2008/layout/LinedList"/>
-    <dgm:cxn modelId="{28BCE666-F601-417D-AF22-A62ED88DECD0}" srcId="{1D66F6DA-CBEE-4933-8A93-59C51DE179A1}" destId="{449B2EF2-5D13-4C2F-B527-3E70CC13ADDF}" srcOrd="3" destOrd="0" parTransId="{04E12ECC-4A56-48F9-8FC4-ACDF77E90D5D}" sibTransId="{945920FF-B404-45D1-A16D-A4BA72426CBC}"/>
-    <dgm:cxn modelId="{DBDEF28F-5C4C-4A2A-931D-02522427EEDE}" srcId="{1D66F6DA-CBEE-4933-8A93-59C51DE179A1}" destId="{03F4336D-475B-4692-B904-9A00796285BF}" srcOrd="2" destOrd="0" parTransId="{AE7C2B93-DB16-4583-A6E1-3E8B569869AA}" sibTransId="{67127B76-680C-4131-86D3-A16333E85786}"/>
-    <dgm:cxn modelId="{955B1DB5-865F-4F01-8B27-92F82925EA37}" type="presOf" srcId="{62594219-E882-4BC6-AB48-08ECE9C51A96}" destId="{6F712116-AADA-4C9D-90BA-D73E52016D94}" srcOrd="0" destOrd="0" presId="urn:microsoft.com/office/officeart/2008/layout/LinedList"/>
-    <dgm:cxn modelId="{1A384201-0938-486E-9732-2345B7D962DB}" srcId="{1D66F6DA-CBEE-4933-8A93-59C51DE179A1}" destId="{AA710F0D-2BF8-47B3-9028-E3F72D404DB5}" srcOrd="10" destOrd="0" parTransId="{567B731D-2453-45F6-A1EC-D20D6808A3EA}" sibTransId="{2D779423-3476-4989-BB73-63900674ABA5}"/>
     <dgm:cxn modelId="{3AD44B1D-7B81-45C1-B650-ED7B1A1CAFE6}" srcId="{1D66F6DA-CBEE-4933-8A93-59C51DE179A1}" destId="{62594219-E882-4BC6-AB48-08ECE9C51A96}" srcOrd="8" destOrd="0" parTransId="{65F05BE5-F501-40C8-83A3-AF506394FEE4}" sibTransId="{9805CC95-8DE4-4230-A502-07CDFCA64308}"/>
-    <dgm:cxn modelId="{D4CD55AF-6573-456C-B30B-FC7A4D44A687}" srcId="{1D66F6DA-CBEE-4933-8A93-59C51DE179A1}" destId="{423DA25C-E8F9-4B31-B9FE-E6B46F2FBC90}" srcOrd="1" destOrd="0" parTransId="{02E1D5F1-D713-4DAF-825D-53EBD835C1F4}" sibTransId="{6DCC3ED2-A641-4BF3-8E53-116CE1AD3FB9}"/>
-    <dgm:cxn modelId="{A0217A05-5DF3-4514-B360-9E6DD92C08C1}" type="presOf" srcId="{AA710F0D-2BF8-47B3-9028-E3F72D404DB5}" destId="{627633C5-399F-47E8-A739-968ECC655B63}" srcOrd="0" destOrd="0" presId="urn:microsoft.com/office/officeart/2008/layout/LinedList"/>
-    <dgm:cxn modelId="{3229C74A-ADCA-4825-A84B-9EDFF340A5FE}" type="presOf" srcId="{E89399FA-31AD-461B-A295-79C392B6456D}" destId="{73C2F66B-B82C-4DB3-A6BA-F90CC218B55D}" srcOrd="0" destOrd="0" presId="urn:microsoft.com/office/officeart/2008/layout/LinedList"/>
     <dgm:cxn modelId="{659507FB-5C42-4C8D-A6CA-B405ACB0D805}" type="presOf" srcId="{449B2EF2-5D13-4C2F-B527-3E70CC13ADDF}" destId="{DC7E7B43-351D-4019-BB0F-8AD8A9DE65A1}" srcOrd="0" destOrd="0" presId="urn:microsoft.com/office/officeart/2008/layout/LinedList"/>
-    <dgm:cxn modelId="{4064E703-05F9-4955-AA87-23A2D7DE577A}" type="presOf" srcId="{89AE2931-DA9A-49C7-8ED5-7368DA874CDF}" destId="{F43F5463-494C-419F-BF2F-BB59D7BF31E7}" srcOrd="0" destOrd="0" presId="urn:microsoft.com/office/officeart/2008/layout/LinedList"/>
+    <dgm:cxn modelId="{92110138-D9E0-408A-A531-705D6EC213B6}" type="presOf" srcId="{1D66F6DA-CBEE-4933-8A93-59C51DE179A1}" destId="{9E4F370C-600F-4CD7-ADD3-5CBB2DFD8E77}" srcOrd="0" destOrd="0" presId="urn:microsoft.com/office/officeart/2008/layout/LinedList"/>
     <dgm:cxn modelId="{73321F51-604D-45D4-B7FF-8B2AC2C574B3}" type="presParOf" srcId="{17B2CC0F-7432-4C7C-9DBA-40A6021E5E18}" destId="{284EE2EE-9063-4DCA-8431-25E9F32D032A}" srcOrd="0" destOrd="0" presId="urn:microsoft.com/office/officeart/2008/layout/LinedList"/>
     <dgm:cxn modelId="{A498D6F1-1122-45E9-8A83-0D99502C20DB}" type="presParOf" srcId="{17B2CC0F-7432-4C7C-9DBA-40A6021E5E18}" destId="{4ADFF770-6D8A-4838-91D1-67FF4F061FEA}" srcOrd="1" destOrd="0" presId="urn:microsoft.com/office/officeart/2008/layout/LinedList"/>
     <dgm:cxn modelId="{61920337-55D0-4A72-969A-F3ECEA4DA23F}" type="presParOf" srcId="{4ADFF770-6D8A-4838-91D1-67FF4F061FEA}" destId="{9E4F370C-600F-4CD7-ADD3-5CBB2DFD8E77}" srcOrd="0" destOrd="0" presId="urn:microsoft.com/office/officeart/2008/layout/LinedList"/>
@@ -2217,6 +2219,1585 @@
       <dsp:cNvGrpSpPr/>
     </dsp:nvGrpSpPr>
     <dsp:grpSpPr/>
+    <dsp:sp modelId="{284EE2EE-9063-4DCA-8431-25E9F32D032A}">
+      <dsp:nvSpPr>
+        <dsp:cNvPr id="0" name=""/>
+        <dsp:cNvSpPr/>
+      </dsp:nvSpPr>
+      <dsp:spPr>
+        <a:xfrm>
+          <a:off x="0" y="1967"/>
+          <a:ext cx="10995376" cy="0"/>
+        </a:xfrm>
+        <a:prstGeom prst="line">
+          <a:avLst/>
+        </a:prstGeom>
+        <a:solidFill>
+          <a:schemeClr val="lt1">
+            <a:hueOff val="0"/>
+            <a:satOff val="0"/>
+            <a:lumOff val="0"/>
+            <a:alphaOff val="0"/>
+          </a:schemeClr>
+        </a:solidFill>
+        <a:ln w="19050" cap="rnd" cmpd="sng" algn="ctr">
+          <a:solidFill>
+            <a:schemeClr val="dk2">
+              <a:shade val="80000"/>
+              <a:hueOff val="0"/>
+              <a:satOff val="0"/>
+              <a:lumOff val="0"/>
+              <a:alphaOff val="0"/>
+            </a:schemeClr>
+          </a:solidFill>
+          <a:prstDash val="solid"/>
+        </a:ln>
+        <a:effectLst/>
+      </dsp:spPr>
+      <dsp:style>
+        <a:lnRef idx="2">
+          <a:scrgbClr r="0" g="0" b="0"/>
+        </a:lnRef>
+        <a:fillRef idx="1">
+          <a:scrgbClr r="0" g="0" b="0"/>
+        </a:fillRef>
+        <a:effectRef idx="0">
+          <a:scrgbClr r="0" g="0" b="0"/>
+        </a:effectRef>
+        <a:fontRef idx="minor">
+          <a:schemeClr val="lt1"/>
+        </a:fontRef>
+      </dsp:style>
+    </dsp:sp>
+    <dsp:sp modelId="{9E4F370C-600F-4CD7-ADD3-5CBB2DFD8E77}">
+      <dsp:nvSpPr>
+        <dsp:cNvPr id="0" name=""/>
+        <dsp:cNvSpPr/>
+      </dsp:nvSpPr>
+      <dsp:spPr>
+        <a:xfrm>
+          <a:off x="0" y="1967"/>
+          <a:ext cx="2199075" cy="4026198"/>
+        </a:xfrm>
+        <a:prstGeom prst="rect">
+          <a:avLst/>
+        </a:prstGeom>
+        <a:noFill/>
+        <a:ln>
+          <a:noFill/>
+        </a:ln>
+        <a:effectLst/>
+      </dsp:spPr>
+      <dsp:style>
+        <a:lnRef idx="0">
+          <a:scrgbClr r="0" g="0" b="0"/>
+        </a:lnRef>
+        <a:fillRef idx="0">
+          <a:scrgbClr r="0" g="0" b="0"/>
+        </a:fillRef>
+        <a:effectRef idx="0">
+          <a:scrgbClr r="0" g="0" b="0"/>
+        </a:effectRef>
+        <a:fontRef idx="minor"/>
+      </dsp:style>
+      <dsp:txBody>
+        <a:bodyPr spcFirstLastPara="0" vert="horz" wrap="square" lIns="45720" tIns="45720" rIns="45720" bIns="45720" numCol="1" spcCol="1270" anchor="t" anchorCtr="0">
+          <a:noAutofit/>
+        </a:bodyPr>
+        <a:lstStyle/>
+        <a:p>
+          <a:pPr lvl="0" algn="l" defTabSz="533400">
+            <a:lnSpc>
+              <a:spcPct val="90000"/>
+            </a:lnSpc>
+            <a:spcBef>
+              <a:spcPct val="0"/>
+            </a:spcBef>
+            <a:spcAft>
+              <a:spcPct val="35000"/>
+            </a:spcAft>
+          </a:pPr>
+          <a:r>
+            <a:rPr lang="en-US" sz="1200" kern="1200"/>
+            <a:t>Microsoft.Quantum.Simulation.Simulators.</a:t>
+          </a:r>
+          <a:r>
+            <a:rPr lang="en-US" sz="1200" u="sng" kern="1200"/>
+            <a:t>QCTraceSimulatorsNamespace</a:t>
+          </a:r>
+          <a:endParaRPr lang="en-US" sz="1200" u="sng" kern="1200" dirty="0"/>
+        </a:p>
+      </dsp:txBody>
+      <dsp:txXfrm>
+        <a:off x="0" y="1967"/>
+        <a:ext cx="2199075" cy="4026198"/>
+      </dsp:txXfrm>
+    </dsp:sp>
+    <dsp:sp modelId="{73C2F66B-B82C-4DB3-A6BA-F90CC218B55D}">
+      <dsp:nvSpPr>
+        <dsp:cNvPr id="0" name=""/>
+        <dsp:cNvSpPr/>
+      </dsp:nvSpPr>
+      <dsp:spPr>
+        <a:xfrm>
+          <a:off x="2364006" y="16638"/>
+          <a:ext cx="8631370" cy="293413"/>
+        </a:xfrm>
+        <a:prstGeom prst="rect">
+          <a:avLst/>
+        </a:prstGeom>
+        <a:noFill/>
+        <a:ln>
+          <a:noFill/>
+        </a:ln>
+        <a:effectLst/>
+      </dsp:spPr>
+      <dsp:style>
+        <a:lnRef idx="0">
+          <a:scrgbClr r="0" g="0" b="0"/>
+        </a:lnRef>
+        <a:fillRef idx="0">
+          <a:scrgbClr r="0" g="0" b="0"/>
+        </a:fillRef>
+        <a:effectRef idx="0">
+          <a:scrgbClr r="0" g="0" b="0"/>
+        </a:effectRef>
+        <a:fontRef idx="minor"/>
+      </dsp:style>
+      <dsp:txBody>
+        <a:bodyPr spcFirstLastPara="0" vert="horz" wrap="square" lIns="45720" tIns="45720" rIns="45720" bIns="45720" numCol="1" spcCol="1270" anchor="t" anchorCtr="0">
+          <a:noAutofit/>
+        </a:bodyPr>
+        <a:lstStyle/>
+        <a:p>
+          <a:pPr lvl="0" algn="l" defTabSz="533400">
+            <a:lnSpc>
+              <a:spcPct val="90000"/>
+            </a:lnSpc>
+            <a:spcBef>
+              <a:spcPct val="0"/>
+            </a:spcBef>
+            <a:spcAft>
+              <a:spcPct val="35000"/>
+            </a:spcAft>
+          </a:pPr>
+          <a:r>
+            <a:rPr lang="en-US" sz="1200" kern="1200" dirty="0" err="1">
+              <a:hlinkClick xmlns:r="http://schemas.openxmlformats.org/officeDocument/2006/relationships" r:id="rId1"/>
+            </a:rPr>
+            <a:t>DistinctInputsCheckerException</a:t>
+          </a:r>
+          <a:endParaRPr lang="en-US" sz="1200" b="1" u="none" kern="1200" dirty="0"/>
+        </a:p>
+      </dsp:txBody>
+      <dsp:txXfrm>
+        <a:off x="2364006" y="16638"/>
+        <a:ext cx="8631370" cy="293413"/>
+      </dsp:txXfrm>
+    </dsp:sp>
+    <dsp:sp modelId="{14AC273A-D46B-4F95-A052-50304163E2E7}">
+      <dsp:nvSpPr>
+        <dsp:cNvPr id="0" name=""/>
+        <dsp:cNvSpPr/>
+      </dsp:nvSpPr>
+      <dsp:spPr>
+        <a:xfrm>
+          <a:off x="2199075" y="310051"/>
+          <a:ext cx="8796301" cy="0"/>
+        </a:xfrm>
+        <a:prstGeom prst="line">
+          <a:avLst/>
+        </a:prstGeom>
+        <a:solidFill>
+          <a:schemeClr val="dk2">
+            <a:hueOff val="0"/>
+            <a:satOff val="0"/>
+            <a:lumOff val="0"/>
+            <a:alphaOff val="0"/>
+          </a:schemeClr>
+        </a:solidFill>
+        <a:ln w="19050" cap="rnd" cmpd="sng" algn="ctr">
+          <a:solidFill>
+            <a:schemeClr val="dk2">
+              <a:hueOff val="0"/>
+              <a:satOff val="0"/>
+              <a:lumOff val="0"/>
+              <a:alphaOff val="0"/>
+            </a:schemeClr>
+          </a:solidFill>
+          <a:prstDash val="solid"/>
+        </a:ln>
+        <a:effectLst/>
+      </dsp:spPr>
+      <dsp:style>
+        <a:lnRef idx="2">
+          <a:scrgbClr r="0" g="0" b="0"/>
+        </a:lnRef>
+        <a:fillRef idx="1">
+          <a:scrgbClr r="0" g="0" b="0"/>
+        </a:fillRef>
+        <a:effectRef idx="0">
+          <a:scrgbClr r="0" g="0" b="0"/>
+        </a:effectRef>
+        <a:fontRef idx="minor"/>
+      </dsp:style>
+    </dsp:sp>
+    <dsp:sp modelId="{E0467ECD-DA30-4BE7-BC97-893CE5424E3F}">
+      <dsp:nvSpPr>
+        <dsp:cNvPr id="0" name=""/>
+        <dsp:cNvSpPr/>
+      </dsp:nvSpPr>
+      <dsp:spPr>
+        <a:xfrm>
+          <a:off x="2364006" y="324722"/>
+          <a:ext cx="8631370" cy="293413"/>
+        </a:xfrm>
+        <a:prstGeom prst="rect">
+          <a:avLst/>
+        </a:prstGeom>
+        <a:noFill/>
+        <a:ln>
+          <a:noFill/>
+        </a:ln>
+        <a:effectLst/>
+      </dsp:spPr>
+      <dsp:style>
+        <a:lnRef idx="0">
+          <a:scrgbClr r="0" g="0" b="0"/>
+        </a:lnRef>
+        <a:fillRef idx="0">
+          <a:scrgbClr r="0" g="0" b="0"/>
+        </a:fillRef>
+        <a:effectRef idx="0">
+          <a:scrgbClr r="0" g="0" b="0"/>
+        </a:effectRef>
+        <a:fontRef idx="minor"/>
+      </dsp:style>
+      <dsp:txBody>
+        <a:bodyPr spcFirstLastPara="0" vert="horz" wrap="square" lIns="45720" tIns="45720" rIns="45720" bIns="45720" numCol="1" spcCol="1270" anchor="t" anchorCtr="0">
+          <a:noAutofit/>
+        </a:bodyPr>
+        <a:lstStyle/>
+        <a:p>
+          <a:pPr lvl="0" algn="l" defTabSz="533400">
+            <a:lnSpc>
+              <a:spcPct val="90000"/>
+            </a:lnSpc>
+            <a:spcBef>
+              <a:spcPct val="0"/>
+            </a:spcBef>
+            <a:spcAft>
+              <a:spcPct val="35000"/>
+            </a:spcAft>
+          </a:pPr>
+          <a:r>
+            <a:rPr lang="en-US" sz="1200" b="0" i="0" kern="1200" dirty="0" err="1">
+              <a:hlinkClick xmlns:r="http://schemas.openxmlformats.org/officeDocument/2006/relationships" r:id="rId2"/>
+            </a:rPr>
+            <a:t>GateTimes</a:t>
+          </a:r>
+          <a:endParaRPr lang="en-US" sz="1200" kern="1200" dirty="0">
+            <a:solidFill>
+              <a:schemeClr val="bg1"/>
+            </a:solidFill>
+          </a:endParaRPr>
+        </a:p>
+      </dsp:txBody>
+      <dsp:txXfrm>
+        <a:off x="2364006" y="324722"/>
+        <a:ext cx="8631370" cy="293413"/>
+      </dsp:txXfrm>
+    </dsp:sp>
+    <dsp:sp modelId="{A8265386-8D1C-4934-A73D-17C932A6832E}">
+      <dsp:nvSpPr>
+        <dsp:cNvPr id="0" name=""/>
+        <dsp:cNvSpPr/>
+      </dsp:nvSpPr>
+      <dsp:spPr>
+        <a:xfrm>
+          <a:off x="2199075" y="618135"/>
+          <a:ext cx="8796301" cy="0"/>
+        </a:xfrm>
+        <a:prstGeom prst="line">
+          <a:avLst/>
+        </a:prstGeom>
+        <a:solidFill>
+          <a:schemeClr val="dk2">
+            <a:hueOff val="0"/>
+            <a:satOff val="0"/>
+            <a:lumOff val="0"/>
+            <a:alphaOff val="0"/>
+          </a:schemeClr>
+        </a:solidFill>
+        <a:ln w="19050" cap="rnd" cmpd="sng" algn="ctr">
+          <a:solidFill>
+            <a:schemeClr val="dk2">
+              <a:hueOff val="0"/>
+              <a:satOff val="0"/>
+              <a:lumOff val="0"/>
+              <a:alphaOff val="0"/>
+            </a:schemeClr>
+          </a:solidFill>
+          <a:prstDash val="solid"/>
+        </a:ln>
+        <a:effectLst/>
+      </dsp:spPr>
+      <dsp:style>
+        <a:lnRef idx="2">
+          <a:scrgbClr r="0" g="0" b="0"/>
+        </a:lnRef>
+        <a:fillRef idx="1">
+          <a:scrgbClr r="0" g="0" b="0"/>
+        </a:fillRef>
+        <a:effectRef idx="0">
+          <a:scrgbClr r="0" g="0" b="0"/>
+        </a:effectRef>
+        <a:fontRef idx="minor"/>
+      </dsp:style>
+    </dsp:sp>
+    <dsp:sp modelId="{DBDE7171-676C-460E-B239-5DAD14402C92}">
+      <dsp:nvSpPr>
+        <dsp:cNvPr id="0" name=""/>
+        <dsp:cNvSpPr/>
+      </dsp:nvSpPr>
+      <dsp:spPr>
+        <a:xfrm>
+          <a:off x="2364006" y="632806"/>
+          <a:ext cx="8631370" cy="293413"/>
+        </a:xfrm>
+        <a:prstGeom prst="rect">
+          <a:avLst/>
+        </a:prstGeom>
+        <a:noFill/>
+        <a:ln>
+          <a:noFill/>
+        </a:ln>
+        <a:effectLst/>
+      </dsp:spPr>
+      <dsp:style>
+        <a:lnRef idx="0">
+          <a:scrgbClr r="0" g="0" b="0"/>
+        </a:lnRef>
+        <a:fillRef idx="0">
+          <a:scrgbClr r="0" g="0" b="0"/>
+        </a:fillRef>
+        <a:effectRef idx="0">
+          <a:scrgbClr r="0" g="0" b="0"/>
+        </a:effectRef>
+        <a:fontRef idx="minor"/>
+      </dsp:style>
+      <dsp:txBody>
+        <a:bodyPr spcFirstLastPara="0" vert="horz" wrap="square" lIns="45720" tIns="45720" rIns="45720" bIns="45720" numCol="1" spcCol="1270" anchor="t" anchorCtr="0">
+          <a:noAutofit/>
+        </a:bodyPr>
+        <a:lstStyle/>
+        <a:p>
+          <a:pPr lvl="0" algn="l" defTabSz="533400">
+            <a:lnSpc>
+              <a:spcPct val="90000"/>
+            </a:lnSpc>
+            <a:spcBef>
+              <a:spcPct val="0"/>
+            </a:spcBef>
+            <a:spcAft>
+              <a:spcPct val="35000"/>
+            </a:spcAft>
+          </a:pPr>
+          <a:r>
+            <a:rPr lang="en-US" sz="1200" b="0" i="0" kern="1200" dirty="0" err="1">
+              <a:hlinkClick xmlns:r="http://schemas.openxmlformats.org/officeDocument/2006/relationships" r:id="rId3"/>
+            </a:rPr>
+            <a:t>InvalidatedQubitsUseCheckerException</a:t>
+          </a:r>
+          <a:endParaRPr lang="en-US" sz="1200" kern="1200" dirty="0">
+            <a:solidFill>
+              <a:schemeClr val="bg1"/>
+            </a:solidFill>
+          </a:endParaRPr>
+        </a:p>
+      </dsp:txBody>
+      <dsp:txXfrm>
+        <a:off x="2364006" y="632806"/>
+        <a:ext cx="8631370" cy="293413"/>
+      </dsp:txXfrm>
+    </dsp:sp>
+    <dsp:sp modelId="{300BDB73-9224-4906-8F74-6318EA4A7357}">
+      <dsp:nvSpPr>
+        <dsp:cNvPr id="0" name=""/>
+        <dsp:cNvSpPr/>
+      </dsp:nvSpPr>
+      <dsp:spPr>
+        <a:xfrm>
+          <a:off x="2199075" y="926219"/>
+          <a:ext cx="8796301" cy="0"/>
+        </a:xfrm>
+        <a:prstGeom prst="line">
+          <a:avLst/>
+        </a:prstGeom>
+        <a:solidFill>
+          <a:schemeClr val="dk2">
+            <a:hueOff val="0"/>
+            <a:satOff val="0"/>
+            <a:lumOff val="0"/>
+            <a:alphaOff val="0"/>
+          </a:schemeClr>
+        </a:solidFill>
+        <a:ln w="19050" cap="rnd" cmpd="sng" algn="ctr">
+          <a:solidFill>
+            <a:schemeClr val="dk2">
+              <a:hueOff val="0"/>
+              <a:satOff val="0"/>
+              <a:lumOff val="0"/>
+              <a:alphaOff val="0"/>
+            </a:schemeClr>
+          </a:solidFill>
+          <a:prstDash val="solid"/>
+        </a:ln>
+        <a:effectLst/>
+      </dsp:spPr>
+      <dsp:style>
+        <a:lnRef idx="2">
+          <a:scrgbClr r="0" g="0" b="0"/>
+        </a:lnRef>
+        <a:fillRef idx="1">
+          <a:scrgbClr r="0" g="0" b="0"/>
+        </a:fillRef>
+        <a:effectRef idx="0">
+          <a:scrgbClr r="0" g="0" b="0"/>
+        </a:effectRef>
+        <a:fontRef idx="minor"/>
+      </dsp:style>
+    </dsp:sp>
+    <dsp:sp modelId="{DC7E7B43-351D-4019-BB0F-8AD8A9DE65A1}">
+      <dsp:nvSpPr>
+        <dsp:cNvPr id="0" name=""/>
+        <dsp:cNvSpPr/>
+      </dsp:nvSpPr>
+      <dsp:spPr>
+        <a:xfrm>
+          <a:off x="2364006" y="940889"/>
+          <a:ext cx="8631370" cy="293413"/>
+        </a:xfrm>
+        <a:prstGeom prst="rect">
+          <a:avLst/>
+        </a:prstGeom>
+        <a:noFill/>
+        <a:ln>
+          <a:noFill/>
+        </a:ln>
+        <a:effectLst/>
+      </dsp:spPr>
+      <dsp:style>
+        <a:lnRef idx="0">
+          <a:scrgbClr r="0" g="0" b="0"/>
+        </a:lnRef>
+        <a:fillRef idx="0">
+          <a:scrgbClr r="0" g="0" b="0"/>
+        </a:fillRef>
+        <a:effectRef idx="0">
+          <a:scrgbClr r="0" g="0" b="0"/>
+        </a:effectRef>
+        <a:fontRef idx="minor"/>
+      </dsp:style>
+      <dsp:txBody>
+        <a:bodyPr spcFirstLastPara="0" vert="horz" wrap="square" lIns="45720" tIns="45720" rIns="45720" bIns="45720" numCol="1" spcCol="1270" anchor="t" anchorCtr="0">
+          <a:noAutofit/>
+        </a:bodyPr>
+        <a:lstStyle/>
+        <a:p>
+          <a:pPr lvl="0" algn="l" defTabSz="533400">
+            <a:lnSpc>
+              <a:spcPct val="90000"/>
+            </a:lnSpc>
+            <a:spcBef>
+              <a:spcPct val="0"/>
+            </a:spcBef>
+            <a:spcAft>
+              <a:spcPct val="35000"/>
+            </a:spcAft>
+          </a:pPr>
+          <a:r>
+            <a:rPr lang="en-US" sz="1200" b="0" i="0" kern="1200" dirty="0" err="1">
+              <a:hlinkClick xmlns:r="http://schemas.openxmlformats.org/officeDocument/2006/relationships" r:id="rId4"/>
+            </a:rPr>
+            <a:t>MetricsCountersNames</a:t>
+          </a:r>
+          <a:endParaRPr lang="en-US" sz="1200" kern="1200" dirty="0">
+            <a:solidFill>
+              <a:schemeClr val="bg1"/>
+            </a:solidFill>
+          </a:endParaRPr>
+        </a:p>
+      </dsp:txBody>
+      <dsp:txXfrm>
+        <a:off x="2364006" y="940889"/>
+        <a:ext cx="8631370" cy="293413"/>
+      </dsp:txXfrm>
+    </dsp:sp>
+    <dsp:sp modelId="{E3FC8C09-3F88-43FE-8616-8EEDA5CA5B27}">
+      <dsp:nvSpPr>
+        <dsp:cNvPr id="0" name=""/>
+        <dsp:cNvSpPr/>
+      </dsp:nvSpPr>
+      <dsp:spPr>
+        <a:xfrm>
+          <a:off x="2199075" y="1234303"/>
+          <a:ext cx="8796301" cy="0"/>
+        </a:xfrm>
+        <a:prstGeom prst="line">
+          <a:avLst/>
+        </a:prstGeom>
+        <a:solidFill>
+          <a:schemeClr val="dk2">
+            <a:hueOff val="0"/>
+            <a:satOff val="0"/>
+            <a:lumOff val="0"/>
+            <a:alphaOff val="0"/>
+          </a:schemeClr>
+        </a:solidFill>
+        <a:ln w="19050" cap="rnd" cmpd="sng" algn="ctr">
+          <a:solidFill>
+            <a:schemeClr val="dk2">
+              <a:hueOff val="0"/>
+              <a:satOff val="0"/>
+              <a:lumOff val="0"/>
+              <a:alphaOff val="0"/>
+            </a:schemeClr>
+          </a:solidFill>
+          <a:prstDash val="solid"/>
+        </a:ln>
+        <a:effectLst/>
+      </dsp:spPr>
+      <dsp:style>
+        <a:lnRef idx="2">
+          <a:scrgbClr r="0" g="0" b="0"/>
+        </a:lnRef>
+        <a:fillRef idx="1">
+          <a:scrgbClr r="0" g="0" b="0"/>
+        </a:fillRef>
+        <a:effectRef idx="0">
+          <a:scrgbClr r="0" g="0" b="0"/>
+        </a:effectRef>
+        <a:fontRef idx="minor"/>
+      </dsp:style>
+    </dsp:sp>
+    <dsp:sp modelId="{874C6CD5-E89A-435A-9234-8678635D1A63}">
+      <dsp:nvSpPr>
+        <dsp:cNvPr id="0" name=""/>
+        <dsp:cNvSpPr/>
+      </dsp:nvSpPr>
+      <dsp:spPr>
+        <a:xfrm>
+          <a:off x="2364006" y="1248973"/>
+          <a:ext cx="8631370" cy="293413"/>
+        </a:xfrm>
+        <a:prstGeom prst="rect">
+          <a:avLst/>
+        </a:prstGeom>
+        <a:noFill/>
+        <a:ln>
+          <a:noFill/>
+        </a:ln>
+        <a:effectLst/>
+      </dsp:spPr>
+      <dsp:style>
+        <a:lnRef idx="0">
+          <a:scrgbClr r="0" g="0" b="0"/>
+        </a:lnRef>
+        <a:fillRef idx="0">
+          <a:scrgbClr r="0" g="0" b="0"/>
+        </a:fillRef>
+        <a:effectRef idx="0">
+          <a:scrgbClr r="0" g="0" b="0"/>
+        </a:effectRef>
+        <a:fontRef idx="minor"/>
+      </dsp:style>
+      <dsp:txBody>
+        <a:bodyPr spcFirstLastPara="0" vert="horz" wrap="square" lIns="45720" tIns="45720" rIns="45720" bIns="45720" numCol="1" spcCol="1270" anchor="t" anchorCtr="0">
+          <a:noAutofit/>
+        </a:bodyPr>
+        <a:lstStyle/>
+        <a:p>
+          <a:pPr lvl="0" algn="l" defTabSz="533400">
+            <a:lnSpc>
+              <a:spcPct val="90000"/>
+            </a:lnSpc>
+            <a:spcBef>
+              <a:spcPct val="0"/>
+            </a:spcBef>
+            <a:spcAft>
+              <a:spcPct val="35000"/>
+            </a:spcAft>
+          </a:pPr>
+          <a:r>
+            <a:rPr lang="en-US" sz="1200" b="0" i="0" kern="1200" dirty="0" err="1">
+              <a:hlinkClick xmlns:r="http://schemas.openxmlformats.org/officeDocument/2006/relationships" r:id="rId5"/>
+            </a:rPr>
+            <a:t>MetricsNames</a:t>
+          </a:r>
+          <a:endParaRPr lang="en-US" sz="1200" kern="1200" dirty="0">
+            <a:solidFill>
+              <a:schemeClr val="bg1"/>
+            </a:solidFill>
+          </a:endParaRPr>
+        </a:p>
+      </dsp:txBody>
+      <dsp:txXfrm>
+        <a:off x="2364006" y="1248973"/>
+        <a:ext cx="8631370" cy="293413"/>
+      </dsp:txXfrm>
+    </dsp:sp>
+    <dsp:sp modelId="{7C8FDEE8-7234-45BE-810A-388618FFDC01}">
+      <dsp:nvSpPr>
+        <dsp:cNvPr id="0" name=""/>
+        <dsp:cNvSpPr/>
+      </dsp:nvSpPr>
+      <dsp:spPr>
+        <a:xfrm>
+          <a:off x="2199075" y="1542386"/>
+          <a:ext cx="8796301" cy="0"/>
+        </a:xfrm>
+        <a:prstGeom prst="line">
+          <a:avLst/>
+        </a:prstGeom>
+        <a:solidFill>
+          <a:schemeClr val="dk2">
+            <a:hueOff val="0"/>
+            <a:satOff val="0"/>
+            <a:lumOff val="0"/>
+            <a:alphaOff val="0"/>
+          </a:schemeClr>
+        </a:solidFill>
+        <a:ln w="19050" cap="rnd" cmpd="sng" algn="ctr">
+          <a:solidFill>
+            <a:schemeClr val="dk2">
+              <a:hueOff val="0"/>
+              <a:satOff val="0"/>
+              <a:lumOff val="0"/>
+              <a:alphaOff val="0"/>
+            </a:schemeClr>
+          </a:solidFill>
+          <a:prstDash val="solid"/>
+        </a:ln>
+        <a:effectLst/>
+      </dsp:spPr>
+      <dsp:style>
+        <a:lnRef idx="2">
+          <a:scrgbClr r="0" g="0" b="0"/>
+        </a:lnRef>
+        <a:fillRef idx="1">
+          <a:scrgbClr r="0" g="0" b="0"/>
+        </a:fillRef>
+        <a:effectRef idx="0">
+          <a:scrgbClr r="0" g="0" b="0"/>
+        </a:effectRef>
+        <a:fontRef idx="minor"/>
+      </dsp:style>
+    </dsp:sp>
+    <dsp:sp modelId="{ECF54895-6DCA-4ED0-8DE6-17D668B468CB}">
+      <dsp:nvSpPr>
+        <dsp:cNvPr id="0" name=""/>
+        <dsp:cNvSpPr/>
+      </dsp:nvSpPr>
+      <dsp:spPr>
+        <a:xfrm>
+          <a:off x="2364006" y="1557057"/>
+          <a:ext cx="8631370" cy="293413"/>
+        </a:xfrm>
+        <a:prstGeom prst="rect">
+          <a:avLst/>
+        </a:prstGeom>
+        <a:noFill/>
+        <a:ln>
+          <a:noFill/>
+        </a:ln>
+        <a:effectLst/>
+      </dsp:spPr>
+      <dsp:style>
+        <a:lnRef idx="0">
+          <a:scrgbClr r="0" g="0" b="0"/>
+        </a:lnRef>
+        <a:fillRef idx="0">
+          <a:scrgbClr r="0" g="0" b="0"/>
+        </a:fillRef>
+        <a:effectRef idx="0">
+          <a:scrgbClr r="0" g="0" b="0"/>
+        </a:effectRef>
+        <a:fontRef idx="minor"/>
+      </dsp:style>
+      <dsp:txBody>
+        <a:bodyPr spcFirstLastPara="0" vert="horz" wrap="square" lIns="45720" tIns="45720" rIns="45720" bIns="45720" numCol="1" spcCol="1270" anchor="t" anchorCtr="0">
+          <a:noAutofit/>
+        </a:bodyPr>
+        <a:lstStyle/>
+        <a:p>
+          <a:pPr lvl="0" algn="l" defTabSz="533400">
+            <a:lnSpc>
+              <a:spcPct val="90000"/>
+            </a:lnSpc>
+            <a:spcBef>
+              <a:spcPct val="0"/>
+            </a:spcBef>
+            <a:spcAft>
+              <a:spcPct val="35000"/>
+            </a:spcAft>
+          </a:pPr>
+          <a:r>
+            <a:rPr lang="en-US" sz="1200" b="0" i="0" kern="1200" dirty="0" err="1">
+              <a:hlinkClick xmlns:r="http://schemas.openxmlformats.org/officeDocument/2006/relationships" r:id="rId6"/>
+            </a:rPr>
+            <a:t>MetricsNames.DepthCounter</a:t>
+          </a:r>
+          <a:endParaRPr lang="en-US" sz="1200" kern="1200" dirty="0">
+            <a:solidFill>
+              <a:schemeClr val="bg1"/>
+            </a:solidFill>
+          </a:endParaRPr>
+        </a:p>
+      </dsp:txBody>
+      <dsp:txXfrm>
+        <a:off x="2364006" y="1557057"/>
+        <a:ext cx="8631370" cy="293413"/>
+      </dsp:txXfrm>
+    </dsp:sp>
+    <dsp:sp modelId="{DBB76B75-1422-4B9B-9D51-9E7E4C4D51B9}">
+      <dsp:nvSpPr>
+        <dsp:cNvPr id="0" name=""/>
+        <dsp:cNvSpPr/>
+      </dsp:nvSpPr>
+      <dsp:spPr>
+        <a:xfrm>
+          <a:off x="2199075" y="1850470"/>
+          <a:ext cx="8796301" cy="0"/>
+        </a:xfrm>
+        <a:prstGeom prst="line">
+          <a:avLst/>
+        </a:prstGeom>
+        <a:solidFill>
+          <a:schemeClr val="dk2">
+            <a:hueOff val="0"/>
+            <a:satOff val="0"/>
+            <a:lumOff val="0"/>
+            <a:alphaOff val="0"/>
+          </a:schemeClr>
+        </a:solidFill>
+        <a:ln w="19050" cap="rnd" cmpd="sng" algn="ctr">
+          <a:solidFill>
+            <a:schemeClr val="dk2">
+              <a:hueOff val="0"/>
+              <a:satOff val="0"/>
+              <a:lumOff val="0"/>
+              <a:alphaOff val="0"/>
+            </a:schemeClr>
+          </a:solidFill>
+          <a:prstDash val="solid"/>
+        </a:ln>
+        <a:effectLst/>
+      </dsp:spPr>
+      <dsp:style>
+        <a:lnRef idx="2">
+          <a:scrgbClr r="0" g="0" b="0"/>
+        </a:lnRef>
+        <a:fillRef idx="1">
+          <a:scrgbClr r="0" g="0" b="0"/>
+        </a:fillRef>
+        <a:effectRef idx="0">
+          <a:scrgbClr r="0" g="0" b="0"/>
+        </a:effectRef>
+        <a:fontRef idx="minor"/>
+      </dsp:style>
+    </dsp:sp>
+    <dsp:sp modelId="{F43F5463-494C-419F-BF2F-BB59D7BF31E7}">
+      <dsp:nvSpPr>
+        <dsp:cNvPr id="0" name=""/>
+        <dsp:cNvSpPr/>
+      </dsp:nvSpPr>
+      <dsp:spPr>
+        <a:xfrm>
+          <a:off x="2364006" y="1865141"/>
+          <a:ext cx="8631370" cy="293413"/>
+        </a:xfrm>
+        <a:prstGeom prst="rect">
+          <a:avLst/>
+        </a:prstGeom>
+        <a:noFill/>
+        <a:ln>
+          <a:noFill/>
+        </a:ln>
+        <a:effectLst/>
+      </dsp:spPr>
+      <dsp:style>
+        <a:lnRef idx="0">
+          <a:scrgbClr r="0" g="0" b="0"/>
+        </a:lnRef>
+        <a:fillRef idx="0">
+          <a:scrgbClr r="0" g="0" b="0"/>
+        </a:fillRef>
+        <a:effectRef idx="0">
+          <a:scrgbClr r="0" g="0" b="0"/>
+        </a:effectRef>
+        <a:fontRef idx="minor"/>
+      </dsp:style>
+      <dsp:txBody>
+        <a:bodyPr spcFirstLastPara="0" vert="horz" wrap="square" lIns="45720" tIns="45720" rIns="45720" bIns="45720" numCol="1" spcCol="1270" anchor="t" anchorCtr="0">
+          <a:noAutofit/>
+        </a:bodyPr>
+        <a:lstStyle/>
+        <a:p>
+          <a:pPr lvl="0" algn="l" defTabSz="533400">
+            <a:lnSpc>
+              <a:spcPct val="90000"/>
+            </a:lnSpc>
+            <a:spcBef>
+              <a:spcPct val="0"/>
+            </a:spcBef>
+            <a:spcAft>
+              <a:spcPct val="35000"/>
+            </a:spcAft>
+          </a:pPr>
+          <a:r>
+            <a:rPr lang="en-US" sz="1200" b="0" i="0" kern="1200" dirty="0" err="1">
+              <a:hlinkClick xmlns:r="http://schemas.openxmlformats.org/officeDocument/2006/relationships" r:id="rId7"/>
+            </a:rPr>
+            <a:t>MetricsNames.WidthCounter</a:t>
+          </a:r>
+          <a:endParaRPr lang="en-US" sz="1200" kern="1200" dirty="0">
+            <a:solidFill>
+              <a:schemeClr val="bg1"/>
+            </a:solidFill>
+          </a:endParaRPr>
+        </a:p>
+      </dsp:txBody>
+      <dsp:txXfrm>
+        <a:off x="2364006" y="1865141"/>
+        <a:ext cx="8631370" cy="293413"/>
+      </dsp:txXfrm>
+    </dsp:sp>
+    <dsp:sp modelId="{8C83B7FF-92D5-419E-9858-029ACB9341D1}">
+      <dsp:nvSpPr>
+        <dsp:cNvPr id="0" name=""/>
+        <dsp:cNvSpPr/>
+      </dsp:nvSpPr>
+      <dsp:spPr>
+        <a:xfrm>
+          <a:off x="2199075" y="2158554"/>
+          <a:ext cx="8796301" cy="0"/>
+        </a:xfrm>
+        <a:prstGeom prst="line">
+          <a:avLst/>
+        </a:prstGeom>
+        <a:solidFill>
+          <a:schemeClr val="dk2">
+            <a:hueOff val="0"/>
+            <a:satOff val="0"/>
+            <a:lumOff val="0"/>
+            <a:alphaOff val="0"/>
+          </a:schemeClr>
+        </a:solidFill>
+        <a:ln w="19050" cap="rnd" cmpd="sng" algn="ctr">
+          <a:solidFill>
+            <a:schemeClr val="dk2">
+              <a:hueOff val="0"/>
+              <a:satOff val="0"/>
+              <a:lumOff val="0"/>
+              <a:alphaOff val="0"/>
+            </a:schemeClr>
+          </a:solidFill>
+          <a:prstDash val="solid"/>
+        </a:ln>
+        <a:effectLst/>
+      </dsp:spPr>
+      <dsp:style>
+        <a:lnRef idx="2">
+          <a:scrgbClr r="0" g="0" b="0"/>
+        </a:lnRef>
+        <a:fillRef idx="1">
+          <a:scrgbClr r="0" g="0" b="0"/>
+        </a:fillRef>
+        <a:effectRef idx="0">
+          <a:scrgbClr r="0" g="0" b="0"/>
+        </a:effectRef>
+        <a:fontRef idx="minor"/>
+      </dsp:style>
+    </dsp:sp>
+    <dsp:sp modelId="{929BD149-AF90-488A-9F2B-0E0AA31FF67B}">
+      <dsp:nvSpPr>
+        <dsp:cNvPr id="0" name=""/>
+        <dsp:cNvSpPr/>
+      </dsp:nvSpPr>
+      <dsp:spPr>
+        <a:xfrm>
+          <a:off x="2364006" y="2173225"/>
+          <a:ext cx="8631370" cy="293413"/>
+        </a:xfrm>
+        <a:prstGeom prst="rect">
+          <a:avLst/>
+        </a:prstGeom>
+        <a:noFill/>
+        <a:ln>
+          <a:noFill/>
+        </a:ln>
+        <a:effectLst/>
+      </dsp:spPr>
+      <dsp:style>
+        <a:lnRef idx="0">
+          <a:scrgbClr r="0" g="0" b="0"/>
+        </a:lnRef>
+        <a:fillRef idx="0">
+          <a:scrgbClr r="0" g="0" b="0"/>
+        </a:fillRef>
+        <a:effectRef idx="0">
+          <a:scrgbClr r="0" g="0" b="0"/>
+        </a:effectRef>
+        <a:fontRef idx="minor"/>
+      </dsp:style>
+      <dsp:txBody>
+        <a:bodyPr spcFirstLastPara="0" vert="horz" wrap="square" lIns="45720" tIns="45720" rIns="45720" bIns="45720" numCol="1" spcCol="1270" anchor="t" anchorCtr="0">
+          <a:noAutofit/>
+        </a:bodyPr>
+        <a:lstStyle/>
+        <a:p>
+          <a:pPr lvl="0" algn="l" defTabSz="533400">
+            <a:lnSpc>
+              <a:spcPct val="90000"/>
+            </a:lnSpc>
+            <a:spcBef>
+              <a:spcPct val="0"/>
+            </a:spcBef>
+            <a:spcAft>
+              <a:spcPct val="35000"/>
+            </a:spcAft>
+          </a:pPr>
+          <a:r>
+            <a:rPr lang="en-US" sz="1200" b="0" i="0" kern="1200" dirty="0" err="1">
+              <a:hlinkClick xmlns:r="http://schemas.openxmlformats.org/officeDocument/2006/relationships" r:id="rId8"/>
+            </a:rPr>
+            <a:t>PrimitiveOperationsGroupsNames</a:t>
+          </a:r>
+          <a:endParaRPr lang="en-US" sz="1200" kern="1200" dirty="0">
+            <a:solidFill>
+              <a:schemeClr val="bg1"/>
+            </a:solidFill>
+          </a:endParaRPr>
+        </a:p>
+      </dsp:txBody>
+      <dsp:txXfrm>
+        <a:off x="2364006" y="2173225"/>
+        <a:ext cx="8631370" cy="293413"/>
+      </dsp:txXfrm>
+    </dsp:sp>
+    <dsp:sp modelId="{60D26549-1270-4BE3-9CB7-6A1E96265DF4}">
+      <dsp:nvSpPr>
+        <dsp:cNvPr id="0" name=""/>
+        <dsp:cNvSpPr/>
+      </dsp:nvSpPr>
+      <dsp:spPr>
+        <a:xfrm>
+          <a:off x="2199075" y="2466638"/>
+          <a:ext cx="8796301" cy="0"/>
+        </a:xfrm>
+        <a:prstGeom prst="line">
+          <a:avLst/>
+        </a:prstGeom>
+        <a:solidFill>
+          <a:schemeClr val="dk2">
+            <a:hueOff val="0"/>
+            <a:satOff val="0"/>
+            <a:lumOff val="0"/>
+            <a:alphaOff val="0"/>
+          </a:schemeClr>
+        </a:solidFill>
+        <a:ln w="19050" cap="rnd" cmpd="sng" algn="ctr">
+          <a:solidFill>
+            <a:schemeClr val="dk2">
+              <a:hueOff val="0"/>
+              <a:satOff val="0"/>
+              <a:lumOff val="0"/>
+              <a:alphaOff val="0"/>
+            </a:schemeClr>
+          </a:solidFill>
+          <a:prstDash val="solid"/>
+        </a:ln>
+        <a:effectLst/>
+      </dsp:spPr>
+      <dsp:style>
+        <a:lnRef idx="2">
+          <a:scrgbClr r="0" g="0" b="0"/>
+        </a:lnRef>
+        <a:fillRef idx="1">
+          <a:scrgbClr r="0" g="0" b="0"/>
+        </a:fillRef>
+        <a:effectRef idx="0">
+          <a:scrgbClr r="0" g="0" b="0"/>
+        </a:effectRef>
+        <a:fontRef idx="minor"/>
+      </dsp:style>
+    </dsp:sp>
+    <dsp:sp modelId="{6F712116-AADA-4C9D-90BA-D73E52016D94}">
+      <dsp:nvSpPr>
+        <dsp:cNvPr id="0" name=""/>
+        <dsp:cNvSpPr/>
+      </dsp:nvSpPr>
+      <dsp:spPr>
+        <a:xfrm>
+          <a:off x="2364006" y="2481308"/>
+          <a:ext cx="8631370" cy="293413"/>
+        </a:xfrm>
+        <a:prstGeom prst="rect">
+          <a:avLst/>
+        </a:prstGeom>
+        <a:noFill/>
+        <a:ln>
+          <a:noFill/>
+        </a:ln>
+        <a:effectLst/>
+      </dsp:spPr>
+      <dsp:style>
+        <a:lnRef idx="0">
+          <a:scrgbClr r="0" g="0" b="0"/>
+        </a:lnRef>
+        <a:fillRef idx="0">
+          <a:scrgbClr r="0" g="0" b="0"/>
+        </a:fillRef>
+        <a:effectRef idx="0">
+          <a:scrgbClr r="0" g="0" b="0"/>
+        </a:effectRef>
+        <a:fontRef idx="minor"/>
+      </dsp:style>
+      <dsp:txBody>
+        <a:bodyPr spcFirstLastPara="0" vert="horz" wrap="square" lIns="45720" tIns="45720" rIns="45720" bIns="45720" numCol="1" spcCol="1270" anchor="t" anchorCtr="0">
+          <a:noAutofit/>
+        </a:bodyPr>
+        <a:lstStyle/>
+        <a:p>
+          <a:pPr lvl="0" algn="l" defTabSz="533400">
+            <a:lnSpc>
+              <a:spcPct val="90000"/>
+            </a:lnSpc>
+            <a:spcBef>
+              <a:spcPct val="0"/>
+            </a:spcBef>
+            <a:spcAft>
+              <a:spcPct val="35000"/>
+            </a:spcAft>
+          </a:pPr>
+          <a:r>
+            <a:rPr lang="en-US" sz="1200" b="0" i="0" kern="1200" dirty="0" err="1">
+              <a:hlinkClick xmlns:r="http://schemas.openxmlformats.org/officeDocument/2006/relationships" r:id="rId9"/>
+            </a:rPr>
+            <a:t>QCTraceSimulator</a:t>
+          </a:r>
+          <a:endParaRPr lang="en-US" sz="1200" kern="1200" dirty="0">
+            <a:solidFill>
+              <a:schemeClr val="bg1"/>
+            </a:solidFill>
+          </a:endParaRPr>
+        </a:p>
+      </dsp:txBody>
+      <dsp:txXfrm>
+        <a:off x="2364006" y="2481308"/>
+        <a:ext cx="8631370" cy="293413"/>
+      </dsp:txXfrm>
+    </dsp:sp>
+    <dsp:sp modelId="{BF112D0A-521A-43D3-8F08-87F5FAA7C90C}">
+      <dsp:nvSpPr>
+        <dsp:cNvPr id="0" name=""/>
+        <dsp:cNvSpPr/>
+      </dsp:nvSpPr>
+      <dsp:spPr>
+        <a:xfrm>
+          <a:off x="2199075" y="2774721"/>
+          <a:ext cx="8796301" cy="0"/>
+        </a:xfrm>
+        <a:prstGeom prst="line">
+          <a:avLst/>
+        </a:prstGeom>
+        <a:solidFill>
+          <a:schemeClr val="dk2">
+            <a:hueOff val="0"/>
+            <a:satOff val="0"/>
+            <a:lumOff val="0"/>
+            <a:alphaOff val="0"/>
+          </a:schemeClr>
+        </a:solidFill>
+        <a:ln w="19050" cap="rnd" cmpd="sng" algn="ctr">
+          <a:solidFill>
+            <a:schemeClr val="dk2">
+              <a:hueOff val="0"/>
+              <a:satOff val="0"/>
+              <a:lumOff val="0"/>
+              <a:alphaOff val="0"/>
+            </a:schemeClr>
+          </a:solidFill>
+          <a:prstDash val="solid"/>
+        </a:ln>
+        <a:effectLst/>
+      </dsp:spPr>
+      <dsp:style>
+        <a:lnRef idx="2">
+          <a:scrgbClr r="0" g="0" b="0"/>
+        </a:lnRef>
+        <a:fillRef idx="1">
+          <a:scrgbClr r="0" g="0" b="0"/>
+        </a:fillRef>
+        <a:effectRef idx="0">
+          <a:scrgbClr r="0" g="0" b="0"/>
+        </a:effectRef>
+        <a:fontRef idx="minor"/>
+      </dsp:style>
+    </dsp:sp>
+    <dsp:sp modelId="{8FFAD65E-F91C-4BD9-9219-B3B139967861}">
+      <dsp:nvSpPr>
+        <dsp:cNvPr id="0" name=""/>
+        <dsp:cNvSpPr/>
+      </dsp:nvSpPr>
+      <dsp:spPr>
+        <a:xfrm>
+          <a:off x="2364006" y="2789392"/>
+          <a:ext cx="8631370" cy="293413"/>
+        </a:xfrm>
+        <a:prstGeom prst="rect">
+          <a:avLst/>
+        </a:prstGeom>
+        <a:noFill/>
+        <a:ln>
+          <a:noFill/>
+        </a:ln>
+        <a:effectLst/>
+      </dsp:spPr>
+      <dsp:style>
+        <a:lnRef idx="0">
+          <a:scrgbClr r="0" g="0" b="0"/>
+        </a:lnRef>
+        <a:fillRef idx="0">
+          <a:scrgbClr r="0" g="0" b="0"/>
+        </a:fillRef>
+        <a:effectRef idx="0">
+          <a:scrgbClr r="0" g="0" b="0"/>
+        </a:effectRef>
+        <a:fontRef idx="minor"/>
+      </dsp:style>
+      <dsp:txBody>
+        <a:bodyPr spcFirstLastPara="0" vert="horz" wrap="square" lIns="45720" tIns="45720" rIns="45720" bIns="45720" numCol="1" spcCol="1270" anchor="t" anchorCtr="0">
+          <a:noAutofit/>
+        </a:bodyPr>
+        <a:lstStyle/>
+        <a:p>
+          <a:pPr lvl="0" algn="l" defTabSz="533400">
+            <a:lnSpc>
+              <a:spcPct val="90000"/>
+            </a:lnSpc>
+            <a:spcBef>
+              <a:spcPct val="0"/>
+            </a:spcBef>
+            <a:spcAft>
+              <a:spcPct val="35000"/>
+            </a:spcAft>
+          </a:pPr>
+          <a:r>
+            <a:rPr lang="en-US" sz="1200" b="0" i="0" kern="1200" dirty="0" err="1">
+              <a:hlinkClick xmlns:r="http://schemas.openxmlformats.org/officeDocument/2006/relationships" r:id="rId10"/>
+            </a:rPr>
+            <a:t>QCTraceSimulatorConfiguration</a:t>
+          </a:r>
+          <a:endParaRPr lang="en-US" sz="1200" kern="1200" dirty="0">
+            <a:solidFill>
+              <a:schemeClr val="bg1"/>
+            </a:solidFill>
+          </a:endParaRPr>
+        </a:p>
+      </dsp:txBody>
+      <dsp:txXfrm>
+        <a:off x="2364006" y="2789392"/>
+        <a:ext cx="8631370" cy="293413"/>
+      </dsp:txXfrm>
+    </dsp:sp>
+    <dsp:sp modelId="{00560DD1-ABA8-46D1-A177-48A8BD75AD41}">
+      <dsp:nvSpPr>
+        <dsp:cNvPr id="0" name=""/>
+        <dsp:cNvSpPr/>
+      </dsp:nvSpPr>
+      <dsp:spPr>
+        <a:xfrm>
+          <a:off x="2199075" y="3082805"/>
+          <a:ext cx="8796301" cy="0"/>
+        </a:xfrm>
+        <a:prstGeom prst="line">
+          <a:avLst/>
+        </a:prstGeom>
+        <a:solidFill>
+          <a:schemeClr val="dk2">
+            <a:hueOff val="0"/>
+            <a:satOff val="0"/>
+            <a:lumOff val="0"/>
+            <a:alphaOff val="0"/>
+          </a:schemeClr>
+        </a:solidFill>
+        <a:ln w="19050" cap="rnd" cmpd="sng" algn="ctr">
+          <a:solidFill>
+            <a:schemeClr val="dk2">
+              <a:hueOff val="0"/>
+              <a:satOff val="0"/>
+              <a:lumOff val="0"/>
+              <a:alphaOff val="0"/>
+            </a:schemeClr>
+          </a:solidFill>
+          <a:prstDash val="solid"/>
+        </a:ln>
+        <a:effectLst/>
+      </dsp:spPr>
+      <dsp:style>
+        <a:lnRef idx="2">
+          <a:scrgbClr r="0" g="0" b="0"/>
+        </a:lnRef>
+        <a:fillRef idx="1">
+          <a:scrgbClr r="0" g="0" b="0"/>
+        </a:fillRef>
+        <a:effectRef idx="0">
+          <a:scrgbClr r="0" g="0" b="0"/>
+        </a:effectRef>
+        <a:fontRef idx="minor"/>
+      </dsp:style>
+    </dsp:sp>
+    <dsp:sp modelId="{627633C5-399F-47E8-A739-968ECC655B63}">
+      <dsp:nvSpPr>
+        <dsp:cNvPr id="0" name=""/>
+        <dsp:cNvSpPr/>
+      </dsp:nvSpPr>
+      <dsp:spPr>
+        <a:xfrm>
+          <a:off x="2364006" y="3097476"/>
+          <a:ext cx="8631370" cy="293413"/>
+        </a:xfrm>
+        <a:prstGeom prst="rect">
+          <a:avLst/>
+        </a:prstGeom>
+        <a:noFill/>
+        <a:ln>
+          <a:noFill/>
+        </a:ln>
+        <a:effectLst/>
+      </dsp:spPr>
+      <dsp:style>
+        <a:lnRef idx="0">
+          <a:scrgbClr r="0" g="0" b="0"/>
+        </a:lnRef>
+        <a:fillRef idx="0">
+          <a:scrgbClr r="0" g="0" b="0"/>
+        </a:fillRef>
+        <a:effectRef idx="0">
+          <a:scrgbClr r="0" g="0" b="0"/>
+        </a:effectRef>
+        <a:fontRef idx="minor"/>
+      </dsp:style>
+      <dsp:txBody>
+        <a:bodyPr spcFirstLastPara="0" vert="horz" wrap="square" lIns="45720" tIns="45720" rIns="45720" bIns="45720" numCol="1" spcCol="1270" anchor="t" anchorCtr="0">
+          <a:noAutofit/>
+        </a:bodyPr>
+        <a:lstStyle/>
+        <a:p>
+          <a:pPr lvl="0" algn="l" defTabSz="533400">
+            <a:lnSpc>
+              <a:spcPct val="90000"/>
+            </a:lnSpc>
+            <a:spcBef>
+              <a:spcPct val="0"/>
+            </a:spcBef>
+            <a:spcAft>
+              <a:spcPct val="35000"/>
+            </a:spcAft>
+          </a:pPr>
+          <a:r>
+            <a:rPr lang="en-US" sz="1200" b="0" i="0" kern="1200" dirty="0" err="1">
+              <a:hlinkClick xmlns:r="http://schemas.openxmlformats.org/officeDocument/2006/relationships" r:id="rId11"/>
+            </a:rPr>
+            <a:t>QubitTimeMetricsException</a:t>
+          </a:r>
+          <a:endParaRPr lang="en-US" sz="1200" kern="1200" dirty="0">
+            <a:solidFill>
+              <a:schemeClr val="bg1"/>
+            </a:solidFill>
+          </a:endParaRPr>
+        </a:p>
+      </dsp:txBody>
+      <dsp:txXfrm>
+        <a:off x="2364006" y="3097476"/>
+        <a:ext cx="8631370" cy="293413"/>
+      </dsp:txXfrm>
+    </dsp:sp>
+    <dsp:sp modelId="{C4049D03-214C-4BF3-B7B1-F67A98007A4D}">
+      <dsp:nvSpPr>
+        <dsp:cNvPr id="0" name=""/>
+        <dsp:cNvSpPr/>
+      </dsp:nvSpPr>
+      <dsp:spPr>
+        <a:xfrm>
+          <a:off x="2199075" y="3390889"/>
+          <a:ext cx="8796301" cy="0"/>
+        </a:xfrm>
+        <a:prstGeom prst="line">
+          <a:avLst/>
+        </a:prstGeom>
+        <a:solidFill>
+          <a:schemeClr val="dk2">
+            <a:hueOff val="0"/>
+            <a:satOff val="0"/>
+            <a:lumOff val="0"/>
+            <a:alphaOff val="0"/>
+          </a:schemeClr>
+        </a:solidFill>
+        <a:ln w="19050" cap="rnd" cmpd="sng" algn="ctr">
+          <a:solidFill>
+            <a:schemeClr val="dk2">
+              <a:hueOff val="0"/>
+              <a:satOff val="0"/>
+              <a:lumOff val="0"/>
+              <a:alphaOff val="0"/>
+            </a:schemeClr>
+          </a:solidFill>
+          <a:prstDash val="solid"/>
+        </a:ln>
+        <a:effectLst/>
+      </dsp:spPr>
+      <dsp:style>
+        <a:lnRef idx="2">
+          <a:scrgbClr r="0" g="0" b="0"/>
+        </a:lnRef>
+        <a:fillRef idx="1">
+          <a:scrgbClr r="0" g="0" b="0"/>
+        </a:fillRef>
+        <a:effectRef idx="0">
+          <a:scrgbClr r="0" g="0" b="0"/>
+        </a:effectRef>
+        <a:fontRef idx="minor"/>
+      </dsp:style>
+    </dsp:sp>
+    <dsp:sp modelId="{5D4EF1A0-361C-4B11-B4AC-B14634B18F17}">
+      <dsp:nvSpPr>
+        <dsp:cNvPr id="0" name=""/>
+        <dsp:cNvSpPr/>
+      </dsp:nvSpPr>
+      <dsp:spPr>
+        <a:xfrm>
+          <a:off x="2364006" y="3405560"/>
+          <a:ext cx="8631370" cy="293413"/>
+        </a:xfrm>
+        <a:prstGeom prst="rect">
+          <a:avLst/>
+        </a:prstGeom>
+        <a:noFill/>
+        <a:ln>
+          <a:noFill/>
+        </a:ln>
+        <a:effectLst/>
+      </dsp:spPr>
+      <dsp:style>
+        <a:lnRef idx="0">
+          <a:scrgbClr r="0" g="0" b="0"/>
+        </a:lnRef>
+        <a:fillRef idx="0">
+          <a:scrgbClr r="0" g="0" b="0"/>
+        </a:fillRef>
+        <a:effectRef idx="0">
+          <a:scrgbClr r="0" g="0" b="0"/>
+        </a:effectRef>
+        <a:fontRef idx="minor"/>
+      </dsp:style>
+      <dsp:txBody>
+        <a:bodyPr spcFirstLastPara="0" vert="horz" wrap="square" lIns="45720" tIns="45720" rIns="45720" bIns="45720" numCol="1" spcCol="1270" anchor="t" anchorCtr="0">
+          <a:noAutofit/>
+        </a:bodyPr>
+        <a:lstStyle/>
+        <a:p>
+          <a:pPr lvl="0" algn="l" defTabSz="533400">
+            <a:lnSpc>
+              <a:spcPct val="90000"/>
+            </a:lnSpc>
+            <a:spcBef>
+              <a:spcPct val="0"/>
+            </a:spcBef>
+            <a:spcAft>
+              <a:spcPct val="35000"/>
+            </a:spcAft>
+          </a:pPr>
+          <a:r>
+            <a:rPr lang="en-US" sz="1200" b="0" i="0" kern="1200">
+              <a:hlinkClick xmlns:r="http://schemas.openxmlformats.org/officeDocument/2006/relationships" r:id="rId12"/>
+            </a:rPr>
+            <a:t>StatisticsNames</a:t>
+          </a:r>
+          <a:endParaRPr lang="en-US" sz="1200" kern="1200" dirty="0">
+            <a:solidFill>
+              <a:schemeClr val="bg1"/>
+            </a:solidFill>
+          </a:endParaRPr>
+        </a:p>
+      </dsp:txBody>
+      <dsp:txXfrm>
+        <a:off x="2364006" y="3405560"/>
+        <a:ext cx="8631370" cy="293413"/>
+      </dsp:txXfrm>
+    </dsp:sp>
+    <dsp:sp modelId="{13987EE5-879B-408A-85E3-F4EBB1A0F24F}">
+      <dsp:nvSpPr>
+        <dsp:cNvPr id="0" name=""/>
+        <dsp:cNvSpPr/>
+      </dsp:nvSpPr>
+      <dsp:spPr>
+        <a:xfrm>
+          <a:off x="2199075" y="3698973"/>
+          <a:ext cx="8796301" cy="0"/>
+        </a:xfrm>
+        <a:prstGeom prst="line">
+          <a:avLst/>
+        </a:prstGeom>
+        <a:solidFill>
+          <a:schemeClr val="dk2">
+            <a:hueOff val="0"/>
+            <a:satOff val="0"/>
+            <a:lumOff val="0"/>
+            <a:alphaOff val="0"/>
+          </a:schemeClr>
+        </a:solidFill>
+        <a:ln w="19050" cap="rnd" cmpd="sng" algn="ctr">
+          <a:solidFill>
+            <a:schemeClr val="dk2">
+              <a:hueOff val="0"/>
+              <a:satOff val="0"/>
+              <a:lumOff val="0"/>
+              <a:alphaOff val="0"/>
+            </a:schemeClr>
+          </a:solidFill>
+          <a:prstDash val="solid"/>
+        </a:ln>
+        <a:effectLst/>
+      </dsp:spPr>
+      <dsp:style>
+        <a:lnRef idx="2">
+          <a:scrgbClr r="0" g="0" b="0"/>
+        </a:lnRef>
+        <a:fillRef idx="1">
+          <a:scrgbClr r="0" g="0" b="0"/>
+        </a:fillRef>
+        <a:effectRef idx="0">
+          <a:scrgbClr r="0" g="0" b="0"/>
+        </a:effectRef>
+        <a:fontRef idx="minor"/>
+      </dsp:style>
+    </dsp:sp>
+    <dsp:sp modelId="{778780B8-43C8-45CB-AA98-02C659DC9C46}">
+      <dsp:nvSpPr>
+        <dsp:cNvPr id="0" name=""/>
+        <dsp:cNvSpPr/>
+      </dsp:nvSpPr>
+      <dsp:spPr>
+        <a:xfrm>
+          <a:off x="2364006" y="3713643"/>
+          <a:ext cx="8631370" cy="293413"/>
+        </a:xfrm>
+        <a:prstGeom prst="rect">
+          <a:avLst/>
+        </a:prstGeom>
+        <a:noFill/>
+        <a:ln>
+          <a:noFill/>
+        </a:ln>
+        <a:effectLst/>
+      </dsp:spPr>
+      <dsp:style>
+        <a:lnRef idx="0">
+          <a:scrgbClr r="0" g="0" b="0"/>
+        </a:lnRef>
+        <a:fillRef idx="0">
+          <a:scrgbClr r="0" g="0" b="0"/>
+        </a:fillRef>
+        <a:effectRef idx="0">
+          <a:scrgbClr r="0" g="0" b="0"/>
+        </a:effectRef>
+        <a:fontRef idx="minor"/>
+      </dsp:style>
+      <dsp:txBody>
+        <a:bodyPr spcFirstLastPara="0" vert="horz" wrap="square" lIns="45720" tIns="45720" rIns="45720" bIns="45720" numCol="1" spcCol="1270" anchor="t" anchorCtr="0">
+          <a:noAutofit/>
+        </a:bodyPr>
+        <a:lstStyle/>
+        <a:p>
+          <a:pPr lvl="0" algn="l" defTabSz="533400">
+            <a:lnSpc>
+              <a:spcPct val="90000"/>
+            </a:lnSpc>
+            <a:spcBef>
+              <a:spcPct val="0"/>
+            </a:spcBef>
+            <a:spcAft>
+              <a:spcPct val="35000"/>
+            </a:spcAft>
+          </a:pPr>
+          <a:r>
+            <a:rPr lang="en-US" sz="1200" b="0" i="0" kern="1200" dirty="0" err="1">
+              <a:hlinkClick xmlns:r="http://schemas.openxmlformats.org/officeDocument/2006/relationships" r:id="rId13"/>
+            </a:rPr>
+            <a:t>UnconstrainedMeasurementException</a:t>
+          </a:r>
+          <a:endParaRPr lang="en-US" sz="1200" kern="1200" dirty="0">
+            <a:solidFill>
+              <a:schemeClr val="bg1"/>
+            </a:solidFill>
+          </a:endParaRPr>
+        </a:p>
+      </dsp:txBody>
+      <dsp:txXfrm>
+        <a:off x="2364006" y="3713643"/>
+        <a:ext cx="8631370" cy="293413"/>
+      </dsp:txXfrm>
+    </dsp:sp>
+    <dsp:sp modelId="{221CE163-EF19-409A-BD8F-C889AC7CD3D6}">
+      <dsp:nvSpPr>
+        <dsp:cNvPr id="0" name=""/>
+        <dsp:cNvSpPr/>
+      </dsp:nvSpPr>
+      <dsp:spPr>
+        <a:xfrm>
+          <a:off x="2199075" y="4007057"/>
+          <a:ext cx="8796301" cy="0"/>
+        </a:xfrm>
+        <a:prstGeom prst="line">
+          <a:avLst/>
+        </a:prstGeom>
+        <a:solidFill>
+          <a:schemeClr val="dk2">
+            <a:hueOff val="0"/>
+            <a:satOff val="0"/>
+            <a:lumOff val="0"/>
+            <a:alphaOff val="0"/>
+          </a:schemeClr>
+        </a:solidFill>
+        <a:ln w="19050" cap="rnd" cmpd="sng" algn="ctr">
+          <a:solidFill>
+            <a:schemeClr val="dk2">
+              <a:hueOff val="0"/>
+              <a:satOff val="0"/>
+              <a:lumOff val="0"/>
+              <a:alphaOff val="0"/>
+            </a:schemeClr>
+          </a:solidFill>
+          <a:prstDash val="solid"/>
+        </a:ln>
+        <a:effectLst/>
+      </dsp:spPr>
+      <dsp:style>
+        <a:lnRef idx="2">
+          <a:scrgbClr r="0" g="0" b="0"/>
+        </a:lnRef>
+        <a:fillRef idx="1">
+          <a:scrgbClr r="0" g="0" b="0"/>
+        </a:fillRef>
+        <a:effectRef idx="0">
+          <a:scrgbClr r="0" g="0" b="0"/>
+        </a:effectRef>
+        <a:fontRef idx="minor"/>
+      </dsp:style>
+    </dsp:sp>
   </dsp:spTree>
 </dsp:drawing>
 </file>
@@ -10335,7 +11916,7 @@
           <p:cNvPr id="3" name="Title 2">
             <a:extLst>
               <a:ext uri="{FF2B5EF4-FFF2-40B4-BE49-F238E27FC236}">
-                <a16:creationId xmlns:a16="http://schemas.microsoft.com/office/drawing/2014/main" xmlns="" id="{42516048-E8AE-4FBE-81BB-073FC61BEB9B}"/>
+                <a16:creationId xmlns="" xmlns:a16="http://schemas.microsoft.com/office/drawing/2014/main" id="{42516048-E8AE-4FBE-81BB-073FC61BEB9B}"/>
               </a:ext>
             </a:extLst>
           </p:cNvPr>
@@ -10373,7 +11954,7 @@
           <p:cNvPr id="2" name="Content Placeholder 1">
             <a:extLst>
               <a:ext uri="{FF2B5EF4-FFF2-40B4-BE49-F238E27FC236}">
-                <a16:creationId xmlns:a16="http://schemas.microsoft.com/office/drawing/2014/main" xmlns="" id="{E89FD19F-30E3-4B98-9C47-C4FB03F56C78}"/>
+                <a16:creationId xmlns="" xmlns:a16="http://schemas.microsoft.com/office/drawing/2014/main" id="{E89FD19F-30E3-4B98-9C47-C4FB03F56C78}"/>
               </a:ext>
             </a:extLst>
           </p:cNvPr>
@@ -10443,7 +12024,7 @@
           <p:cNvPr id="3" name="Title 2">
             <a:extLst>
               <a:ext uri="{FF2B5EF4-FFF2-40B4-BE49-F238E27FC236}">
-                <a16:creationId xmlns:a16="http://schemas.microsoft.com/office/drawing/2014/main" xmlns="" id="{42516048-E8AE-4FBE-81BB-073FC61BEB9B}"/>
+                <a16:creationId xmlns="" xmlns:a16="http://schemas.microsoft.com/office/drawing/2014/main" id="{42516048-E8AE-4FBE-81BB-073FC61BEB9B}"/>
               </a:ext>
             </a:extLst>
           </p:cNvPr>
@@ -10485,7 +12066,7 @@
           <p:cNvPr id="9" name="Content Placeholder 1">
             <a:extLst>
               <a:ext uri="{FF2B5EF4-FFF2-40B4-BE49-F238E27FC236}">
-                <a16:creationId xmlns:a16="http://schemas.microsoft.com/office/drawing/2014/main" xmlns="" id="{BD8E0565-3C28-4D2D-BE01-B80D92B2B48A}"/>
+                <a16:creationId xmlns="" xmlns:a16="http://schemas.microsoft.com/office/drawing/2014/main" id="{BD8E0565-3C28-4D2D-BE01-B80D92B2B48A}"/>
               </a:ext>
             </a:extLst>
           </p:cNvPr>
@@ -10544,7 +12125,7 @@
             <a:hlinkClick r:id="rId2"/>
             <a:extLst>
               <a:ext uri="{FF2B5EF4-FFF2-40B4-BE49-F238E27FC236}">
-                <a16:creationId xmlns:a16="http://schemas.microsoft.com/office/drawing/2014/main" xmlns="" id="{7EBA4CC9-6925-4F2C-9D24-D5ED4E2861B9}"/>
+                <a16:creationId xmlns="" xmlns:a16="http://schemas.microsoft.com/office/drawing/2014/main" id="{7EBA4CC9-6925-4F2C-9D24-D5ED4E2861B9}"/>
               </a:ext>
             </a:extLst>
           </p:cNvPr>
@@ -10591,7 +12172,7 @@
           <p:cNvPr id="11" name="Picture 10" descr="Screen Clipping">
             <a:extLst>
               <a:ext uri="{FF2B5EF4-FFF2-40B4-BE49-F238E27FC236}">
-                <a16:creationId xmlns:a16="http://schemas.microsoft.com/office/drawing/2014/main" xmlns="" id="{1B5535C3-5093-45CA-AD15-D4A5143CFAE6}"/>
+                <a16:creationId xmlns="" xmlns:a16="http://schemas.microsoft.com/office/drawing/2014/main" id="{1B5535C3-5093-45CA-AD15-D4A5143CFAE6}"/>
               </a:ext>
             </a:extLst>
           </p:cNvPr>
@@ -10669,7 +12250,7 @@
           <p:cNvPr id="3" name="Title 2">
             <a:extLst>
               <a:ext uri="{FF2B5EF4-FFF2-40B4-BE49-F238E27FC236}">
-                <a16:creationId xmlns:a16="http://schemas.microsoft.com/office/drawing/2014/main" xmlns="" id="{42516048-E8AE-4FBE-81BB-073FC61BEB9B}"/>
+                <a16:creationId xmlns="" xmlns:a16="http://schemas.microsoft.com/office/drawing/2014/main" id="{42516048-E8AE-4FBE-81BB-073FC61BEB9B}"/>
               </a:ext>
             </a:extLst>
           </p:cNvPr>
@@ -10719,7 +12300,7 @@
           <p:cNvPr id="2" name="Content Placeholder 1">
             <a:extLst>
               <a:ext uri="{FF2B5EF4-FFF2-40B4-BE49-F238E27FC236}">
-                <a16:creationId xmlns:a16="http://schemas.microsoft.com/office/drawing/2014/main" xmlns="" id="{E89FD19F-30E3-4B98-9C47-C4FB03F56C78}"/>
+                <a16:creationId xmlns="" xmlns:a16="http://schemas.microsoft.com/office/drawing/2014/main" id="{E89FD19F-30E3-4B98-9C47-C4FB03F56C78}"/>
               </a:ext>
             </a:extLst>
           </p:cNvPr>
@@ -10754,7 +12335,7 @@
           <p:cNvPr id="4" name="Picture 3">
             <a:extLst>
               <a:ext uri="{FF2B5EF4-FFF2-40B4-BE49-F238E27FC236}">
-                <a16:creationId xmlns:a16="http://schemas.microsoft.com/office/drawing/2014/main" xmlns="" id="{3C017949-2332-4FA3-A9E4-BB3A1866EEE8}"/>
+                <a16:creationId xmlns="" xmlns:a16="http://schemas.microsoft.com/office/drawing/2014/main" id="{3C017949-2332-4FA3-A9E4-BB3A1866EEE8}"/>
               </a:ext>
             </a:extLst>
           </p:cNvPr>
@@ -10784,7 +12365,7 @@
           <p:cNvPr id="5" name="Picture 4">
             <a:extLst>
               <a:ext uri="{FF2B5EF4-FFF2-40B4-BE49-F238E27FC236}">
-                <a16:creationId xmlns:a16="http://schemas.microsoft.com/office/drawing/2014/main" xmlns="" id="{314C10C9-37A9-4813-B317-0D2B32701162}"/>
+                <a16:creationId xmlns="" xmlns:a16="http://schemas.microsoft.com/office/drawing/2014/main" id="{314C10C9-37A9-4813-B317-0D2B32701162}"/>
               </a:ext>
             </a:extLst>
           </p:cNvPr>
@@ -10856,7 +12437,7 @@
           <p:cNvPr id="3" name="Title 2">
             <a:extLst>
               <a:ext uri="{FF2B5EF4-FFF2-40B4-BE49-F238E27FC236}">
-                <a16:creationId xmlns:a16="http://schemas.microsoft.com/office/drawing/2014/main" xmlns="" id="{42516048-E8AE-4FBE-81BB-073FC61BEB9B}"/>
+                <a16:creationId xmlns="" xmlns:a16="http://schemas.microsoft.com/office/drawing/2014/main" id="{42516048-E8AE-4FBE-81BB-073FC61BEB9B}"/>
               </a:ext>
             </a:extLst>
           </p:cNvPr>
@@ -10894,7 +12475,7 @@
           <p:cNvPr id="2" name="Content Placeholder 1">
             <a:extLst>
               <a:ext uri="{FF2B5EF4-FFF2-40B4-BE49-F238E27FC236}">
-                <a16:creationId xmlns:a16="http://schemas.microsoft.com/office/drawing/2014/main" xmlns="" id="{E89FD19F-30E3-4B98-9C47-C4FB03F56C78}"/>
+                <a16:creationId xmlns="" xmlns:a16="http://schemas.microsoft.com/office/drawing/2014/main" id="{E89FD19F-30E3-4B98-9C47-C4FB03F56C78}"/>
               </a:ext>
             </a:extLst>
           </p:cNvPr>
@@ -11012,7 +12593,7 @@
           <p:cNvPr id="3" name="Title 2">
             <a:extLst>
               <a:ext uri="{FF2B5EF4-FFF2-40B4-BE49-F238E27FC236}">
-                <a16:creationId xmlns:a16="http://schemas.microsoft.com/office/drawing/2014/main" xmlns="" id="{42516048-E8AE-4FBE-81BB-073FC61BEB9B}"/>
+                <a16:creationId xmlns="" xmlns:a16="http://schemas.microsoft.com/office/drawing/2014/main" id="{42516048-E8AE-4FBE-81BB-073FC61BEB9B}"/>
               </a:ext>
             </a:extLst>
           </p:cNvPr>
@@ -11050,7 +12631,7 @@
           <p:cNvPr id="6" name="Picture 5">
             <a:extLst>
               <a:ext uri="{FF2B5EF4-FFF2-40B4-BE49-F238E27FC236}">
-                <a16:creationId xmlns:a16="http://schemas.microsoft.com/office/drawing/2014/main" xmlns="" id="{35E68A25-9477-4959-8E57-8006B0D378D8}"/>
+                <a16:creationId xmlns="" xmlns:a16="http://schemas.microsoft.com/office/drawing/2014/main" id="{35E68A25-9477-4959-8E57-8006B0D378D8}"/>
               </a:ext>
             </a:extLst>
           </p:cNvPr>
@@ -11080,7 +12661,7 @@
           <p:cNvPr id="7" name="Rectangle 6">
             <a:extLst>
               <a:ext uri="{FF2B5EF4-FFF2-40B4-BE49-F238E27FC236}">
-                <a16:creationId xmlns:a16="http://schemas.microsoft.com/office/drawing/2014/main" xmlns="" id="{7040E9F5-324C-4976-9517-6795753CAEE2}"/>
+                <a16:creationId xmlns="" xmlns:a16="http://schemas.microsoft.com/office/drawing/2014/main" id="{7040E9F5-324C-4976-9517-6795753CAEE2}"/>
               </a:ext>
             </a:extLst>
           </p:cNvPr>
@@ -11159,7 +12740,7 @@
           <p:cNvPr id="3" name="Title 2">
             <a:extLst>
               <a:ext uri="{FF2B5EF4-FFF2-40B4-BE49-F238E27FC236}">
-                <a16:creationId xmlns:a16="http://schemas.microsoft.com/office/drawing/2014/main" xmlns="" id="{42516048-E8AE-4FBE-81BB-073FC61BEB9B}"/>
+                <a16:creationId xmlns="" xmlns:a16="http://schemas.microsoft.com/office/drawing/2014/main" id="{42516048-E8AE-4FBE-81BB-073FC61BEB9B}"/>
               </a:ext>
             </a:extLst>
           </p:cNvPr>
@@ -11197,7 +12778,7 @@
           <p:cNvPr id="6" name="Picture 5">
             <a:extLst>
               <a:ext uri="{FF2B5EF4-FFF2-40B4-BE49-F238E27FC236}">
-                <a16:creationId xmlns:a16="http://schemas.microsoft.com/office/drawing/2014/main" xmlns="" id="{7318486A-ECD6-4A71-B853-C687DCFEB277}"/>
+                <a16:creationId xmlns="" xmlns:a16="http://schemas.microsoft.com/office/drawing/2014/main" id="{7318486A-ECD6-4A71-B853-C687DCFEB277}"/>
               </a:ext>
             </a:extLst>
           </p:cNvPr>
@@ -11227,7 +12808,7 @@
           <p:cNvPr id="8" name="Picture 7">
             <a:extLst>
               <a:ext uri="{FF2B5EF4-FFF2-40B4-BE49-F238E27FC236}">
-                <a16:creationId xmlns:a16="http://schemas.microsoft.com/office/drawing/2014/main" xmlns="" id="{95BD26BC-D568-49D0-BDB4-BA66BCAFAB1D}"/>
+                <a16:creationId xmlns="" xmlns:a16="http://schemas.microsoft.com/office/drawing/2014/main" id="{95BD26BC-D568-49D0-BDB4-BA66BCAFAB1D}"/>
               </a:ext>
             </a:extLst>
           </p:cNvPr>
@@ -11257,7 +12838,7 @@
           <p:cNvPr id="10" name="Picture 9">
             <a:extLst>
               <a:ext uri="{FF2B5EF4-FFF2-40B4-BE49-F238E27FC236}">
-                <a16:creationId xmlns:a16="http://schemas.microsoft.com/office/drawing/2014/main" xmlns="" id="{9DB3A0A2-E1DD-4180-9C57-99F1039DAFB4}"/>
+                <a16:creationId xmlns="" xmlns:a16="http://schemas.microsoft.com/office/drawing/2014/main" id="{9DB3A0A2-E1DD-4180-9C57-99F1039DAFB4}"/>
               </a:ext>
             </a:extLst>
           </p:cNvPr>
@@ -11287,7 +12868,7 @@
           <p:cNvPr id="11" name="Arrow: Right 10">
             <a:extLst>
               <a:ext uri="{FF2B5EF4-FFF2-40B4-BE49-F238E27FC236}">
-                <a16:creationId xmlns:a16="http://schemas.microsoft.com/office/drawing/2014/main" xmlns="" id="{75F6A3B7-3E1B-4CB3-AF11-73B9295AB6B6}"/>
+                <a16:creationId xmlns="" xmlns:a16="http://schemas.microsoft.com/office/drawing/2014/main" id="{75F6A3B7-3E1B-4CB3-AF11-73B9295AB6B6}"/>
               </a:ext>
             </a:extLst>
           </p:cNvPr>
@@ -11333,7 +12914,7 @@
           <p:cNvPr id="12" name="Rectangle 11">
             <a:extLst>
               <a:ext uri="{FF2B5EF4-FFF2-40B4-BE49-F238E27FC236}">
-                <a16:creationId xmlns:a16="http://schemas.microsoft.com/office/drawing/2014/main" xmlns="" id="{CAF61268-2B89-4E41-AB6B-80C79F26F437}"/>
+                <a16:creationId xmlns="" xmlns:a16="http://schemas.microsoft.com/office/drawing/2014/main" id="{CAF61268-2B89-4E41-AB6B-80C79F26F437}"/>
               </a:ext>
             </a:extLst>
           </p:cNvPr>
@@ -11370,7 +12951,7 @@
           <p:cNvPr id="13" name="Picture 12">
             <a:extLst>
               <a:ext uri="{FF2B5EF4-FFF2-40B4-BE49-F238E27FC236}">
-                <a16:creationId xmlns:a16="http://schemas.microsoft.com/office/drawing/2014/main" xmlns="" id="{50C81ACF-7802-43AD-97A4-80BEBD3FBF60}"/>
+                <a16:creationId xmlns="" xmlns:a16="http://schemas.microsoft.com/office/drawing/2014/main" id="{50C81ACF-7802-43AD-97A4-80BEBD3FBF60}"/>
               </a:ext>
             </a:extLst>
           </p:cNvPr>
@@ -11400,7 +12981,7 @@
           <p:cNvPr id="14" name="Picture 13">
             <a:extLst>
               <a:ext uri="{FF2B5EF4-FFF2-40B4-BE49-F238E27FC236}">
-                <a16:creationId xmlns:a16="http://schemas.microsoft.com/office/drawing/2014/main" xmlns="" id="{16EE23BF-3407-4B94-8353-2EF5DF71AC7A}"/>
+                <a16:creationId xmlns="" xmlns:a16="http://schemas.microsoft.com/office/drawing/2014/main" id="{16EE23BF-3407-4B94-8353-2EF5DF71AC7A}"/>
               </a:ext>
             </a:extLst>
           </p:cNvPr>
@@ -11472,7 +13053,7 @@
           <p:cNvPr id="3" name="Title 2">
             <a:extLst>
               <a:ext uri="{FF2B5EF4-FFF2-40B4-BE49-F238E27FC236}">
-                <a16:creationId xmlns:a16="http://schemas.microsoft.com/office/drawing/2014/main" xmlns="" id="{42516048-E8AE-4FBE-81BB-073FC61BEB9B}"/>
+                <a16:creationId xmlns="" xmlns:a16="http://schemas.microsoft.com/office/drawing/2014/main" id="{42516048-E8AE-4FBE-81BB-073FC61BEB9B}"/>
               </a:ext>
             </a:extLst>
           </p:cNvPr>
@@ -11518,7 +13099,7 @@
           <p:cNvPr id="6" name="Picture 5">
             <a:extLst>
               <a:ext uri="{FF2B5EF4-FFF2-40B4-BE49-F238E27FC236}">
-                <a16:creationId xmlns:a16="http://schemas.microsoft.com/office/drawing/2014/main" xmlns="" id="{966B58B7-5E3B-437B-B03A-8B4B9D43100C}"/>
+                <a16:creationId xmlns="" xmlns:a16="http://schemas.microsoft.com/office/drawing/2014/main" id="{966B58B7-5E3B-437B-B03A-8B4B9D43100C}"/>
               </a:ext>
             </a:extLst>
           </p:cNvPr>
@@ -11590,7 +13171,7 @@
           <p:cNvPr id="3" name="Title 2">
             <a:extLst>
               <a:ext uri="{FF2B5EF4-FFF2-40B4-BE49-F238E27FC236}">
-                <a16:creationId xmlns:a16="http://schemas.microsoft.com/office/drawing/2014/main" xmlns="" id="{07839EAD-2655-4281-8785-F446D511CDC6}"/>
+                <a16:creationId xmlns="" xmlns:a16="http://schemas.microsoft.com/office/drawing/2014/main" id="{07839EAD-2655-4281-8785-F446D511CDC6}"/>
               </a:ext>
             </a:extLst>
           </p:cNvPr>
@@ -11665,7 +13246,7 @@
           <p:cNvPr id="3" name="Title 2">
             <a:extLst>
               <a:ext uri="{FF2B5EF4-FFF2-40B4-BE49-F238E27FC236}">
-                <a16:creationId xmlns:a16="http://schemas.microsoft.com/office/drawing/2014/main" xmlns="" id="{4CEC84E4-0AB6-4BC2-8B0F-8E10D60DD12E}"/>
+                <a16:creationId xmlns="" xmlns:a16="http://schemas.microsoft.com/office/drawing/2014/main" id="{4CEC84E4-0AB6-4BC2-8B0F-8E10D60DD12E}"/>
               </a:ext>
             </a:extLst>
           </p:cNvPr>
@@ -11698,7 +13279,7 @@
           <p:cNvPr id="2" name="Content Placeholder 1">
             <a:extLst>
               <a:ext uri="{FF2B5EF4-FFF2-40B4-BE49-F238E27FC236}">
-                <a16:creationId xmlns:a16="http://schemas.microsoft.com/office/drawing/2014/main" xmlns="" id="{A9DD64F3-327E-4540-967F-BBDE22E22066}"/>
+                <a16:creationId xmlns="" xmlns:a16="http://schemas.microsoft.com/office/drawing/2014/main" id="{A9DD64F3-327E-4540-967F-BBDE22E22066}"/>
               </a:ext>
             </a:extLst>
           </p:cNvPr>
@@ -11799,7 +13380,7 @@
           <p:cNvPr id="3" name="Title 2">
             <a:extLst>
               <a:ext uri="{FF2B5EF4-FFF2-40B4-BE49-F238E27FC236}">
-                <a16:creationId xmlns:a16="http://schemas.microsoft.com/office/drawing/2014/main" xmlns="" id="{4CEC84E4-0AB6-4BC2-8B0F-8E10D60DD12E}"/>
+                <a16:creationId xmlns="" xmlns:a16="http://schemas.microsoft.com/office/drawing/2014/main" id="{4CEC84E4-0AB6-4BC2-8B0F-8E10D60DD12E}"/>
               </a:ext>
             </a:extLst>
           </p:cNvPr>
@@ -11831,7 +13412,7 @@
           <p:cNvPr id="2" name="Content Placeholder 1">
             <a:extLst>
               <a:ext uri="{FF2B5EF4-FFF2-40B4-BE49-F238E27FC236}">
-                <a16:creationId xmlns:a16="http://schemas.microsoft.com/office/drawing/2014/main" xmlns="" id="{A9DD64F3-327E-4540-967F-BBDE22E22066}"/>
+                <a16:creationId xmlns="" xmlns:a16="http://schemas.microsoft.com/office/drawing/2014/main" id="{A9DD64F3-327E-4540-967F-BBDE22E22066}"/>
               </a:ext>
             </a:extLst>
           </p:cNvPr>
@@ -12026,7 +13607,7 @@
           <p:cNvPr id="3" name="Title 2">
             <a:extLst>
               <a:ext uri="{FF2B5EF4-FFF2-40B4-BE49-F238E27FC236}">
-                <a16:creationId xmlns:a16="http://schemas.microsoft.com/office/drawing/2014/main" xmlns="" id="{4CEC84E4-0AB6-4BC2-8B0F-8E10D60DD12E}"/>
+                <a16:creationId xmlns="" xmlns:a16="http://schemas.microsoft.com/office/drawing/2014/main" id="{4CEC84E4-0AB6-4BC2-8B0F-8E10D60DD12E}"/>
               </a:ext>
             </a:extLst>
           </p:cNvPr>
@@ -12064,7 +13645,7 @@
           <p:cNvPr id="2" name="Rectangle 1">
             <a:extLst>
               <a:ext uri="{FF2B5EF4-FFF2-40B4-BE49-F238E27FC236}">
-                <a16:creationId xmlns:a16="http://schemas.microsoft.com/office/drawing/2014/main" xmlns="" id="{E9F6A040-76BA-4F03-B098-C9D0165656D5}"/>
+                <a16:creationId xmlns="" xmlns:a16="http://schemas.microsoft.com/office/drawing/2014/main" id="{E9F6A040-76BA-4F03-B098-C9D0165656D5}"/>
               </a:ext>
             </a:extLst>
           </p:cNvPr>
@@ -12115,7 +13696,7 @@
           <p:cNvPr id="5" name="Title 2">
             <a:extLst>
               <a:ext uri="{FF2B5EF4-FFF2-40B4-BE49-F238E27FC236}">
-                <a16:creationId xmlns:a16="http://schemas.microsoft.com/office/drawing/2014/main" xmlns="" id="{8833337D-ACA8-4182-A317-49ABB8DCDBC4}"/>
+                <a16:creationId xmlns="" xmlns:a16="http://schemas.microsoft.com/office/drawing/2014/main" id="{8833337D-ACA8-4182-A317-49ABB8DCDBC4}"/>
               </a:ext>
             </a:extLst>
           </p:cNvPr>
@@ -12226,7 +13807,7 @@
           <p:cNvPr id="6" name="Rectangle 5">
             <a:extLst>
               <a:ext uri="{FF2B5EF4-FFF2-40B4-BE49-F238E27FC236}">
-                <a16:creationId xmlns:a16="http://schemas.microsoft.com/office/drawing/2014/main" xmlns="" id="{3FEEDA7C-ADAF-4F08-92B2-B1C0AD696FD5}"/>
+                <a16:creationId xmlns="" xmlns:a16="http://schemas.microsoft.com/office/drawing/2014/main" id="{3FEEDA7C-ADAF-4F08-92B2-B1C0AD696FD5}"/>
               </a:ext>
             </a:extLst>
           </p:cNvPr>
@@ -12285,7 +13866,7 @@
           <p:cNvPr id="4" name="Picture 3">
             <a:extLst>
               <a:ext uri="{FF2B5EF4-FFF2-40B4-BE49-F238E27FC236}">
-                <a16:creationId xmlns:a16="http://schemas.microsoft.com/office/drawing/2014/main" xmlns="" id="{DF4A98E6-44B4-4177-8848-2F93E9F13E27}"/>
+                <a16:creationId xmlns="" xmlns:a16="http://schemas.microsoft.com/office/drawing/2014/main" id="{DF4A98E6-44B4-4177-8848-2F93E9F13E27}"/>
               </a:ext>
             </a:extLst>
           </p:cNvPr>
@@ -12357,7 +13938,7 @@
           <p:cNvPr id="3" name="Title 2">
             <a:extLst>
               <a:ext uri="{FF2B5EF4-FFF2-40B4-BE49-F238E27FC236}">
-                <a16:creationId xmlns:a16="http://schemas.microsoft.com/office/drawing/2014/main" xmlns="" id="{4CEC84E4-0AB6-4BC2-8B0F-8E10D60DD12E}"/>
+                <a16:creationId xmlns="" xmlns:a16="http://schemas.microsoft.com/office/drawing/2014/main" id="{4CEC84E4-0AB6-4BC2-8B0F-8E10D60DD12E}"/>
               </a:ext>
             </a:extLst>
           </p:cNvPr>
@@ -12387,7 +13968,7 @@
           <p:cNvPr id="7" name="Rectangle 6">
             <a:extLst>
               <a:ext uri="{FF2B5EF4-FFF2-40B4-BE49-F238E27FC236}">
-                <a16:creationId xmlns:a16="http://schemas.microsoft.com/office/drawing/2014/main" xmlns="" id="{31E5B067-3603-4F09-B470-9EB0B10FD1BC}"/>
+                <a16:creationId xmlns="" xmlns:a16="http://schemas.microsoft.com/office/drawing/2014/main" id="{31E5B067-3603-4F09-B470-9EB0B10FD1BC}"/>
               </a:ext>
             </a:extLst>
           </p:cNvPr>
@@ -12495,7 +14076,7 @@
           <p:cNvPr id="3" name="Title 2">
             <a:extLst>
               <a:ext uri="{FF2B5EF4-FFF2-40B4-BE49-F238E27FC236}">
-                <a16:creationId xmlns:a16="http://schemas.microsoft.com/office/drawing/2014/main" xmlns="" id="{07839EAD-2655-4281-8785-F446D511CDC6}"/>
+                <a16:creationId xmlns="" xmlns:a16="http://schemas.microsoft.com/office/drawing/2014/main" id="{07839EAD-2655-4281-8785-F446D511CDC6}"/>
               </a:ext>
             </a:extLst>
           </p:cNvPr>
@@ -12574,7 +14155,7 @@
           <p:cNvPr id="3" name="Title 2">
             <a:extLst>
               <a:ext uri="{FF2B5EF4-FFF2-40B4-BE49-F238E27FC236}">
-                <a16:creationId xmlns:a16="http://schemas.microsoft.com/office/drawing/2014/main" xmlns="" id="{4CEC84E4-0AB6-4BC2-8B0F-8E10D60DD12E}"/>
+                <a16:creationId xmlns="" xmlns:a16="http://schemas.microsoft.com/office/drawing/2014/main" id="{4CEC84E4-0AB6-4BC2-8B0F-8E10D60DD12E}"/>
               </a:ext>
             </a:extLst>
           </p:cNvPr>
@@ -12607,7 +14188,7 @@
           <p:cNvPr id="2" name="Content Placeholder 1">
             <a:extLst>
               <a:ext uri="{FF2B5EF4-FFF2-40B4-BE49-F238E27FC236}">
-                <a16:creationId xmlns:a16="http://schemas.microsoft.com/office/drawing/2014/main" xmlns="" id="{A9DD64F3-327E-4540-967F-BBDE22E22066}"/>
+                <a16:creationId xmlns="" xmlns:a16="http://schemas.microsoft.com/office/drawing/2014/main" id="{A9DD64F3-327E-4540-967F-BBDE22E22066}"/>
               </a:ext>
             </a:extLst>
           </p:cNvPr>
@@ -12701,7 +14282,7 @@
           <p:cNvPr id="3" name="Title 2">
             <a:extLst>
               <a:ext uri="{FF2B5EF4-FFF2-40B4-BE49-F238E27FC236}">
-                <a16:creationId xmlns:a16="http://schemas.microsoft.com/office/drawing/2014/main" xmlns="" id="{4CEC84E4-0AB6-4BC2-8B0F-8E10D60DD12E}"/>
+                <a16:creationId xmlns="" xmlns:a16="http://schemas.microsoft.com/office/drawing/2014/main" id="{4CEC84E4-0AB6-4BC2-8B0F-8E10D60DD12E}"/>
               </a:ext>
             </a:extLst>
           </p:cNvPr>
@@ -12733,7 +14314,7 @@
           <p:cNvPr id="2" name="Content Placeholder 1">
             <a:extLst>
               <a:ext uri="{FF2B5EF4-FFF2-40B4-BE49-F238E27FC236}">
-                <a16:creationId xmlns:a16="http://schemas.microsoft.com/office/drawing/2014/main" xmlns="" id="{A9DD64F3-327E-4540-967F-BBDE22E22066}"/>
+                <a16:creationId xmlns="" xmlns:a16="http://schemas.microsoft.com/office/drawing/2014/main" id="{A9DD64F3-327E-4540-967F-BBDE22E22066}"/>
               </a:ext>
             </a:extLst>
           </p:cNvPr>
@@ -12842,7 +14423,7 @@
           <p:cNvPr id="3" name="Title 2">
             <a:extLst>
               <a:ext uri="{FF2B5EF4-FFF2-40B4-BE49-F238E27FC236}">
-                <a16:creationId xmlns:a16="http://schemas.microsoft.com/office/drawing/2014/main" xmlns="" id="{21C984FA-4DAA-45E9-904D-C22F600C7E30}"/>
+                <a16:creationId xmlns="" xmlns:a16="http://schemas.microsoft.com/office/drawing/2014/main" id="{21C984FA-4DAA-45E9-904D-C22F600C7E30}"/>
               </a:ext>
             </a:extLst>
           </p:cNvPr>
@@ -12875,7 +14456,7 @@
           <p:cNvPr id="2" name="Content Placeholder 1">
             <a:extLst>
               <a:ext uri="{FF2B5EF4-FFF2-40B4-BE49-F238E27FC236}">
-                <a16:creationId xmlns:a16="http://schemas.microsoft.com/office/drawing/2014/main" xmlns="" id="{5142790B-48BE-44ED-8705-7A1F5C1832AE}"/>
+                <a16:creationId xmlns="" xmlns:a16="http://schemas.microsoft.com/office/drawing/2014/main" id="{5142790B-48BE-44ED-8705-7A1F5C1832AE}"/>
               </a:ext>
             </a:extLst>
           </p:cNvPr>
@@ -13094,7 +14675,7 @@
           <p:cNvPr id="3" name="Title 2">
             <a:extLst>
               <a:ext uri="{FF2B5EF4-FFF2-40B4-BE49-F238E27FC236}">
-                <a16:creationId xmlns:a16="http://schemas.microsoft.com/office/drawing/2014/main" xmlns="" id="{21C984FA-4DAA-45E9-904D-C22F600C7E30}"/>
+                <a16:creationId xmlns="" xmlns:a16="http://schemas.microsoft.com/office/drawing/2014/main" id="{21C984FA-4DAA-45E9-904D-C22F600C7E30}"/>
               </a:ext>
             </a:extLst>
           </p:cNvPr>
@@ -13127,7 +14708,7 @@
           <p:cNvPr id="2" name="Content Placeholder 1">
             <a:extLst>
               <a:ext uri="{FF2B5EF4-FFF2-40B4-BE49-F238E27FC236}">
-                <a16:creationId xmlns:a16="http://schemas.microsoft.com/office/drawing/2014/main" xmlns="" id="{5142790B-48BE-44ED-8705-7A1F5C1832AE}"/>
+                <a16:creationId xmlns="" xmlns:a16="http://schemas.microsoft.com/office/drawing/2014/main" id="{5142790B-48BE-44ED-8705-7A1F5C1832AE}"/>
               </a:ext>
             </a:extLst>
           </p:cNvPr>
@@ -13254,7 +14835,7 @@
           <p:cNvPr id="3" name="Title 2">
             <a:extLst>
               <a:ext uri="{FF2B5EF4-FFF2-40B4-BE49-F238E27FC236}">
-                <a16:creationId xmlns:a16="http://schemas.microsoft.com/office/drawing/2014/main" xmlns="" id="{07839EAD-2655-4281-8785-F446D511CDC6}"/>
+                <a16:creationId xmlns="" xmlns:a16="http://schemas.microsoft.com/office/drawing/2014/main" id="{07839EAD-2655-4281-8785-F446D511CDC6}"/>
               </a:ext>
             </a:extLst>
           </p:cNvPr>
@@ -13329,7 +14910,7 @@
           <p:cNvPr id="3" name="Title 2">
             <a:extLst>
               <a:ext uri="{FF2B5EF4-FFF2-40B4-BE49-F238E27FC236}">
-                <a16:creationId xmlns:a16="http://schemas.microsoft.com/office/drawing/2014/main" xmlns="" id="{21C984FA-4DAA-45E9-904D-C22F600C7E30}"/>
+                <a16:creationId xmlns="" xmlns:a16="http://schemas.microsoft.com/office/drawing/2014/main" id="{21C984FA-4DAA-45E9-904D-C22F600C7E30}"/>
               </a:ext>
             </a:extLst>
           </p:cNvPr>
@@ -13361,7 +14942,7 @@
           <p:cNvPr id="2" name="Content Placeholder 1">
             <a:extLst>
               <a:ext uri="{FF2B5EF4-FFF2-40B4-BE49-F238E27FC236}">
-                <a16:creationId xmlns:a16="http://schemas.microsoft.com/office/drawing/2014/main" xmlns="" id="{5142790B-48BE-44ED-8705-7A1F5C1832AE}"/>
+                <a16:creationId xmlns="" xmlns:a16="http://schemas.microsoft.com/office/drawing/2014/main" id="{5142790B-48BE-44ED-8705-7A1F5C1832AE}"/>
               </a:ext>
             </a:extLst>
           </p:cNvPr>
@@ -13529,7 +15110,7 @@
           <p:cNvPr id="3" name="Title 2">
             <a:extLst>
               <a:ext uri="{FF2B5EF4-FFF2-40B4-BE49-F238E27FC236}">
-                <a16:creationId xmlns:a16="http://schemas.microsoft.com/office/drawing/2014/main" xmlns="" id="{21C984FA-4DAA-45E9-904D-C22F600C7E30}"/>
+                <a16:creationId xmlns="" xmlns:a16="http://schemas.microsoft.com/office/drawing/2014/main" id="{21C984FA-4DAA-45E9-904D-C22F600C7E30}"/>
               </a:ext>
             </a:extLst>
           </p:cNvPr>
@@ -13561,7 +15142,7 @@
           <p:cNvPr id="2" name="Content Placeholder 1">
             <a:extLst>
               <a:ext uri="{FF2B5EF4-FFF2-40B4-BE49-F238E27FC236}">
-                <a16:creationId xmlns:a16="http://schemas.microsoft.com/office/drawing/2014/main" xmlns="" id="{5142790B-48BE-44ED-8705-7A1F5C1832AE}"/>
+                <a16:creationId xmlns="" xmlns:a16="http://schemas.microsoft.com/office/drawing/2014/main" id="{5142790B-48BE-44ED-8705-7A1F5C1832AE}"/>
               </a:ext>
             </a:extLst>
           </p:cNvPr>
@@ -13712,7 +15293,7 @@
           <p:cNvPr id="3" name="Title 2">
             <a:extLst>
               <a:ext uri="{FF2B5EF4-FFF2-40B4-BE49-F238E27FC236}">
-                <a16:creationId xmlns:a16="http://schemas.microsoft.com/office/drawing/2014/main" xmlns="" id="{E56D4379-8462-4A24-817B-9C9800D48342}"/>
+                <a16:creationId xmlns="" xmlns:a16="http://schemas.microsoft.com/office/drawing/2014/main" id="{E56D4379-8462-4A24-817B-9C9800D48342}"/>
               </a:ext>
             </a:extLst>
           </p:cNvPr>
@@ -13743,7 +15324,7 @@
           <p:cNvPr id="2" name="Content Placeholder 1">
             <a:extLst>
               <a:ext uri="{FF2B5EF4-FFF2-40B4-BE49-F238E27FC236}">
-                <a16:creationId xmlns:a16="http://schemas.microsoft.com/office/drawing/2014/main" xmlns="" id="{ABB270F7-B0F6-4BDB-B874-9218EF07BA09}"/>
+                <a16:creationId xmlns="" xmlns:a16="http://schemas.microsoft.com/office/drawing/2014/main" id="{ABB270F7-B0F6-4BDB-B874-9218EF07BA09}"/>
               </a:ext>
             </a:extLst>
           </p:cNvPr>
@@ -13945,7 +15526,7 @@
           <p:cNvPr id="3" name="Title 2">
             <a:extLst>
               <a:ext uri="{FF2B5EF4-FFF2-40B4-BE49-F238E27FC236}">
-                <a16:creationId xmlns:a16="http://schemas.microsoft.com/office/drawing/2014/main" xmlns="" id="{21C984FA-4DAA-45E9-904D-C22F600C7E30}"/>
+                <a16:creationId xmlns="" xmlns:a16="http://schemas.microsoft.com/office/drawing/2014/main" id="{21C984FA-4DAA-45E9-904D-C22F600C7E30}"/>
               </a:ext>
             </a:extLst>
           </p:cNvPr>
@@ -13977,7 +15558,7 @@
           <p:cNvPr id="2" name="Content Placeholder 1">
             <a:extLst>
               <a:ext uri="{FF2B5EF4-FFF2-40B4-BE49-F238E27FC236}">
-                <a16:creationId xmlns:a16="http://schemas.microsoft.com/office/drawing/2014/main" xmlns="" id="{5142790B-48BE-44ED-8705-7A1F5C1832AE}"/>
+                <a16:creationId xmlns="" xmlns:a16="http://schemas.microsoft.com/office/drawing/2014/main" id="{5142790B-48BE-44ED-8705-7A1F5C1832AE}"/>
               </a:ext>
             </a:extLst>
           </p:cNvPr>
@@ -14016,7 +15597,7 @@
           <p:cNvPr id="4" name="Picture 3">
             <a:extLst>
               <a:ext uri="{FF2B5EF4-FFF2-40B4-BE49-F238E27FC236}">
-                <a16:creationId xmlns:a16="http://schemas.microsoft.com/office/drawing/2014/main" xmlns="" id="{93A32BCE-F269-40F4-9B26-796C250008C4}"/>
+                <a16:creationId xmlns="" xmlns:a16="http://schemas.microsoft.com/office/drawing/2014/main" id="{93A32BCE-F269-40F4-9B26-796C250008C4}"/>
               </a:ext>
             </a:extLst>
           </p:cNvPr>
@@ -14046,7 +15627,7 @@
           <p:cNvPr id="5" name="Title 2">
             <a:extLst>
               <a:ext uri="{FF2B5EF4-FFF2-40B4-BE49-F238E27FC236}">
-                <a16:creationId xmlns:a16="http://schemas.microsoft.com/office/drawing/2014/main" xmlns="" id="{0CA32E5F-DC61-4EF8-A6A5-2F77D53E2645}"/>
+                <a16:creationId xmlns="" xmlns:a16="http://schemas.microsoft.com/office/drawing/2014/main" id="{0CA32E5F-DC61-4EF8-A6A5-2F77D53E2645}"/>
               </a:ext>
             </a:extLst>
           </p:cNvPr>
@@ -14153,7 +15734,7 @@
           <p:cNvPr id="6" name="Content Placeholder 1">
             <a:extLst>
               <a:ext uri="{FF2B5EF4-FFF2-40B4-BE49-F238E27FC236}">
-                <a16:creationId xmlns:a16="http://schemas.microsoft.com/office/drawing/2014/main" xmlns="" id="{036D1232-5579-45A0-BA4F-719189258DB9}"/>
+                <a16:creationId xmlns="" xmlns:a16="http://schemas.microsoft.com/office/drawing/2014/main" id="{036D1232-5579-45A0-BA4F-719189258DB9}"/>
               </a:ext>
             </a:extLst>
           </p:cNvPr>
@@ -14418,7 +15999,7 @@
           <p:cNvPr id="7" name="Picture 6">
             <a:extLst>
               <a:ext uri="{FF2B5EF4-FFF2-40B4-BE49-F238E27FC236}">
-                <a16:creationId xmlns:a16="http://schemas.microsoft.com/office/drawing/2014/main" xmlns="" id="{DFAFAE29-9325-44CE-BCA2-1B0F57548905}"/>
+                <a16:creationId xmlns="" xmlns:a16="http://schemas.microsoft.com/office/drawing/2014/main" id="{DFAFAE29-9325-44CE-BCA2-1B0F57548905}"/>
               </a:ext>
             </a:extLst>
           </p:cNvPr>
@@ -14448,7 +16029,7 @@
           <p:cNvPr id="8" name="Rectangle 7">
             <a:extLst>
               <a:ext uri="{FF2B5EF4-FFF2-40B4-BE49-F238E27FC236}">
-                <a16:creationId xmlns:a16="http://schemas.microsoft.com/office/drawing/2014/main" xmlns="" id="{F2261D98-4D68-4D12-A2A0-B2B9884DADC4}"/>
+                <a16:creationId xmlns="" xmlns:a16="http://schemas.microsoft.com/office/drawing/2014/main" id="{F2261D98-4D68-4D12-A2A0-B2B9884DADC4}"/>
               </a:ext>
             </a:extLst>
           </p:cNvPr>
@@ -14527,7 +16108,7 @@
           <p:cNvPr id="3" name="Title 2">
             <a:extLst>
               <a:ext uri="{FF2B5EF4-FFF2-40B4-BE49-F238E27FC236}">
-                <a16:creationId xmlns:a16="http://schemas.microsoft.com/office/drawing/2014/main" xmlns="" id="{21C984FA-4DAA-45E9-904D-C22F600C7E30}"/>
+                <a16:creationId xmlns="" xmlns:a16="http://schemas.microsoft.com/office/drawing/2014/main" id="{21C984FA-4DAA-45E9-904D-C22F600C7E30}"/>
               </a:ext>
             </a:extLst>
           </p:cNvPr>
@@ -14559,7 +16140,7 @@
           <p:cNvPr id="2" name="Content Placeholder 1">
             <a:extLst>
               <a:ext uri="{FF2B5EF4-FFF2-40B4-BE49-F238E27FC236}">
-                <a16:creationId xmlns:a16="http://schemas.microsoft.com/office/drawing/2014/main" xmlns="" id="{5142790B-48BE-44ED-8705-7A1F5C1832AE}"/>
+                <a16:creationId xmlns="" xmlns:a16="http://schemas.microsoft.com/office/drawing/2014/main" id="{5142790B-48BE-44ED-8705-7A1F5C1832AE}"/>
               </a:ext>
             </a:extLst>
           </p:cNvPr>
@@ -14615,7 +16196,7 @@
           <p:cNvPr id="8" name="Rectangle 7">
             <a:extLst>
               <a:ext uri="{FF2B5EF4-FFF2-40B4-BE49-F238E27FC236}">
-                <a16:creationId xmlns:a16="http://schemas.microsoft.com/office/drawing/2014/main" xmlns="" id="{F2261D98-4D68-4D12-A2A0-B2B9884DADC4}"/>
+                <a16:creationId xmlns="" xmlns:a16="http://schemas.microsoft.com/office/drawing/2014/main" id="{F2261D98-4D68-4D12-A2A0-B2B9884DADC4}"/>
               </a:ext>
             </a:extLst>
           </p:cNvPr>
@@ -14652,7 +16233,7 @@
           <p:cNvPr id="9" name="Picture 8">
             <a:extLst>
               <a:ext uri="{FF2B5EF4-FFF2-40B4-BE49-F238E27FC236}">
-                <a16:creationId xmlns:a16="http://schemas.microsoft.com/office/drawing/2014/main" xmlns="" id="{40017F0D-2562-4778-81AD-F29351D7E704}"/>
+                <a16:creationId xmlns="" xmlns:a16="http://schemas.microsoft.com/office/drawing/2014/main" id="{40017F0D-2562-4778-81AD-F29351D7E704}"/>
               </a:ext>
             </a:extLst>
           </p:cNvPr>
@@ -14682,7 +16263,7 @@
           <p:cNvPr id="10" name="Rectangle 9">
             <a:extLst>
               <a:ext uri="{FF2B5EF4-FFF2-40B4-BE49-F238E27FC236}">
-                <a16:creationId xmlns:a16="http://schemas.microsoft.com/office/drawing/2014/main" xmlns="" id="{50E6FB6E-156D-422C-80E2-BCB826770361}"/>
+                <a16:creationId xmlns="" xmlns:a16="http://schemas.microsoft.com/office/drawing/2014/main" id="{50E6FB6E-156D-422C-80E2-BCB826770361}"/>
               </a:ext>
             </a:extLst>
           </p:cNvPr>
@@ -14732,7 +16313,7 @@
           <p:cNvPr id="12" name="Picture 11">
             <a:extLst>
               <a:ext uri="{FF2B5EF4-FFF2-40B4-BE49-F238E27FC236}">
-                <a16:creationId xmlns:a16="http://schemas.microsoft.com/office/drawing/2014/main" xmlns="" id="{4AAA71E7-F770-4641-B1C1-939BF7F17E55}"/>
+                <a16:creationId xmlns="" xmlns:a16="http://schemas.microsoft.com/office/drawing/2014/main" id="{4AAA71E7-F770-4641-B1C1-939BF7F17E55}"/>
               </a:ext>
             </a:extLst>
           </p:cNvPr>
@@ -14804,7 +16385,7 @@
           <p:cNvPr id="3" name="Title 2">
             <a:extLst>
               <a:ext uri="{FF2B5EF4-FFF2-40B4-BE49-F238E27FC236}">
-                <a16:creationId xmlns:a16="http://schemas.microsoft.com/office/drawing/2014/main" xmlns="" id="{07839EAD-2655-4281-8785-F446D511CDC6}"/>
+                <a16:creationId xmlns="" xmlns:a16="http://schemas.microsoft.com/office/drawing/2014/main" id="{07839EAD-2655-4281-8785-F446D511CDC6}"/>
               </a:ext>
             </a:extLst>
           </p:cNvPr>
@@ -14879,7 +16460,7 @@
           <p:cNvPr id="3" name="Title 2">
             <a:extLst>
               <a:ext uri="{FF2B5EF4-FFF2-40B4-BE49-F238E27FC236}">
-                <a16:creationId xmlns:a16="http://schemas.microsoft.com/office/drawing/2014/main" xmlns="" id="{21C984FA-4DAA-45E9-904D-C22F600C7E30}"/>
+                <a16:creationId xmlns="" xmlns:a16="http://schemas.microsoft.com/office/drawing/2014/main" id="{21C984FA-4DAA-45E9-904D-C22F600C7E30}"/>
               </a:ext>
             </a:extLst>
           </p:cNvPr>
@@ -14915,7 +16496,7 @@
           <p:cNvPr id="10" name="Rectangle 9">
             <a:extLst>
               <a:ext uri="{FF2B5EF4-FFF2-40B4-BE49-F238E27FC236}">
-                <a16:creationId xmlns:a16="http://schemas.microsoft.com/office/drawing/2014/main" xmlns="" id="{50E6FB6E-156D-422C-80E2-BCB826770361}"/>
+                <a16:creationId xmlns="" xmlns:a16="http://schemas.microsoft.com/office/drawing/2014/main" id="{50E6FB6E-156D-422C-80E2-BCB826770361}"/>
               </a:ext>
             </a:extLst>
           </p:cNvPr>
@@ -15065,7 +16646,7 @@
           <p:cNvPr id="3" name="Title 2">
             <a:extLst>
               <a:ext uri="{FF2B5EF4-FFF2-40B4-BE49-F238E27FC236}">
-                <a16:creationId xmlns:a16="http://schemas.microsoft.com/office/drawing/2014/main" xmlns="" id="{21C984FA-4DAA-45E9-904D-C22F600C7E30}"/>
+                <a16:creationId xmlns="" xmlns:a16="http://schemas.microsoft.com/office/drawing/2014/main" id="{21C984FA-4DAA-45E9-904D-C22F600C7E30}"/>
               </a:ext>
             </a:extLst>
           </p:cNvPr>
@@ -15101,7 +16682,7 @@
           <p:cNvPr id="10" name="Rectangle 9">
             <a:extLst>
               <a:ext uri="{FF2B5EF4-FFF2-40B4-BE49-F238E27FC236}">
-                <a16:creationId xmlns:a16="http://schemas.microsoft.com/office/drawing/2014/main" xmlns="" id="{50E6FB6E-156D-422C-80E2-BCB826770361}"/>
+                <a16:creationId xmlns="" xmlns:a16="http://schemas.microsoft.com/office/drawing/2014/main" id="{50E6FB6E-156D-422C-80E2-BCB826770361}"/>
               </a:ext>
             </a:extLst>
           </p:cNvPr>
@@ -15190,7 +16771,7 @@
           <p:cNvPr id="2" name="Picture 1">
             <a:extLst>
               <a:ext uri="{FF2B5EF4-FFF2-40B4-BE49-F238E27FC236}">
-                <a16:creationId xmlns:a16="http://schemas.microsoft.com/office/drawing/2014/main" xmlns="" id="{7D8945BE-A742-4001-9DE0-63DBADF90C35}"/>
+                <a16:creationId xmlns="" xmlns:a16="http://schemas.microsoft.com/office/drawing/2014/main" id="{7D8945BE-A742-4001-9DE0-63DBADF90C35}"/>
               </a:ext>
             </a:extLst>
           </p:cNvPr>
@@ -15262,7 +16843,7 @@
           <p:cNvPr id="3" name="Title 2">
             <a:extLst>
               <a:ext uri="{FF2B5EF4-FFF2-40B4-BE49-F238E27FC236}">
-                <a16:creationId xmlns:a16="http://schemas.microsoft.com/office/drawing/2014/main" xmlns="" id="{07839EAD-2655-4281-8785-F446D511CDC6}"/>
+                <a16:creationId xmlns="" xmlns:a16="http://schemas.microsoft.com/office/drawing/2014/main" id="{07839EAD-2655-4281-8785-F446D511CDC6}"/>
               </a:ext>
             </a:extLst>
           </p:cNvPr>
@@ -15337,7 +16918,7 @@
           <p:cNvPr id="3" name="Title 2">
             <a:extLst>
               <a:ext uri="{FF2B5EF4-FFF2-40B4-BE49-F238E27FC236}">
-                <a16:creationId xmlns:a16="http://schemas.microsoft.com/office/drawing/2014/main" xmlns="" id="{21C984FA-4DAA-45E9-904D-C22F600C7E30}"/>
+                <a16:creationId xmlns="" xmlns:a16="http://schemas.microsoft.com/office/drawing/2014/main" id="{21C984FA-4DAA-45E9-904D-C22F600C7E30}"/>
               </a:ext>
             </a:extLst>
           </p:cNvPr>
@@ -15367,7 +16948,7 @@
           <p:cNvPr id="2" name="Content Placeholder 1">
             <a:extLst>
               <a:ext uri="{FF2B5EF4-FFF2-40B4-BE49-F238E27FC236}">
-                <a16:creationId xmlns:a16="http://schemas.microsoft.com/office/drawing/2014/main" xmlns="" id="{5142790B-48BE-44ED-8705-7A1F5C1832AE}"/>
+                <a16:creationId xmlns="" xmlns:a16="http://schemas.microsoft.com/office/drawing/2014/main" id="{5142790B-48BE-44ED-8705-7A1F5C1832AE}"/>
               </a:ext>
             </a:extLst>
           </p:cNvPr>
@@ -15628,7 +17209,7 @@
           <p:cNvPr id="5" name="Rectangle 4">
             <a:extLst>
               <a:ext uri="{FF2B5EF4-FFF2-40B4-BE49-F238E27FC236}">
-                <a16:creationId xmlns:a16="http://schemas.microsoft.com/office/drawing/2014/main" xmlns="" id="{C9AAA905-C366-4156-A5AB-526AEF96C257}"/>
+                <a16:creationId xmlns="" xmlns:a16="http://schemas.microsoft.com/office/drawing/2014/main" id="{C9AAA905-C366-4156-A5AB-526AEF96C257}"/>
               </a:ext>
             </a:extLst>
           </p:cNvPr>
@@ -15707,7 +17288,7 @@
           <p:cNvPr id="3" name="Title 2">
             <a:extLst>
               <a:ext uri="{FF2B5EF4-FFF2-40B4-BE49-F238E27FC236}">
-                <a16:creationId xmlns:a16="http://schemas.microsoft.com/office/drawing/2014/main" xmlns="" id="{21C984FA-4DAA-45E9-904D-C22F600C7E30}"/>
+                <a16:creationId xmlns="" xmlns:a16="http://schemas.microsoft.com/office/drawing/2014/main" id="{21C984FA-4DAA-45E9-904D-C22F600C7E30}"/>
               </a:ext>
             </a:extLst>
           </p:cNvPr>
@@ -15737,7 +17318,7 @@
           <p:cNvPr id="2" name="Content Placeholder 1">
             <a:extLst>
               <a:ext uri="{FF2B5EF4-FFF2-40B4-BE49-F238E27FC236}">
-                <a16:creationId xmlns:a16="http://schemas.microsoft.com/office/drawing/2014/main" xmlns="" id="{5142790B-48BE-44ED-8705-7A1F5C1832AE}"/>
+                <a16:creationId xmlns="" xmlns:a16="http://schemas.microsoft.com/office/drawing/2014/main" id="{5142790B-48BE-44ED-8705-7A1F5C1832AE}"/>
               </a:ext>
             </a:extLst>
           </p:cNvPr>
@@ -15822,7 +17403,7 @@
           <p:cNvPr id="5" name="Rectangle 4">
             <a:extLst>
               <a:ext uri="{FF2B5EF4-FFF2-40B4-BE49-F238E27FC236}">
-                <a16:creationId xmlns:a16="http://schemas.microsoft.com/office/drawing/2014/main" xmlns="" id="{8CB4EB1B-0D72-4692-A68E-A3C7CAF279FF}"/>
+                <a16:creationId xmlns="" xmlns:a16="http://schemas.microsoft.com/office/drawing/2014/main" id="{8CB4EB1B-0D72-4692-A68E-A3C7CAF279FF}"/>
               </a:ext>
             </a:extLst>
           </p:cNvPr>
@@ -15901,7 +17482,7 @@
           <p:cNvPr id="3" name="Title 2">
             <a:extLst>
               <a:ext uri="{FF2B5EF4-FFF2-40B4-BE49-F238E27FC236}">
-                <a16:creationId xmlns:a16="http://schemas.microsoft.com/office/drawing/2014/main" xmlns="" id="{21C984FA-4DAA-45E9-904D-C22F600C7E30}"/>
+                <a16:creationId xmlns="" xmlns:a16="http://schemas.microsoft.com/office/drawing/2014/main" id="{21C984FA-4DAA-45E9-904D-C22F600C7E30}"/>
               </a:ext>
             </a:extLst>
           </p:cNvPr>
@@ -15936,7 +17517,7 @@
           <p:cNvPr id="2" name="Content Placeholder 1">
             <a:extLst>
               <a:ext uri="{FF2B5EF4-FFF2-40B4-BE49-F238E27FC236}">
-                <a16:creationId xmlns:a16="http://schemas.microsoft.com/office/drawing/2014/main" xmlns="" id="{5142790B-48BE-44ED-8705-7A1F5C1832AE}"/>
+                <a16:creationId xmlns="" xmlns:a16="http://schemas.microsoft.com/office/drawing/2014/main" id="{5142790B-48BE-44ED-8705-7A1F5C1832AE}"/>
               </a:ext>
             </a:extLst>
           </p:cNvPr>
@@ -15982,7 +17563,7 @@
           <p:cNvPr id="4" name="Rectangle 3">
             <a:extLst>
               <a:ext uri="{FF2B5EF4-FFF2-40B4-BE49-F238E27FC236}">
-                <a16:creationId xmlns:a16="http://schemas.microsoft.com/office/drawing/2014/main" xmlns="" id="{5FC7D44C-897C-462E-B0E1-B1D2C94AAAF9}"/>
+                <a16:creationId xmlns="" xmlns:a16="http://schemas.microsoft.com/office/drawing/2014/main" id="{5FC7D44C-897C-462E-B0E1-B1D2C94AAAF9}"/>
               </a:ext>
             </a:extLst>
           </p:cNvPr>
@@ -16019,7 +17600,7 @@
           <p:cNvPr id="5" name="Rectangle 4">
             <a:extLst>
               <a:ext uri="{FF2B5EF4-FFF2-40B4-BE49-F238E27FC236}">
-                <a16:creationId xmlns:a16="http://schemas.microsoft.com/office/drawing/2014/main" xmlns="" id="{A7C956EC-41A5-4A77-BC42-AB359A9E2604}"/>
+                <a16:creationId xmlns="" xmlns:a16="http://schemas.microsoft.com/office/drawing/2014/main" id="{A7C956EC-41A5-4A77-BC42-AB359A9E2604}"/>
               </a:ext>
             </a:extLst>
           </p:cNvPr>
@@ -16068,7 +17649,7 @@
           <p:cNvPr id="6" name="Picture 5">
             <a:extLst>
               <a:ext uri="{FF2B5EF4-FFF2-40B4-BE49-F238E27FC236}">
-                <a16:creationId xmlns:a16="http://schemas.microsoft.com/office/drawing/2014/main" xmlns="" id="{483C2E86-65B1-4D05-BBB7-A18CC3E37AE6}"/>
+                <a16:creationId xmlns="" xmlns:a16="http://schemas.microsoft.com/office/drawing/2014/main" id="{483C2E86-65B1-4D05-BBB7-A18CC3E37AE6}"/>
               </a:ext>
             </a:extLst>
           </p:cNvPr>
@@ -16098,7 +17679,7 @@
           <p:cNvPr id="8" name="Picture 7">
             <a:extLst>
               <a:ext uri="{FF2B5EF4-FFF2-40B4-BE49-F238E27FC236}">
-                <a16:creationId xmlns:a16="http://schemas.microsoft.com/office/drawing/2014/main" xmlns="" id="{82B98C0D-0E0E-4393-BE55-7671F7D0547B}"/>
+                <a16:creationId xmlns="" xmlns:a16="http://schemas.microsoft.com/office/drawing/2014/main" id="{82B98C0D-0E0E-4393-BE55-7671F7D0547B}"/>
               </a:ext>
             </a:extLst>
           </p:cNvPr>
@@ -16170,7 +17751,7 @@
           <p:cNvPr id="3" name="Title 2">
             <a:extLst>
               <a:ext uri="{FF2B5EF4-FFF2-40B4-BE49-F238E27FC236}">
-                <a16:creationId xmlns:a16="http://schemas.microsoft.com/office/drawing/2014/main" xmlns="" id="{21C984FA-4DAA-45E9-904D-C22F600C7E30}"/>
+                <a16:creationId xmlns="" xmlns:a16="http://schemas.microsoft.com/office/drawing/2014/main" id="{21C984FA-4DAA-45E9-904D-C22F600C7E30}"/>
               </a:ext>
             </a:extLst>
           </p:cNvPr>
@@ -16205,7 +17786,7 @@
           <p:cNvPr id="2" name="Content Placeholder 1">
             <a:extLst>
               <a:ext uri="{FF2B5EF4-FFF2-40B4-BE49-F238E27FC236}">
-                <a16:creationId xmlns:a16="http://schemas.microsoft.com/office/drawing/2014/main" xmlns="" id="{5142790B-48BE-44ED-8705-7A1F5C1832AE}"/>
+                <a16:creationId xmlns="" xmlns:a16="http://schemas.microsoft.com/office/drawing/2014/main" id="{5142790B-48BE-44ED-8705-7A1F5C1832AE}"/>
               </a:ext>
             </a:extLst>
           </p:cNvPr>
@@ -16249,7 +17830,7 @@
           <p:cNvPr id="4" name="Rectangle 3">
             <a:extLst>
               <a:ext uri="{FF2B5EF4-FFF2-40B4-BE49-F238E27FC236}">
-                <a16:creationId xmlns:a16="http://schemas.microsoft.com/office/drawing/2014/main" xmlns="" id="{5FC7D44C-897C-462E-B0E1-B1D2C94AAAF9}"/>
+                <a16:creationId xmlns="" xmlns:a16="http://schemas.microsoft.com/office/drawing/2014/main" id="{5FC7D44C-897C-462E-B0E1-B1D2C94AAAF9}"/>
               </a:ext>
             </a:extLst>
           </p:cNvPr>
@@ -16286,7 +17867,7 @@
           <p:cNvPr id="5" name="Rectangle 4">
             <a:extLst>
               <a:ext uri="{FF2B5EF4-FFF2-40B4-BE49-F238E27FC236}">
-                <a16:creationId xmlns:a16="http://schemas.microsoft.com/office/drawing/2014/main" xmlns="" id="{A7C956EC-41A5-4A77-BC42-AB359A9E2604}"/>
+                <a16:creationId xmlns="" xmlns:a16="http://schemas.microsoft.com/office/drawing/2014/main" id="{A7C956EC-41A5-4A77-BC42-AB359A9E2604}"/>
               </a:ext>
             </a:extLst>
           </p:cNvPr>
@@ -16335,7 +17916,7 @@
           <p:cNvPr id="7" name="Picture 6">
             <a:extLst>
               <a:ext uri="{FF2B5EF4-FFF2-40B4-BE49-F238E27FC236}">
-                <a16:creationId xmlns:a16="http://schemas.microsoft.com/office/drawing/2014/main" xmlns="" id="{5F9E883B-C919-4110-9E0A-AE38B94749C7}"/>
+                <a16:creationId xmlns="" xmlns:a16="http://schemas.microsoft.com/office/drawing/2014/main" id="{5F9E883B-C919-4110-9E0A-AE38B94749C7}"/>
               </a:ext>
             </a:extLst>
           </p:cNvPr>
@@ -16407,7 +17988,7 @@
           <p:cNvPr id="3" name="Title 2">
             <a:extLst>
               <a:ext uri="{FF2B5EF4-FFF2-40B4-BE49-F238E27FC236}">
-                <a16:creationId xmlns:a16="http://schemas.microsoft.com/office/drawing/2014/main" xmlns="" id="{07839EAD-2655-4281-8785-F446D511CDC6}"/>
+                <a16:creationId xmlns="" xmlns:a16="http://schemas.microsoft.com/office/drawing/2014/main" id="{07839EAD-2655-4281-8785-F446D511CDC6}"/>
               </a:ext>
             </a:extLst>
           </p:cNvPr>
@@ -16482,7 +18063,7 @@
           <p:cNvPr id="3" name="Title 2">
             <a:extLst>
               <a:ext uri="{FF2B5EF4-FFF2-40B4-BE49-F238E27FC236}">
-                <a16:creationId xmlns:a16="http://schemas.microsoft.com/office/drawing/2014/main" xmlns="" id="{21C984FA-4DAA-45E9-904D-C22F600C7E30}"/>
+                <a16:creationId xmlns="" xmlns:a16="http://schemas.microsoft.com/office/drawing/2014/main" id="{21C984FA-4DAA-45E9-904D-C22F600C7E30}"/>
               </a:ext>
             </a:extLst>
           </p:cNvPr>
@@ -16517,7 +18098,7 @@
           <p:cNvPr id="2" name="Content Placeholder 1">
             <a:extLst>
               <a:ext uri="{FF2B5EF4-FFF2-40B4-BE49-F238E27FC236}">
-                <a16:creationId xmlns:a16="http://schemas.microsoft.com/office/drawing/2014/main" xmlns="" id="{5142790B-48BE-44ED-8705-7A1F5C1832AE}"/>
+                <a16:creationId xmlns="" xmlns:a16="http://schemas.microsoft.com/office/drawing/2014/main" id="{5142790B-48BE-44ED-8705-7A1F5C1832AE}"/>
               </a:ext>
             </a:extLst>
           </p:cNvPr>
@@ -16579,7 +18160,7 @@
           <p:cNvPr id="4" name="Rectangle 3">
             <a:extLst>
               <a:ext uri="{FF2B5EF4-FFF2-40B4-BE49-F238E27FC236}">
-                <a16:creationId xmlns:a16="http://schemas.microsoft.com/office/drawing/2014/main" xmlns="" id="{5FC7D44C-897C-462E-B0E1-B1D2C94AAAF9}"/>
+                <a16:creationId xmlns="" xmlns:a16="http://schemas.microsoft.com/office/drawing/2014/main" id="{5FC7D44C-897C-462E-B0E1-B1D2C94AAAF9}"/>
               </a:ext>
             </a:extLst>
           </p:cNvPr>
@@ -16616,7 +18197,7 @@
           <p:cNvPr id="5" name="Rectangle 4">
             <a:extLst>
               <a:ext uri="{FF2B5EF4-FFF2-40B4-BE49-F238E27FC236}">
-                <a16:creationId xmlns:a16="http://schemas.microsoft.com/office/drawing/2014/main" xmlns="" id="{A7C956EC-41A5-4A77-BC42-AB359A9E2604}"/>
+                <a16:creationId xmlns="" xmlns:a16="http://schemas.microsoft.com/office/drawing/2014/main" id="{A7C956EC-41A5-4A77-BC42-AB359A9E2604}"/>
               </a:ext>
             </a:extLst>
           </p:cNvPr>
@@ -16665,7 +18246,7 @@
           <p:cNvPr id="8" name="Picture 7">
             <a:extLst>
               <a:ext uri="{FF2B5EF4-FFF2-40B4-BE49-F238E27FC236}">
-                <a16:creationId xmlns:a16="http://schemas.microsoft.com/office/drawing/2014/main" xmlns="" id="{1AD3F858-ED28-4516-8740-F1B98856027C}"/>
+                <a16:creationId xmlns="" xmlns:a16="http://schemas.microsoft.com/office/drawing/2014/main" id="{1AD3F858-ED28-4516-8740-F1B98856027C}"/>
               </a:ext>
             </a:extLst>
           </p:cNvPr>
@@ -16695,7 +18276,7 @@
           <p:cNvPr id="11" name="Picture 10">
             <a:extLst>
               <a:ext uri="{FF2B5EF4-FFF2-40B4-BE49-F238E27FC236}">
-                <a16:creationId xmlns:a16="http://schemas.microsoft.com/office/drawing/2014/main" xmlns="" id="{16939F73-2449-493F-9DAB-3A106BB3ACEE}"/>
+                <a16:creationId xmlns="" xmlns:a16="http://schemas.microsoft.com/office/drawing/2014/main" id="{16939F73-2449-493F-9DAB-3A106BB3ACEE}"/>
               </a:ext>
             </a:extLst>
           </p:cNvPr>
@@ -16725,7 +18306,7 @@
           <p:cNvPr id="10" name="Picture 9">
             <a:extLst>
               <a:ext uri="{FF2B5EF4-FFF2-40B4-BE49-F238E27FC236}">
-                <a16:creationId xmlns:a16="http://schemas.microsoft.com/office/drawing/2014/main" xmlns="" id="{BFB8F339-9453-4678-B3C8-3444DED619B5}"/>
+                <a16:creationId xmlns="" xmlns:a16="http://schemas.microsoft.com/office/drawing/2014/main" id="{BFB8F339-9453-4678-B3C8-3444DED619B5}"/>
               </a:ext>
             </a:extLst>
           </p:cNvPr>
@@ -16797,7 +18378,7 @@
           <p:cNvPr id="3" name="Title 2">
             <a:extLst>
               <a:ext uri="{FF2B5EF4-FFF2-40B4-BE49-F238E27FC236}">
-                <a16:creationId xmlns:a16="http://schemas.microsoft.com/office/drawing/2014/main" xmlns="" id="{07839EAD-2655-4281-8785-F446D511CDC6}"/>
+                <a16:creationId xmlns="" xmlns:a16="http://schemas.microsoft.com/office/drawing/2014/main" id="{07839EAD-2655-4281-8785-F446D511CDC6}"/>
               </a:ext>
             </a:extLst>
           </p:cNvPr>
@@ -16872,7 +18453,7 @@
           <p:cNvPr id="3" name="Title 2">
             <a:extLst>
               <a:ext uri="{FF2B5EF4-FFF2-40B4-BE49-F238E27FC236}">
-                <a16:creationId xmlns:a16="http://schemas.microsoft.com/office/drawing/2014/main" xmlns="" id="{42516048-E8AE-4FBE-81BB-073FC61BEB9B}"/>
+                <a16:creationId xmlns="" xmlns:a16="http://schemas.microsoft.com/office/drawing/2014/main" id="{42516048-E8AE-4FBE-81BB-073FC61BEB9B}"/>
               </a:ext>
             </a:extLst>
           </p:cNvPr>
@@ -16914,7 +18495,7 @@
           <p:cNvPr id="8" name="Diagram 7">
             <a:extLst>
               <a:ext uri="{FF2B5EF4-FFF2-40B4-BE49-F238E27FC236}">
-                <a16:creationId xmlns:a16="http://schemas.microsoft.com/office/drawing/2014/main" xmlns="" id="{4444B837-26E6-4870-86C8-1873F1904DA6}"/>
+                <a16:creationId xmlns="" xmlns:a16="http://schemas.microsoft.com/office/drawing/2014/main" id="{4444B837-26E6-4870-86C8-1873F1904DA6}"/>
               </a:ext>
             </a:extLst>
           </p:cNvPr>
@@ -16984,7 +18565,7 @@
           <p:cNvPr id="3" name="Title 2">
             <a:extLst>
               <a:ext uri="{FF2B5EF4-FFF2-40B4-BE49-F238E27FC236}">
-                <a16:creationId xmlns:a16="http://schemas.microsoft.com/office/drawing/2014/main" xmlns="" id="{07839EAD-2655-4281-8785-F446D511CDC6}"/>
+                <a16:creationId xmlns="" xmlns:a16="http://schemas.microsoft.com/office/drawing/2014/main" id="{07839EAD-2655-4281-8785-F446D511CDC6}"/>
               </a:ext>
             </a:extLst>
           </p:cNvPr>
@@ -17059,7 +18640,7 @@
           <p:cNvPr id="5" name="Picture 4" descr="Extensions and Updates">
             <a:extLst>
               <a:ext uri="{FF2B5EF4-FFF2-40B4-BE49-F238E27FC236}">
-                <a16:creationId xmlns:a16="http://schemas.microsoft.com/office/drawing/2014/main" xmlns="" id="{C1869BB8-8B73-4F2E-A5B4-A9044AA3F378}"/>
+                <a16:creationId xmlns="" xmlns:a16="http://schemas.microsoft.com/office/drawing/2014/main" id="{C1869BB8-8B73-4F2E-A5B4-A9044AA3F378}"/>
               </a:ext>
             </a:extLst>
           </p:cNvPr>
@@ -17137,7 +18718,7 @@
           <p:cNvPr id="2" name="Title 1">
             <a:extLst>
               <a:ext uri="{FF2B5EF4-FFF2-40B4-BE49-F238E27FC236}">
-                <a16:creationId xmlns:a16="http://schemas.microsoft.com/office/drawing/2014/main" xmlns="" id="{762139C3-9589-4BED-8AB8-C7F35B15C15C}"/>
+                <a16:creationId xmlns="" xmlns:a16="http://schemas.microsoft.com/office/drawing/2014/main" id="{762139C3-9589-4BED-8AB8-C7F35B15C15C}"/>
               </a:ext>
             </a:extLst>
           </p:cNvPr>
@@ -17175,7 +18756,7 @@
           <p:cNvPr id="4" name="Content Placeholder 1">
             <a:extLst>
               <a:ext uri="{FF2B5EF4-FFF2-40B4-BE49-F238E27FC236}">
-                <a16:creationId xmlns:a16="http://schemas.microsoft.com/office/drawing/2014/main" xmlns="" id="{B0F605DD-C16E-4AD4-B3CE-1A42A8D4D01C}"/>
+                <a16:creationId xmlns="" xmlns:a16="http://schemas.microsoft.com/office/drawing/2014/main" id="{B0F605DD-C16E-4AD4-B3CE-1A42A8D4D01C}"/>
               </a:ext>
             </a:extLst>
           </p:cNvPr>
@@ -17825,7 +19406,7 @@
           <p:cNvPr id="3" name="Title 2">
             <a:extLst>
               <a:ext uri="{FF2B5EF4-FFF2-40B4-BE49-F238E27FC236}">
-                <a16:creationId xmlns:a16="http://schemas.microsoft.com/office/drawing/2014/main" xmlns="" id="{42516048-E8AE-4FBE-81BB-073FC61BEB9B}"/>
+                <a16:creationId xmlns="" xmlns:a16="http://schemas.microsoft.com/office/drawing/2014/main" id="{42516048-E8AE-4FBE-81BB-073FC61BEB9B}"/>
               </a:ext>
             </a:extLst>
           </p:cNvPr>
@@ -17877,7 +19458,7 @@
           <p:cNvPr id="2" name="Content Placeholder 1">
             <a:extLst>
               <a:ext uri="{FF2B5EF4-FFF2-40B4-BE49-F238E27FC236}">
-                <a16:creationId xmlns:a16="http://schemas.microsoft.com/office/drawing/2014/main" xmlns="" id="{E89FD19F-30E3-4B98-9C47-C4FB03F56C78}"/>
+                <a16:creationId xmlns="" xmlns:a16="http://schemas.microsoft.com/office/drawing/2014/main" id="{E89FD19F-30E3-4B98-9C47-C4FB03F56C78}"/>
               </a:ext>
             </a:extLst>
           </p:cNvPr>
@@ -17984,7 +19565,7 @@
           <p:cNvPr id="3" name="Title 2">
             <a:extLst>
               <a:ext uri="{FF2B5EF4-FFF2-40B4-BE49-F238E27FC236}">
-                <a16:creationId xmlns:a16="http://schemas.microsoft.com/office/drawing/2014/main" xmlns="" id="{07839EAD-2655-4281-8785-F446D511CDC6}"/>
+                <a16:creationId xmlns="" xmlns:a16="http://schemas.microsoft.com/office/drawing/2014/main" id="{07839EAD-2655-4281-8785-F446D511CDC6}"/>
               </a:ext>
             </a:extLst>
           </p:cNvPr>
@@ -18059,7 +19640,7 @@
           <p:cNvPr id="3" name="Title 2">
             <a:extLst>
               <a:ext uri="{FF2B5EF4-FFF2-40B4-BE49-F238E27FC236}">
-                <a16:creationId xmlns:a16="http://schemas.microsoft.com/office/drawing/2014/main" xmlns="" id="{42516048-E8AE-4FBE-81BB-073FC61BEB9B}"/>
+                <a16:creationId xmlns="" xmlns:a16="http://schemas.microsoft.com/office/drawing/2014/main" id="{42516048-E8AE-4FBE-81BB-073FC61BEB9B}"/>
               </a:ext>
             </a:extLst>
           </p:cNvPr>
@@ -18070,7 +19651,12 @@
             <p:ph type="title"/>
           </p:nvPr>
         </p:nvSpPr>
-        <p:spPr/>
+        <p:spPr>
+          <a:xfrm>
+            <a:off x="677333" y="609600"/>
+            <a:ext cx="10138947" cy="1320800"/>
+          </a:xfrm>
+        </p:spPr>
         <p:txBody>
           <a:bodyPr>
             <a:normAutofit fontScale="90000"/>
@@ -18079,10 +19665,14 @@
           <a:p>
             <a:r>
               <a:rPr lang="en-US" dirty="0"/>
-              <a:t>Putting it All Together: Teleportation</a:t>
+              <a:t>Writing a Quantum </a:t>
+            </a:r>
+            <a:r>
+              <a:rPr lang="en-US" dirty="0" smtClean="0"/>
+              <a:t>Program</a:t>
             </a:r>
             <a:br>
-              <a:rPr lang="en-US" dirty="0"/>
+              <a:rPr lang="en-US" dirty="0" smtClean="0"/>
             </a:br>
             <a:r>
               <a:rPr lang="en-US" dirty="0">
@@ -18104,7 +19694,7 @@
           <p:cNvPr id="7" name="Content Placeholder 6">
             <a:extLst>
               <a:ext uri="{FF2B5EF4-FFF2-40B4-BE49-F238E27FC236}">
-                <a16:creationId xmlns:a16="http://schemas.microsoft.com/office/drawing/2014/main" xmlns="" id="{086FF66C-FD81-456E-BB9A-F1E7FF58CE9E}"/>
+                <a16:creationId xmlns="" xmlns:a16="http://schemas.microsoft.com/office/drawing/2014/main" id="{086FF66C-FD81-456E-BB9A-F1E7FF58CE9E}"/>
               </a:ext>
             </a:extLst>
           </p:cNvPr>
@@ -18117,33 +19707,164 @@
         </p:nvSpPr>
         <p:spPr>
           <a:xfrm>
-            <a:off x="564446" y="1618722"/>
+            <a:off x="506782" y="1791717"/>
             <a:ext cx="8596668" cy="3880773"/>
           </a:xfrm>
         </p:spPr>
         <p:txBody>
-          <a:bodyPr/>
+          <a:bodyPr>
+            <a:normAutofit fontScale="85000" lnSpcReduction="20000"/>
+          </a:bodyPr>
           <a:lstStyle/>
           <a:p>
             <a:r>
               <a:rPr lang="en-US" dirty="0"/>
-              <a:t>Let's return to the example of the teleportation circuit defined in </a:t>
-            </a:r>
+              <a:t>Step 1: </a:t>
+            </a:r>
+            <a:r>
+              <a:rPr lang="en-US" dirty="0"/>
+              <a:t>Before of Beginning check that you have installed the Development </a:t>
+            </a:r>
+            <a:r>
+              <a:rPr lang="en-US" dirty="0" smtClean="0"/>
+              <a:t>Kit</a:t>
+            </a:r>
+          </a:p>
+          <a:p>
+            <a:pPr marL="0" indent="0">
+              <a:buNone/>
+            </a:pPr>
             <a:r>
               <a:rPr lang="en-US" dirty="0">
                 <a:hlinkClick r:id="rId2"/>
               </a:rPr>
-              <a:t>Quantum Circuits</a:t>
-            </a:r>
-            <a:r>
-              <a:rPr lang="en-US" dirty="0"/>
-              <a:t>. Shown below is a text-book quantum circuit that implements the teleportation, including the quantum part, the measurements, and the classically-controlled correction operations.</a:t>
-            </a:r>
-          </a:p>
-          <a:p>
+              <a:t>https://</a:t>
+            </a:r>
+            <a:r>
+              <a:rPr lang="en-US" dirty="0" smtClean="0">
+                <a:hlinkClick r:id="rId2"/>
+              </a:rPr>
+              <a:t>marketplace.visualstudio.com/items?itemName=quantum.DevKit</a:t>
+            </a:r>
+            <a:endParaRPr lang="en-US" dirty="0" smtClean="0"/>
+          </a:p>
+          <a:p>
+            <a:pPr>
+              <a:lnSpc>
+                <a:spcPct val="220000"/>
+              </a:lnSpc>
+            </a:pPr>
+            <a:r>
+              <a:rPr lang="en-US" dirty="0" smtClean="0"/>
+              <a:t>Step 2: Check that you have installed the </a:t>
+            </a:r>
+            <a:r>
+              <a:rPr lang="en-US" dirty="0" err="1" smtClean="0"/>
+              <a:t>NuGet</a:t>
+            </a:r>
+            <a:r>
+              <a:rPr lang="en-US" dirty="0" smtClean="0"/>
+              <a:t> Package for </a:t>
+            </a:r>
+            <a:r>
+              <a:rPr lang="en-US" dirty="0" err="1" smtClean="0"/>
+              <a:t>Microsoft.Quantum.Canon</a:t>
+            </a:r>
+            <a:r>
+              <a:rPr lang="en-US" dirty="0" smtClean="0"/>
+              <a:t>, Go to Tools/</a:t>
+            </a:r>
+            <a:r>
+              <a:rPr lang="en-US" dirty="0" err="1" smtClean="0"/>
+              <a:t>NuGet</a:t>
+            </a:r>
+            <a:r>
+              <a:rPr lang="en-US" dirty="0" smtClean="0"/>
+              <a:t> Package Manager / Package </a:t>
+            </a:r>
+            <a:r>
+              <a:rPr lang="en-US" dirty="0"/>
+              <a:t>Manager Console… </a:t>
+            </a:r>
+            <a:r>
+              <a:rPr lang="en-US" dirty="0" smtClean="0"/>
+              <a:t>and</a:t>
+            </a:r>
+          </a:p>
+          <a:p>
+            <a:pPr marL="0" indent="0" algn="ctr">
+              <a:lnSpc>
+                <a:spcPct val="220000"/>
+              </a:lnSpc>
+              <a:buNone/>
+            </a:pPr>
+            <a:r>
+              <a:rPr lang="en-US" dirty="0" smtClean="0"/>
+              <a:t> </a:t>
+            </a:r>
+            <a:r>
+              <a:rPr lang="en-US" b="1" i="1" u="sng" dirty="0" smtClean="0"/>
+              <a:t>Install-Package </a:t>
+            </a:r>
+            <a:r>
+              <a:rPr lang="en-US" b="1" i="1" u="sng" dirty="0" err="1"/>
+              <a:t>Microsoft.Quantum.Canon</a:t>
+            </a:r>
+            <a:r>
+              <a:rPr lang="en-US" b="1" i="1" u="sng" dirty="0"/>
+              <a:t> -Version </a:t>
+            </a:r>
+            <a:r>
+              <a:rPr lang="en-US" b="1" i="1" u="sng" dirty="0" smtClean="0"/>
+              <a:t>0.2.1802.2202-preview</a:t>
+            </a:r>
+          </a:p>
+          <a:p>
+            <a:pPr>
+              <a:lnSpc>
+                <a:spcPct val="220000"/>
+              </a:lnSpc>
+            </a:pPr>
+            <a:r>
+              <a:rPr lang="en-US" dirty="0" smtClean="0"/>
+              <a:t>Step 3: Create </a:t>
+            </a:r>
+            <a:r>
+              <a:rPr lang="en-US" dirty="0"/>
+              <a:t>a Project and Solution</a:t>
+            </a:r>
+          </a:p>
+          <a:p>
+            <a:pPr marL="0" indent="0">
+              <a:buNone/>
+            </a:pPr>
+            <a:r>
+              <a:rPr lang="en-US" dirty="0"/>
+              <a:t>Open up Visual Studio 2017. Go to the File menu and select New &gt; Project.... In the project template explorer, under Installed &gt; Visual C#, select the Q# Application template. Make sure you have .NET Framework 4.6.1 selected in the list at the top of the New </a:t>
+            </a:r>
+            <a:r>
+              <a:rPr lang="en-US" dirty="0" err="1"/>
+              <a:t>Projectdialog</a:t>
+            </a:r>
+            <a:r>
+              <a:rPr lang="en-US" dirty="0"/>
+              <a:t> box. Give your project the name Bell</a:t>
+            </a:r>
+            <a:r>
+              <a:rPr lang="en-US" dirty="0" smtClean="0"/>
+              <a:t>.</a:t>
+            </a:r>
+          </a:p>
+          <a:p>
+            <a:pPr marL="0" indent="0">
+              <a:buNone/>
+            </a:pPr>
             <a:endParaRPr lang="en-US" dirty="0"/>
           </a:p>
           <a:p>
+            <a:pPr marL="0" indent="0">
+              <a:buNone/>
+            </a:pPr>
             <a:endParaRPr lang="en-US" dirty="0"/>
           </a:p>
           <a:p>
@@ -18151,12 +19872,6 @@
           </a:p>
           <a:p>
             <a:endParaRPr lang="en-US" dirty="0"/>
-          </a:p>
-          <a:p>
-            <a:r>
-              <a:rPr lang="en-US" dirty="0"/>
-              <a:t>This sample we need to make together..</a:t>
-            </a:r>
           </a:p>
         </p:txBody>
       </p:sp>
@@ -18165,7 +19880,7 @@
           <p:cNvPr id="8" name="AutoShape 4" descr="`Teleport(msg : Qubit, there : Qubit) : ()`">
             <a:extLst>
               <a:ext uri="{FF2B5EF4-FFF2-40B4-BE49-F238E27FC236}">
-                <a16:creationId xmlns:a16="http://schemas.microsoft.com/office/drawing/2014/main" xmlns="" id="{B11B43AE-0CA4-49F0-AB0B-F2EE384BF339}"/>
+                <a16:creationId xmlns="" xmlns:a16="http://schemas.microsoft.com/office/drawing/2014/main" id="{B11B43AE-0CA4-49F0-AB0B-F2EE384BF339}"/>
               </a:ext>
             </a:extLst>
           </p:cNvPr>
@@ -18205,77 +19920,10 @@
           </a:p>
         </p:txBody>
       </p:sp>
-      <p:pic>
-        <p:nvPicPr>
-          <p:cNvPr id="9" name="Picture 8">
-            <a:extLst>
-              <a:ext uri="{FF2B5EF4-FFF2-40B4-BE49-F238E27FC236}">
-                <a16:creationId xmlns:a16="http://schemas.microsoft.com/office/drawing/2014/main" xmlns="" id="{63B860FE-9431-4331-903C-CF255EC39F96}"/>
-              </a:ext>
-            </a:extLst>
-          </p:cNvPr>
-          <p:cNvPicPr>
-            <a:picLocks noChangeAspect="1"/>
-          </p:cNvPicPr>
-          <p:nvPr/>
-        </p:nvPicPr>
-        <p:blipFill>
-          <a:blip r:embed="rId3"/>
-          <a:stretch>
-            <a:fillRect/>
-          </a:stretch>
-        </p:blipFill>
-        <p:spPr>
-          <a:xfrm>
-            <a:off x="2415413" y="2847872"/>
-            <a:ext cx="4258269" cy="1467055"/>
-          </a:xfrm>
-          <a:prstGeom prst="rect">
-            <a:avLst/>
-          </a:prstGeom>
-        </p:spPr>
-      </p:pic>
-      <p:sp>
-        <p:nvSpPr>
-          <p:cNvPr id="10" name="Rectangle 9">
-            <a:extLst>
-              <a:ext uri="{FF2B5EF4-FFF2-40B4-BE49-F238E27FC236}">
-                <a16:creationId xmlns:a16="http://schemas.microsoft.com/office/drawing/2014/main" xmlns="" id="{E83F75FA-C2D7-44F5-9547-3F78C2405C09}"/>
-              </a:ext>
-            </a:extLst>
-          </p:cNvPr>
-          <p:cNvSpPr/>
-          <p:nvPr/>
-        </p:nvSpPr>
-        <p:spPr>
-          <a:xfrm>
-            <a:off x="677333" y="5862286"/>
-            <a:ext cx="7924799" cy="261610"/>
-          </a:xfrm>
-          <a:prstGeom prst="rect">
-            <a:avLst/>
-          </a:prstGeom>
-        </p:spPr>
-        <p:txBody>
-          <a:bodyPr wrap="square">
-            <a:spAutoFit/>
-          </a:bodyPr>
-          <a:lstStyle/>
-          <a:p>
-            <a:r>
-              <a:rPr lang="en-US" sz="1100" dirty="0">
-                <a:hlinkClick r:id="rId4"/>
-              </a:rPr>
-              <a:t>https://docs.microsoft.com/en-us/quantum/quantum-techniques-6-puttingitalltogether?view=qsharp-preview</a:t>
-            </a:r>
-            <a:endParaRPr lang="en-US" sz="1100" dirty="0"/>
-          </a:p>
-        </p:txBody>
-      </p:sp>
     </p:spTree>
     <p:extLst>
       <p:ext uri="{BB962C8B-B14F-4D97-AF65-F5344CB8AC3E}">
-        <p14:creationId xmlns:p14="http://schemas.microsoft.com/office/powerpoint/2010/main" val="3896105604"/>
+        <p14:creationId xmlns:p14="http://schemas.microsoft.com/office/powerpoint/2010/main" val="3383343846"/>
       </p:ext>
     </p:extLst>
   </p:cSld>
@@ -18319,7 +19967,7 @@
           <p:cNvPr id="3" name="Title 2">
             <a:extLst>
               <a:ext uri="{FF2B5EF4-FFF2-40B4-BE49-F238E27FC236}">
-                <a16:creationId xmlns:a16="http://schemas.microsoft.com/office/drawing/2014/main" xmlns="" id="{07839EAD-2655-4281-8785-F446D511CDC6}"/>
+                <a16:creationId xmlns="" xmlns:a16="http://schemas.microsoft.com/office/drawing/2014/main" id="{42516048-E8AE-4FBE-81BB-073FC61BEB9B}"/>
               </a:ext>
             </a:extLst>
           </p:cNvPr>
@@ -18332,25 +19980,159 @@
         </p:nvSpPr>
         <p:spPr>
           <a:xfrm>
-            <a:off x="1219200" y="1709738"/>
-            <a:ext cx="8252178" cy="2078491"/>
+            <a:off x="677333" y="609600"/>
+            <a:ext cx="10138947" cy="1320800"/>
           </a:xfrm>
         </p:spPr>
         <p:txBody>
-          <a:bodyPr/>
+          <a:bodyPr>
+            <a:normAutofit fontScale="90000"/>
+          </a:bodyPr>
           <a:lstStyle/>
           <a:p>
             <a:r>
               <a:rPr lang="en-US" dirty="0"/>
-              <a:t>10. More Information</a:t>
-            </a:r>
+              <a:t>Writing a Quantum </a:t>
+            </a:r>
+            <a:r>
+              <a:rPr lang="en-US" dirty="0" smtClean="0"/>
+              <a:t>Program</a:t>
+            </a:r>
+            <a:br>
+              <a:rPr lang="en-US" dirty="0" smtClean="0"/>
+            </a:br>
+            <a:r>
+              <a:rPr lang="en-US" dirty="0">
+                <a:effectLst/>
+              </a:rPr>
+              <a:t/>
+            </a:r>
+            <a:br>
+              <a:rPr lang="en-US" dirty="0">
+                <a:effectLst/>
+              </a:rPr>
+            </a:br>
+            <a:endParaRPr lang="en-US" dirty="0"/>
           </a:p>
         </p:txBody>
       </p:sp>
+      <p:sp>
+        <p:nvSpPr>
+          <p:cNvPr id="7" name="Content Placeholder 6">
+            <a:extLst>
+              <a:ext uri="{FF2B5EF4-FFF2-40B4-BE49-F238E27FC236}">
+                <a16:creationId xmlns="" xmlns:a16="http://schemas.microsoft.com/office/drawing/2014/main" id="{086FF66C-FD81-456E-BB9A-F1E7FF58CE9E}"/>
+              </a:ext>
+            </a:extLst>
+          </p:cNvPr>
+          <p:cNvSpPr>
+            <a:spLocks noGrp="1"/>
+          </p:cNvSpPr>
+          <p:nvPr>
+            <p:ph idx="1"/>
+          </p:nvPr>
+        </p:nvSpPr>
+        <p:spPr>
+          <a:xfrm>
+            <a:off x="506782" y="1791717"/>
+            <a:ext cx="8596668" cy="358359"/>
+          </a:xfrm>
+        </p:spPr>
+        <p:txBody>
+          <a:bodyPr>
+            <a:normAutofit lnSpcReduction="10000"/>
+          </a:bodyPr>
+          <a:lstStyle/>
+          <a:p>
+            <a:r>
+              <a:rPr lang="en-US" dirty="0" smtClean="0"/>
+              <a:t>Step 4: </a:t>
+            </a:r>
+            <a:r>
+              <a:rPr lang="en-US" dirty="0"/>
+              <a:t>Enter the Q# </a:t>
+            </a:r>
+            <a:r>
+              <a:rPr lang="en-US" dirty="0" smtClean="0"/>
+              <a:t>Code</a:t>
+            </a:r>
+            <a:endParaRPr lang="en-US" dirty="0"/>
+          </a:p>
+        </p:txBody>
+      </p:sp>
+      <p:sp>
+        <p:nvSpPr>
+          <p:cNvPr id="8" name="AutoShape 4" descr="`Teleport(msg : Qubit, there : Qubit) : ()`">
+            <a:extLst>
+              <a:ext uri="{FF2B5EF4-FFF2-40B4-BE49-F238E27FC236}">
+                <a16:creationId xmlns="" xmlns:a16="http://schemas.microsoft.com/office/drawing/2014/main" id="{B11B43AE-0CA4-49F0-AB0B-F2EE384BF339}"/>
+              </a:ext>
+            </a:extLst>
+          </p:cNvPr>
+          <p:cNvSpPr>
+            <a:spLocks noChangeAspect="1" noChangeArrowheads="1"/>
+          </p:cNvSpPr>
+          <p:nvPr/>
+        </p:nvSpPr>
+        <p:spPr bwMode="auto">
+          <a:xfrm>
+            <a:off x="5943600" y="3276600"/>
+            <a:ext cx="304800" cy="304800"/>
+          </a:xfrm>
+          <a:prstGeom prst="rect">
+            <a:avLst/>
+          </a:prstGeom>
+          <a:noFill/>
+          <a:extLst>
+            <a:ext uri="{909E8E84-426E-40DD-AFC4-6F175D3DCCD1}">
+              <a14:hiddenFill xmlns:a14="http://schemas.microsoft.com/office/drawing/2010/main">
+                <a:solidFill>
+                  <a:srgbClr val="FFFFFF"/>
+                </a:solidFill>
+              </a14:hiddenFill>
+            </a:ext>
+          </a:extLst>
+        </p:spPr>
+        <p:txBody>
+          <a:bodyPr vert="horz" wrap="square" lIns="91440" tIns="45720" rIns="91440" bIns="45720" numCol="1" anchor="t" anchorCtr="0" compatLnSpc="1">
+            <a:prstTxWarp prst="textNoShape">
+              <a:avLst/>
+            </a:prstTxWarp>
+          </a:bodyPr>
+          <a:lstStyle/>
+          <a:p>
+            <a:endParaRPr lang="en-US"/>
+          </a:p>
+        </p:txBody>
+      </p:sp>
+      <p:pic>
+        <p:nvPicPr>
+          <p:cNvPr id="6" name="Picture 5"/>
+          <p:cNvPicPr>
+            <a:picLocks noChangeAspect="1"/>
+          </p:cNvPicPr>
+          <p:nvPr/>
+        </p:nvPicPr>
+        <p:blipFill>
+          <a:blip r:embed="rId2"/>
+          <a:stretch>
+            <a:fillRect/>
+          </a:stretch>
+        </p:blipFill>
+        <p:spPr>
+          <a:xfrm>
+            <a:off x="2237770" y="2150076"/>
+            <a:ext cx="5134692" cy="3724795"/>
+          </a:xfrm>
+          <a:prstGeom prst="rect">
+            <a:avLst/>
+          </a:prstGeom>
+        </p:spPr>
+      </p:pic>
     </p:spTree>
     <p:extLst>
       <p:ext uri="{BB962C8B-B14F-4D97-AF65-F5344CB8AC3E}">
-        <p14:creationId xmlns:p14="http://schemas.microsoft.com/office/powerpoint/2010/main" val="3796387059"/>
+        <p14:creationId xmlns:p14="http://schemas.microsoft.com/office/powerpoint/2010/main" val="4272926488"/>
       </p:ext>
     </p:extLst>
   </p:cSld>
@@ -18394,7 +20176,7 @@
           <p:cNvPr id="2050" name="Picture 2" descr="https://attachment.outlook.office.net/owa/aliciachocoza@hotmail.com/service.svc/s/GetFileAttachment?id=AQMkADAwATE0YTgwLWJhNDctZDJkMS0wMAItMDAKAEYAAAM68UFWU9IuTZI97J3NaXbCBwBsVTr5m%2BkuTY5s%2BaXRaoE9AAACAQwAAABsVTr5m%2BkuTY5s%2BaXRaoE9AAFJsQvdAAAAARIAEAAveWHCSMgXQqcWa9nUqLFQ&amp;X-OWA-CANARY=ltSzQaauv0-hDm2kjQXv2aAOdKEcitUYw-tGkzjouAAm_H4VaHmn_0irjwYujyWLCbCbNaDtc1Y.&amp;token=eyJ0eXAiOiJKV1QiLCJhbGciOiJSUzI1NiIsIng1dCI6ImVuaDlCSnJWUFU1aWpWMXFqWmpWLWZMMmJjbyJ9.eyJ2ZXIiOiJFeGNoYW5nZS5DYWxsYmFjay5WMSIsImFwcGN0eHNlbmRlciI6Ik93YURvd25sb2FkQDg0ZGY5ZTdmLWU5ZjYtNDBhZi1iNDM1LWFhYWFhYWFhYWFhYSIsImFwcGN0eCI6IntcIm1zZXhjaHByb3RcIjpcIm93YVwiLFwicHJpbWFyeXNpZFwiOlwiUy0xLTI4MjctODQ2MDgtMzEyNTI2OTIwMVwiLFwicHVpZFwiOlwiMzYzMzkxNzE4MjQ5MTY5XCIsXCJvaWRcIjpcIjAwMDE0YTgwLWJhNDctZDJkMS0wMDAwLTAwMDAwMDAwMDAwMFwiLFwic2NvcGVcIjpcIk93YURvd25sb2FkXCJ9IiwiaXNzIjoiMDAwMDAwMDItMDAwMC0wZmYxLWNlMDAtMDAwMDAwMDAwMDAwQDg0ZGY5ZTdmLWU5ZjYtNDBhZi1iNDM1LWFhYWFhYWFhYWFhYSIsImF1ZCI6IjAwMDAwMDAyLTAwMDAtMGZmMS1jZTAwLTAwMDAwMDAwMDAwMC9hdHRhY2htZW50Lm91dGxvb2sub2ZmaWNlLm5ldEA4NGRmOWU3Zi1lOWY2LTQwYWYtYjQzNS1hYWFhYWFhYWFhYWEiLCJleHAiOjE1MjEwODE1OTEsIm5iZiI6MTUyMTA4MDk5MX0.0HybUCE5S3eVmupM3_R8EvqmixKC5YtMnpqumLC1Ygii2s9heAGz3WKm3zb4u2t9rhOFlTO6R5NPB6_TGFyk8SPljavjHptE0lLC-HPY2Mqq165nG_qt3eGl1PvjKZFSE3yGFmaCBiuCDVxA6jYgBO_17ejHrbw32Dn916CREOdgF1S097-8E2riyPBJUqmZpx6UKn7uIQzwpxL3Q8Y0PjJzw28F7b0rg_JQnQc_AxV676ZD-p4_zrx3ceQtkYR10c_abFvzVC9WOWANI8shJNkAN5USV0KX50XMnVLvqTUbvy_RxKUKpmEvPyfaF5oTWlGtyxOOMrsAxdPz1aatcw&amp;owa=outlook.live.com&amp;isc=1&amp;isImagePreview=True">
             <a:extLst>
               <a:ext uri="{FF2B5EF4-FFF2-40B4-BE49-F238E27FC236}">
-                <a16:creationId xmlns:a16="http://schemas.microsoft.com/office/drawing/2014/main" xmlns="" id="{EC4D07F8-FB58-47F4-8DB3-1972B431FC32}"/>
+                <a16:creationId xmlns="" xmlns:a16="http://schemas.microsoft.com/office/drawing/2014/main" id="{EC4D07F8-FB58-47F4-8DB3-1972B431FC32}"/>
               </a:ext>
             </a:extLst>
           </p:cNvPr>
@@ -18481,7 +20263,7 @@
           <p:cNvPr id="3" name="Title 2">
             <a:extLst>
               <a:ext uri="{FF2B5EF4-FFF2-40B4-BE49-F238E27FC236}">
-                <a16:creationId xmlns:a16="http://schemas.microsoft.com/office/drawing/2014/main" xmlns="" id="{42516048-E8AE-4FBE-81BB-073FC61BEB9B}"/>
+                <a16:creationId xmlns="" xmlns:a16="http://schemas.microsoft.com/office/drawing/2014/main" id="{42516048-E8AE-4FBE-81BB-073FC61BEB9B}"/>
               </a:ext>
             </a:extLst>
           </p:cNvPr>
@@ -18492,7 +20274,12 @@
             <p:ph type="title"/>
           </p:nvPr>
         </p:nvSpPr>
-        <p:spPr/>
+        <p:spPr>
+          <a:xfrm>
+            <a:off x="677333" y="609600"/>
+            <a:ext cx="10138947" cy="1320800"/>
+          </a:xfrm>
+        </p:spPr>
         <p:txBody>
           <a:bodyPr>
             <a:normAutofit fontScale="90000"/>
@@ -18501,10 +20288,14 @@
           <a:p>
             <a:r>
               <a:rPr lang="en-US" dirty="0"/>
-              <a:t>Basic quantum computing</a:t>
+              <a:t>Writing a Quantum </a:t>
+            </a:r>
+            <a:r>
+              <a:rPr lang="en-US" dirty="0" smtClean="0"/>
+              <a:t>Program</a:t>
             </a:r>
             <a:br>
-              <a:rPr lang="en-US" dirty="0"/>
+              <a:rPr lang="en-US" dirty="0" smtClean="0"/>
             </a:br>
             <a:r>
               <a:rPr lang="en-US" dirty="0">
@@ -18523,10 +20314,10 @@
       </p:sp>
       <p:sp>
         <p:nvSpPr>
-          <p:cNvPr id="2" name="Content Placeholder 1">
+          <p:cNvPr id="7" name="Content Placeholder 6">
             <a:extLst>
               <a:ext uri="{FF2B5EF4-FFF2-40B4-BE49-F238E27FC236}">
-                <a16:creationId xmlns:a16="http://schemas.microsoft.com/office/drawing/2014/main" xmlns="" id="{E89FD19F-30E3-4B98-9C47-C4FB03F56C78}"/>
+                <a16:creationId xmlns="" xmlns:a16="http://schemas.microsoft.com/office/drawing/2014/main" id="{086FF66C-FD81-456E-BB9A-F1E7FF58CE9E}"/>
               </a:ext>
             </a:extLst>
           </p:cNvPr>
@@ -18537,103 +20328,107 @@
             <p:ph idx="1"/>
           </p:nvPr>
         </p:nvSpPr>
-        <p:spPr/>
+        <p:spPr>
+          <a:xfrm>
+            <a:off x="506782" y="1791717"/>
+            <a:ext cx="8596668" cy="358359"/>
+          </a:xfrm>
+        </p:spPr>
         <p:txBody>
-          <a:bodyPr/>
+          <a:bodyPr>
+            <a:normAutofit lnSpcReduction="10000"/>
+          </a:bodyPr>
           <a:lstStyle/>
           <a:p>
             <a:r>
-              <a:rPr lang="en-US" dirty="0">
-                <a:hlinkClick r:id="rId2"/>
-              </a:rPr>
-              <a:t>Nielsen, M. A. &amp; Chuang, I. L. (2010). Quantum Computation and Quantum Information. Quantum Computation and Quantum Information, UK: Cambridge University Press, 2010.</a:t>
-            </a:r>
-            <a:endParaRPr lang="en-US" dirty="0"/>
-          </a:p>
-          <a:p>
-            <a:r>
-              <a:rPr lang="en-US" dirty="0" err="1"/>
-              <a:t>Kitaev</a:t>
-            </a:r>
-            <a:r>
-              <a:rPr lang="en-US" dirty="0"/>
-              <a:t>, A. Y., Shen, A., &amp; </a:t>
-            </a:r>
-            <a:r>
-              <a:rPr lang="en-US" dirty="0" err="1"/>
-              <a:t>Vyalyi</a:t>
-            </a:r>
-            <a:r>
-              <a:rPr lang="en-US" dirty="0"/>
-              <a:t>, M. N. (2002). Classical and quantum computation (Vol. 47). Providence: American Mathematical Society.</a:t>
-            </a:r>
-          </a:p>
-          <a:p>
-            <a:r>
-              <a:rPr lang="en-US" dirty="0">
-                <a:hlinkClick r:id="rId3"/>
-              </a:rPr>
-              <a:t>Kaye, P., </a:t>
-            </a:r>
-            <a:r>
-              <a:rPr lang="en-US" dirty="0" err="1">
-                <a:hlinkClick r:id="rId3"/>
-              </a:rPr>
-              <a:t>Laﬂamme</a:t>
-            </a:r>
-            <a:r>
-              <a:rPr lang="en-US" dirty="0">
-                <a:hlinkClick r:id="rId3"/>
-              </a:rPr>
-              <a:t>, R., &amp; </a:t>
-            </a:r>
-            <a:r>
-              <a:rPr lang="en-US" dirty="0" err="1">
-                <a:hlinkClick r:id="rId3"/>
-              </a:rPr>
-              <a:t>Mosca</a:t>
-            </a:r>
-            <a:r>
-              <a:rPr lang="en-US" dirty="0">
-                <a:hlinkClick r:id="rId3"/>
-              </a:rPr>
-              <a:t>, M. (2007). An introduction to quantum computing. Oxford University Press.</a:t>
-            </a:r>
-            <a:endParaRPr lang="en-US" dirty="0"/>
-          </a:p>
-          <a:p>
-            <a:r>
-              <a:rPr lang="en-US" dirty="0" err="1">
-                <a:hlinkClick r:id="rId4"/>
-              </a:rPr>
-              <a:t>Rieﬀel</a:t>
-            </a:r>
-            <a:r>
-              <a:rPr lang="en-US" dirty="0">
-                <a:hlinkClick r:id="rId4"/>
-              </a:rPr>
-              <a:t>, E. G., &amp; </a:t>
-            </a:r>
-            <a:r>
-              <a:rPr lang="en-US" dirty="0" err="1">
-                <a:hlinkClick r:id="rId4"/>
-              </a:rPr>
-              <a:t>Polak</a:t>
-            </a:r>
-            <a:r>
-              <a:rPr lang="en-US" dirty="0">
-                <a:hlinkClick r:id="rId4"/>
-              </a:rPr>
-              <a:t>, W. H. (2011). Quantum computing: A gentle introduction. MIT Press.</a:t>
+              <a:rPr lang="en-US" dirty="0" smtClean="0"/>
+              <a:t>Step 5: </a:t>
+            </a:r>
+            <a:r>
+              <a:rPr lang="en-US" dirty="0"/>
+              <a:t>Enter the </a:t>
+            </a:r>
+            <a:r>
+              <a:rPr lang="en-US" dirty="0" smtClean="0"/>
+              <a:t>C# Code</a:t>
             </a:r>
             <a:endParaRPr lang="en-US" dirty="0"/>
           </a:p>
         </p:txBody>
       </p:sp>
+      <p:sp>
+        <p:nvSpPr>
+          <p:cNvPr id="8" name="AutoShape 4" descr="`Teleport(msg : Qubit, there : Qubit) : ()`">
+            <a:extLst>
+              <a:ext uri="{FF2B5EF4-FFF2-40B4-BE49-F238E27FC236}">
+                <a16:creationId xmlns="" xmlns:a16="http://schemas.microsoft.com/office/drawing/2014/main" id="{B11B43AE-0CA4-49F0-AB0B-F2EE384BF339}"/>
+              </a:ext>
+            </a:extLst>
+          </p:cNvPr>
+          <p:cNvSpPr>
+            <a:spLocks noChangeAspect="1" noChangeArrowheads="1"/>
+          </p:cNvSpPr>
+          <p:nvPr/>
+        </p:nvSpPr>
+        <p:spPr bwMode="auto">
+          <a:xfrm>
+            <a:off x="5943600" y="3276600"/>
+            <a:ext cx="304800" cy="304800"/>
+          </a:xfrm>
+          <a:prstGeom prst="rect">
+            <a:avLst/>
+          </a:prstGeom>
+          <a:noFill/>
+          <a:extLst>
+            <a:ext uri="{909E8E84-426E-40DD-AFC4-6F175D3DCCD1}">
+              <a14:hiddenFill xmlns:a14="http://schemas.microsoft.com/office/drawing/2010/main">
+                <a:solidFill>
+                  <a:srgbClr val="FFFFFF"/>
+                </a:solidFill>
+              </a14:hiddenFill>
+            </a:ext>
+          </a:extLst>
+        </p:spPr>
+        <p:txBody>
+          <a:bodyPr vert="horz" wrap="square" lIns="91440" tIns="45720" rIns="91440" bIns="45720" numCol="1" anchor="t" anchorCtr="0" compatLnSpc="1">
+            <a:prstTxWarp prst="textNoShape">
+              <a:avLst/>
+            </a:prstTxWarp>
+          </a:bodyPr>
+          <a:lstStyle/>
+          <a:p>
+            <a:endParaRPr lang="en-US"/>
+          </a:p>
+        </p:txBody>
+      </p:sp>
+      <p:pic>
+        <p:nvPicPr>
+          <p:cNvPr id="4" name="Picture 3"/>
+          <p:cNvPicPr>
+            <a:picLocks noChangeAspect="1"/>
+          </p:cNvPicPr>
+          <p:nvPr/>
+        </p:nvPicPr>
+        <p:blipFill>
+          <a:blip r:embed="rId2"/>
+          <a:stretch>
+            <a:fillRect/>
+          </a:stretch>
+        </p:blipFill>
+        <p:spPr>
+          <a:xfrm>
+            <a:off x="930150" y="2345724"/>
+            <a:ext cx="5883728" cy="3581400"/>
+          </a:xfrm>
+          <a:prstGeom prst="rect">
+            <a:avLst/>
+          </a:prstGeom>
+        </p:spPr>
+      </p:pic>
     </p:spTree>
     <p:extLst>
       <p:ext uri="{BB962C8B-B14F-4D97-AF65-F5344CB8AC3E}">
-        <p14:creationId xmlns:p14="http://schemas.microsoft.com/office/powerpoint/2010/main" val="885658412"/>
+        <p14:creationId xmlns:p14="http://schemas.microsoft.com/office/powerpoint/2010/main" val="1129178477"/>
       </p:ext>
     </p:extLst>
   </p:cSld>
@@ -18677,7 +20472,7 @@
           <p:cNvPr id="3" name="Title 2">
             <a:extLst>
               <a:ext uri="{FF2B5EF4-FFF2-40B4-BE49-F238E27FC236}">
-                <a16:creationId xmlns:a16="http://schemas.microsoft.com/office/drawing/2014/main" xmlns="" id="{42516048-E8AE-4FBE-81BB-073FC61BEB9B}"/>
+                <a16:creationId xmlns="" xmlns:a16="http://schemas.microsoft.com/office/drawing/2014/main" id="{07839EAD-2655-4281-8785-F446D511CDC6}"/>
               </a:ext>
             </a:extLst>
           </p:cNvPr>
@@ -18688,143 +20483,27 @@
             <p:ph type="title"/>
           </p:nvPr>
         </p:nvSpPr>
-        <p:spPr/>
-        <p:txBody>
-          <a:bodyPr>
-            <a:normAutofit fontScale="90000"/>
-          </a:bodyPr>
-          <a:lstStyle/>
-          <a:p>
-            <a:r>
-              <a:rPr lang="en-US" dirty="0"/>
-              <a:t>Elementary techniques for building controlled gates</a:t>
-            </a:r>
-            <a:br>
-              <a:rPr lang="en-US" dirty="0"/>
-            </a:br>
-            <a:r>
-              <a:rPr lang="en-US" dirty="0"/>
-              <a:t/>
-            </a:r>
-            <a:br>
-              <a:rPr lang="en-US" dirty="0"/>
-            </a:br>
-            <a:r>
-              <a:rPr lang="en-US" dirty="0">
-                <a:effectLst/>
-              </a:rPr>
-              <a:t/>
-            </a:r>
-            <a:br>
-              <a:rPr lang="en-US" dirty="0">
-                <a:effectLst/>
-              </a:rPr>
-            </a:br>
-            <a:endParaRPr lang="en-US" dirty="0"/>
-          </a:p>
-        </p:txBody>
-      </p:sp>
-      <p:sp>
-        <p:nvSpPr>
-          <p:cNvPr id="2" name="Content Placeholder 1">
-            <a:extLst>
-              <a:ext uri="{FF2B5EF4-FFF2-40B4-BE49-F238E27FC236}">
-                <a16:creationId xmlns:a16="http://schemas.microsoft.com/office/drawing/2014/main" xmlns="" id="{E89FD19F-30E3-4B98-9C47-C4FB03F56C78}"/>
-              </a:ext>
-            </a:extLst>
-          </p:cNvPr>
-          <p:cNvSpPr>
-            <a:spLocks noGrp="1"/>
-          </p:cNvSpPr>
-          <p:nvPr>
-            <p:ph idx="1"/>
-          </p:nvPr>
-        </p:nvSpPr>
-        <p:spPr/>
+        <p:spPr>
+          <a:xfrm>
+            <a:off x="1219200" y="1709738"/>
+            <a:ext cx="8252178" cy="2078491"/>
+          </a:xfrm>
+        </p:spPr>
         <p:txBody>
           <a:bodyPr/>
           <a:lstStyle/>
           <a:p>
             <a:r>
-              <a:rPr lang="en-US" dirty="0" err="1">
-                <a:hlinkClick r:id="rId2"/>
-              </a:rPr>
-              <a:t>Barenco</a:t>
-            </a:r>
-            <a:r>
-              <a:rPr lang="en-US" dirty="0">
-                <a:hlinkClick r:id="rId2"/>
-              </a:rPr>
-              <a:t>, A., Bennett, C. H., Cleve, R., </a:t>
-            </a:r>
-            <a:r>
-              <a:rPr lang="en-US" dirty="0" err="1">
-                <a:hlinkClick r:id="rId2"/>
-              </a:rPr>
-              <a:t>DiVincenzo</a:t>
-            </a:r>
-            <a:r>
-              <a:rPr lang="en-US" dirty="0">
-                <a:hlinkClick r:id="rId2"/>
-              </a:rPr>
-              <a:t>, D. P., </a:t>
-            </a:r>
-            <a:r>
-              <a:rPr lang="en-US" dirty="0" err="1">
-                <a:hlinkClick r:id="rId2"/>
-              </a:rPr>
-              <a:t>Margolus</a:t>
-            </a:r>
-            <a:r>
-              <a:rPr lang="en-US" dirty="0">
-                <a:hlinkClick r:id="rId2"/>
-              </a:rPr>
-              <a:t>, N., Shor, P., ... &amp; </a:t>
-            </a:r>
-            <a:r>
-              <a:rPr lang="en-US" dirty="0" err="1">
-                <a:hlinkClick r:id="rId2"/>
-              </a:rPr>
-              <a:t>Weinfurter</a:t>
-            </a:r>
-            <a:r>
-              <a:rPr lang="en-US" dirty="0">
-                <a:hlinkClick r:id="rId2"/>
-              </a:rPr>
-              <a:t>, H. (1995). Elementary gates for quantum computation. Physical Review A, 52(5), 3457</a:t>
-            </a:r>
-            <a:r>
-              <a:rPr lang="en-US" dirty="0"/>
-              <a:t>.</a:t>
-            </a:r>
-          </a:p>
-          <a:p>
-            <a:r>
-              <a:rPr lang="en-US" dirty="0">
-                <a:hlinkClick r:id="rId3"/>
-              </a:rPr>
-              <a:t>Jones, C. (2013). Low-overhead constructions for the fault-tolerant </a:t>
-            </a:r>
-            <a:r>
-              <a:rPr lang="en-US" dirty="0" err="1">
-                <a:hlinkClick r:id="rId3"/>
-              </a:rPr>
-              <a:t>Toﬀoli</a:t>
-            </a:r>
-            <a:r>
-              <a:rPr lang="en-US" dirty="0">
-                <a:hlinkClick r:id="rId3"/>
-              </a:rPr>
-              <a:t> gate. Physical Review A, 87(2), 022328</a:t>
-            </a:r>
-            <a:endParaRPr lang="en-US" dirty="0"/>
+              <a:rPr lang="en-US" dirty="0"/>
+              <a:t>10. More Information</a:t>
+            </a:r>
           </a:p>
         </p:txBody>
       </p:sp>
     </p:spTree>
     <p:extLst>
       <p:ext uri="{BB962C8B-B14F-4D97-AF65-F5344CB8AC3E}">
-        <p14:creationId xmlns:p14="http://schemas.microsoft.com/office/powerpoint/2010/main" val="486017093"/>
+        <p14:creationId xmlns:p14="http://schemas.microsoft.com/office/powerpoint/2010/main" val="3796387059"/>
       </p:ext>
     </p:extLst>
   </p:cSld>
@@ -18868,7 +20547,7 @@
           <p:cNvPr id="3" name="Title 2">
             <a:extLst>
               <a:ext uri="{FF2B5EF4-FFF2-40B4-BE49-F238E27FC236}">
-                <a16:creationId xmlns:a16="http://schemas.microsoft.com/office/drawing/2014/main" xmlns="" id="{42516048-E8AE-4FBE-81BB-073FC61BEB9B}"/>
+                <a16:creationId xmlns="" xmlns:a16="http://schemas.microsoft.com/office/drawing/2014/main" id="{42516048-E8AE-4FBE-81BB-073FC61BEB9B}"/>
               </a:ext>
             </a:extLst>
           </p:cNvPr>
@@ -18888,21 +20567,7 @@
           <a:p>
             <a:r>
               <a:rPr lang="en-US" dirty="0"/>
-              <a:t>Techniques for preparing quantum states</a:t>
-            </a:r>
-            <a:br>
-              <a:rPr lang="en-US" dirty="0"/>
-            </a:br>
-            <a:r>
-              <a:rPr lang="en-US" dirty="0"/>
-              <a:t/>
-            </a:r>
-            <a:br>
-              <a:rPr lang="en-US" dirty="0"/>
-            </a:br>
-            <a:r>
-              <a:rPr lang="en-US" dirty="0"/>
-              <a:t/>
+              <a:t>Basic quantum computing</a:t>
             </a:r>
             <a:br>
               <a:rPr lang="en-US" dirty="0"/>
@@ -18927,7 +20592,7 @@
           <p:cNvPr id="2" name="Content Placeholder 1">
             <a:extLst>
               <a:ext uri="{FF2B5EF4-FFF2-40B4-BE49-F238E27FC236}">
-                <a16:creationId xmlns:a16="http://schemas.microsoft.com/office/drawing/2014/main" xmlns="" id="{E89FD19F-30E3-4B98-9C47-C4FB03F56C78}"/>
+                <a16:creationId xmlns="" xmlns:a16="http://schemas.microsoft.com/office/drawing/2014/main" id="{E89FD19F-30E3-4B98-9C47-C4FB03F56C78}"/>
               </a:ext>
             </a:extLst>
           </p:cNvPr>
@@ -18944,90 +20609,97 @@
           <a:lstStyle/>
           <a:p>
             <a:r>
-              <a:rPr lang="en-US" dirty="0"/>
-              <a:t>Shende, V. V., Markov, I. L., &amp; Bullock, S. S. (2004). Minimal universal two-qubit controlled-NOT-based circuits. Physical Review A, 69(6), 062321.</a:t>
-            </a:r>
+              <a:rPr lang="en-US" dirty="0">
+                <a:hlinkClick r:id="rId2"/>
+              </a:rPr>
+              <a:t>Nielsen, M. A. &amp; Chuang, I. L. (2010). Quantum Computation and Quantum Information. Quantum Computation and Quantum Information, UK: Cambridge University Press, 2010.</a:t>
+            </a:r>
+            <a:endParaRPr lang="en-US" dirty="0"/>
           </a:p>
           <a:p>
             <a:r>
               <a:rPr lang="en-US" dirty="0" err="1"/>
-              <a:t>Ozols</a:t>
-            </a:r>
-            <a:r>
-              <a:rPr lang="en-US" dirty="0"/>
-              <a:t>, M., </a:t>
+              <a:t>Kitaev</a:t>
+            </a:r>
+            <a:r>
+              <a:rPr lang="en-US" dirty="0"/>
+              <a:t>, A. Y., Shen, A., &amp; </a:t>
             </a:r>
             <a:r>
               <a:rPr lang="en-US" dirty="0" err="1"/>
-              <a:t>Roetteler</a:t>
-            </a:r>
-            <a:r>
-              <a:rPr lang="en-US" dirty="0"/>
-              <a:t>, M., &amp; Roland, J. (2013). Quantum rejection sampling. ACM Transactions on Computation Theory (TOCT), 5(3), 11.</a:t>
-            </a:r>
-          </a:p>
-          <a:p>
-            <a:r>
-              <a:rPr lang="en-US" dirty="0"/>
-              <a:t>Grover, L., &amp; Rudolph, T. (2002). Creating superpositions that correspond to eﬃciently integrable probability distributions. </a:t>
-            </a:r>
-            <a:r>
-              <a:rPr lang="en-US" dirty="0" err="1"/>
-              <a:t>arXiv</a:t>
-            </a:r>
-            <a:r>
-              <a:rPr lang="en-US" dirty="0"/>
-              <a:t> preprint quant-</a:t>
-            </a:r>
-            <a:r>
-              <a:rPr lang="en-US" dirty="0" err="1"/>
-              <a:t>ph</a:t>
-            </a:r>
-            <a:r>
-              <a:rPr lang="en-US" dirty="0"/>
-              <a:t>/0208112.</a:t>
-            </a:r>
-          </a:p>
-          <a:p>
-            <a:r>
-              <a:rPr lang="en-US" dirty="0" err="1"/>
-              <a:t>Farhi</a:t>
-            </a:r>
-            <a:r>
-              <a:rPr lang="en-US" dirty="0"/>
-              <a:t>, E., Goldstone, J., Gutmann, S., &amp; </a:t>
-            </a:r>
-            <a:r>
-              <a:rPr lang="en-US" dirty="0" err="1"/>
-              <a:t>Sipser</a:t>
-            </a:r>
-            <a:r>
-              <a:rPr lang="en-US" dirty="0"/>
-              <a:t>, M. (2000). Quantum computation by adiabatic evolution. </a:t>
-            </a:r>
-            <a:r>
-              <a:rPr lang="en-US" dirty="0" err="1"/>
-              <a:t>arXiv</a:t>
-            </a:r>
-            <a:r>
-              <a:rPr lang="en-US" dirty="0"/>
-              <a:t> preprint quant-</a:t>
-            </a:r>
-            <a:r>
-              <a:rPr lang="en-US" dirty="0" err="1"/>
-              <a:t>ph</a:t>
-            </a:r>
-            <a:r>
-              <a:rPr lang="en-US" dirty="0"/>
-              <a:t>/0001106.</a:t>
-            </a:r>
+              <a:t>Vyalyi</a:t>
+            </a:r>
+            <a:r>
+              <a:rPr lang="en-US" dirty="0"/>
+              <a:t>, M. N. (2002). Classical and quantum computation (Vol. 47). Providence: American Mathematical Society.</a:t>
+            </a:r>
+          </a:p>
+          <a:p>
+            <a:r>
+              <a:rPr lang="en-US" dirty="0">
+                <a:hlinkClick r:id="rId3"/>
+              </a:rPr>
+              <a:t>Kaye, P., </a:t>
+            </a:r>
+            <a:r>
+              <a:rPr lang="en-US" dirty="0" err="1">
+                <a:hlinkClick r:id="rId3"/>
+              </a:rPr>
+              <a:t>Laﬂamme</a:t>
+            </a:r>
+            <a:r>
+              <a:rPr lang="en-US" dirty="0">
+                <a:hlinkClick r:id="rId3"/>
+              </a:rPr>
+              <a:t>, R., &amp; </a:t>
+            </a:r>
+            <a:r>
+              <a:rPr lang="en-US" dirty="0" err="1">
+                <a:hlinkClick r:id="rId3"/>
+              </a:rPr>
+              <a:t>Mosca</a:t>
+            </a:r>
+            <a:r>
+              <a:rPr lang="en-US" dirty="0">
+                <a:hlinkClick r:id="rId3"/>
+              </a:rPr>
+              <a:t>, M. (2007). An introduction to quantum computing. Oxford University Press.</a:t>
+            </a:r>
+            <a:endParaRPr lang="en-US" dirty="0"/>
+          </a:p>
+          <a:p>
+            <a:r>
+              <a:rPr lang="en-US" dirty="0" err="1">
+                <a:hlinkClick r:id="rId4"/>
+              </a:rPr>
+              <a:t>Rieﬀel</a:t>
+            </a:r>
+            <a:r>
+              <a:rPr lang="en-US" dirty="0">
+                <a:hlinkClick r:id="rId4"/>
+              </a:rPr>
+              <a:t>, E. G., &amp; </a:t>
+            </a:r>
+            <a:r>
+              <a:rPr lang="en-US" dirty="0" err="1">
+                <a:hlinkClick r:id="rId4"/>
+              </a:rPr>
+              <a:t>Polak</a:t>
+            </a:r>
+            <a:r>
+              <a:rPr lang="en-US" dirty="0">
+                <a:hlinkClick r:id="rId4"/>
+              </a:rPr>
+              <a:t>, W. H. (2011). Quantum computing: A gentle introduction. MIT Press.</a:t>
+            </a:r>
+            <a:endParaRPr lang="en-US" dirty="0"/>
           </a:p>
         </p:txBody>
       </p:sp>
     </p:spTree>
     <p:extLst>
       <p:ext uri="{BB962C8B-B14F-4D97-AF65-F5344CB8AC3E}">
-        <p14:creationId xmlns:p14="http://schemas.microsoft.com/office/powerpoint/2010/main" val="2027937336"/>
+        <p14:creationId xmlns:p14="http://schemas.microsoft.com/office/powerpoint/2010/main" val="885658412"/>
       </p:ext>
     </p:extLst>
   </p:cSld>
@@ -19071,7 +20743,7 @@
           <p:cNvPr id="3" name="Title 2">
             <a:extLst>
               <a:ext uri="{FF2B5EF4-FFF2-40B4-BE49-F238E27FC236}">
-                <a16:creationId xmlns:a16="http://schemas.microsoft.com/office/drawing/2014/main" xmlns="" id="{42516048-E8AE-4FBE-81BB-073FC61BEB9B}"/>
+                <a16:creationId xmlns="" xmlns:a16="http://schemas.microsoft.com/office/drawing/2014/main" id="{42516048-E8AE-4FBE-81BB-073FC61BEB9B}"/>
               </a:ext>
             </a:extLst>
           </p:cNvPr>
@@ -19091,21 +20763,7 @@
           <a:p>
             <a:r>
               <a:rPr lang="en-US" dirty="0"/>
-              <a:t>Approaches for synthesizing circuits out of H, T and CNOT gates</a:t>
-            </a:r>
-            <a:br>
-              <a:rPr lang="en-US" dirty="0"/>
-            </a:br>
-            <a:r>
-              <a:rPr lang="en-US" dirty="0"/>
-              <a:t/>
-            </a:r>
-            <a:br>
-              <a:rPr lang="en-US" dirty="0"/>
-            </a:br>
-            <a:r>
-              <a:rPr lang="en-US" dirty="0"/>
-              <a:t/>
+              <a:t>Elementary techniques for building controlled gates</a:t>
             </a:r>
             <a:br>
               <a:rPr lang="en-US" dirty="0"/>
@@ -19137,7 +20795,7 @@
           <p:cNvPr id="2" name="Content Placeholder 1">
             <a:extLst>
               <a:ext uri="{FF2B5EF4-FFF2-40B4-BE49-F238E27FC236}">
-                <a16:creationId xmlns:a16="http://schemas.microsoft.com/office/drawing/2014/main" xmlns="" id="{E89FD19F-30E3-4B98-9C47-C4FB03F56C78}"/>
+                <a16:creationId xmlns="" xmlns:a16="http://schemas.microsoft.com/office/drawing/2014/main" id="{E89FD19F-30E3-4B98-9C47-C4FB03F56C78}"/>
               </a:ext>
             </a:extLst>
           </p:cNvPr>
@@ -19154,98 +20812,85 @@
           <a:lstStyle/>
           <a:p>
             <a:r>
-              <a:rPr lang="en-US" dirty="0" err="1"/>
-              <a:t>Kliuchnikov</a:t>
-            </a:r>
-            <a:r>
-              <a:rPr lang="en-US" dirty="0"/>
-              <a:t>, V., </a:t>
-            </a:r>
-            <a:r>
-              <a:rPr lang="en-US" dirty="0" err="1"/>
-              <a:t>Maslov</a:t>
-            </a:r>
-            <a:r>
-              <a:rPr lang="en-US" dirty="0"/>
-              <a:t>, D., &amp; </a:t>
-            </a:r>
-            <a:r>
-              <a:rPr lang="en-US" dirty="0" err="1"/>
-              <a:t>Mosca</a:t>
-            </a:r>
-            <a:r>
-              <a:rPr lang="en-US" dirty="0"/>
-              <a:t>, M. (2013). Asymptotically optimal approximation of single qubit </a:t>
-            </a:r>
-            <a:r>
-              <a:rPr lang="en-US" dirty="0" err="1"/>
-              <a:t>unitaries</a:t>
-            </a:r>
-            <a:r>
-              <a:rPr lang="en-US" dirty="0"/>
-              <a:t> by Cliﬀord and T circuits using a constant number of ancillary qubits. Physical Review Letters, 110(19), 190502.</a:t>
-            </a:r>
-          </a:p>
-          <a:p>
-            <a:r>
-              <a:rPr lang="en-US" dirty="0"/>
-              <a:t>Ross, N. J., &amp; Selinger, P. (2014). Optimal ancilla-free Cliﬀord+ T approximation of z-rotations. </a:t>
-            </a:r>
-            <a:r>
-              <a:rPr lang="en-US" dirty="0" err="1"/>
-              <a:t>arXiv</a:t>
-            </a:r>
-            <a:r>
-              <a:rPr lang="en-US" dirty="0"/>
-              <a:t> preprint arXiv:1403.2975.</a:t>
-            </a:r>
-          </a:p>
-          <a:p>
-            <a:r>
-              <a:rPr lang="en-US" dirty="0" err="1"/>
-              <a:t>Kliuchnikov</a:t>
-            </a:r>
-            <a:r>
-              <a:rPr lang="en-US" dirty="0"/>
-              <a:t>, V. (2013). Synthesis of </a:t>
-            </a:r>
-            <a:r>
-              <a:rPr lang="en-US" dirty="0" err="1"/>
-              <a:t>unitaries</a:t>
-            </a:r>
-            <a:r>
-              <a:rPr lang="en-US" dirty="0"/>
-              <a:t> with Cliﬀord+ T circuits. </a:t>
-            </a:r>
-            <a:r>
-              <a:rPr lang="en-US" dirty="0" err="1"/>
-              <a:t>arXiv</a:t>
-            </a:r>
-            <a:r>
-              <a:rPr lang="en-US" dirty="0"/>
-              <a:t> preprint arXiv:1306.3200.</a:t>
-            </a:r>
-          </a:p>
-          <a:p>
-            <a:r>
-              <a:rPr lang="en-US" dirty="0"/>
-              <a:t>Jones, N. C., Whitﬁeld, J. D., McMahon, P. L., Yung, M. H., Van Meter, R., </a:t>
-            </a:r>
-            <a:r>
-              <a:rPr lang="en-US" dirty="0" err="1"/>
-              <a:t>Aspuru-Guzik</a:t>
-            </a:r>
-            <a:r>
-              <a:rPr lang="en-US" dirty="0"/>
-              <a:t>, A., &amp; Yamamoto, Y. (2012). Faster quantum chemistry simulation on fault-tolerant quantum computers. New Journal of Physics, 14(11), 115023.</a:t>
-            </a:r>
+              <a:rPr lang="en-US" dirty="0" err="1">
+                <a:hlinkClick r:id="rId2"/>
+              </a:rPr>
+              <a:t>Barenco</a:t>
+            </a:r>
+            <a:r>
+              <a:rPr lang="en-US" dirty="0">
+                <a:hlinkClick r:id="rId2"/>
+              </a:rPr>
+              <a:t>, A., Bennett, C. H., Cleve, R., </a:t>
+            </a:r>
+            <a:r>
+              <a:rPr lang="en-US" dirty="0" err="1">
+                <a:hlinkClick r:id="rId2"/>
+              </a:rPr>
+              <a:t>DiVincenzo</a:t>
+            </a:r>
+            <a:r>
+              <a:rPr lang="en-US" dirty="0">
+                <a:hlinkClick r:id="rId2"/>
+              </a:rPr>
+              <a:t>, D. P., </a:t>
+            </a:r>
+            <a:r>
+              <a:rPr lang="en-US" dirty="0" err="1">
+                <a:hlinkClick r:id="rId2"/>
+              </a:rPr>
+              <a:t>Margolus</a:t>
+            </a:r>
+            <a:r>
+              <a:rPr lang="en-US" dirty="0">
+                <a:hlinkClick r:id="rId2"/>
+              </a:rPr>
+              <a:t>, N., Shor, P., ... &amp; </a:t>
+            </a:r>
+            <a:r>
+              <a:rPr lang="en-US" dirty="0" err="1">
+                <a:hlinkClick r:id="rId2"/>
+              </a:rPr>
+              <a:t>Weinfurter</a:t>
+            </a:r>
+            <a:r>
+              <a:rPr lang="en-US" dirty="0">
+                <a:hlinkClick r:id="rId2"/>
+              </a:rPr>
+              <a:t>, H. (1995). Elementary gates for quantum computation. Physical Review A, 52(5), 3457</a:t>
+            </a:r>
+            <a:r>
+              <a:rPr lang="en-US" dirty="0"/>
+              <a:t>.</a:t>
+            </a:r>
+          </a:p>
+          <a:p>
+            <a:r>
+              <a:rPr lang="en-US" dirty="0">
+                <a:hlinkClick r:id="rId3"/>
+              </a:rPr>
+              <a:t>Jones, C. (2013). Low-overhead constructions for the fault-tolerant </a:t>
+            </a:r>
+            <a:r>
+              <a:rPr lang="en-US" dirty="0" err="1">
+                <a:hlinkClick r:id="rId3"/>
+              </a:rPr>
+              <a:t>Toﬀoli</a:t>
+            </a:r>
+            <a:r>
+              <a:rPr lang="en-US" dirty="0">
+                <a:hlinkClick r:id="rId3"/>
+              </a:rPr>
+              <a:t> gate. Physical Review A, 87(2), 022328</a:t>
+            </a:r>
+            <a:endParaRPr lang="en-US" dirty="0"/>
           </a:p>
         </p:txBody>
       </p:sp>
     </p:spTree>
     <p:extLst>
       <p:ext uri="{BB962C8B-B14F-4D97-AF65-F5344CB8AC3E}">
-        <p14:creationId xmlns:p14="http://schemas.microsoft.com/office/powerpoint/2010/main" val="2275176502"/>
+        <p14:creationId xmlns:p14="http://schemas.microsoft.com/office/powerpoint/2010/main" val="486017093"/>
       </p:ext>
     </p:extLst>
   </p:cSld>
@@ -19289,7 +20934,7 @@
           <p:cNvPr id="3" name="Title 2">
             <a:extLst>
               <a:ext uri="{FF2B5EF4-FFF2-40B4-BE49-F238E27FC236}">
-                <a16:creationId xmlns:a16="http://schemas.microsoft.com/office/drawing/2014/main" xmlns="" id="{42516048-E8AE-4FBE-81BB-073FC61BEB9B}"/>
+                <a16:creationId xmlns="" xmlns:a16="http://schemas.microsoft.com/office/drawing/2014/main" id="{42516048-E8AE-4FBE-81BB-073FC61BEB9B}"/>
               </a:ext>
             </a:extLst>
           </p:cNvPr>
@@ -19309,21 +20954,7 @@
           <a:p>
             <a:r>
               <a:rPr lang="en-US" dirty="0"/>
-              <a:t>Approaches for quantum arithmetic</a:t>
-            </a:r>
-            <a:br>
-              <a:rPr lang="en-US" dirty="0"/>
-            </a:br>
-            <a:r>
-              <a:rPr lang="en-US" dirty="0"/>
-              <a:t/>
-            </a:r>
-            <a:br>
-              <a:rPr lang="en-US" dirty="0"/>
-            </a:br>
-            <a:r>
-              <a:rPr lang="en-US" dirty="0"/>
-              <a:t/>
+              <a:t>Techniques for preparing quantum states</a:t>
             </a:r>
             <a:br>
               <a:rPr lang="en-US" dirty="0"/>
@@ -19362,7 +20993,7 @@
           <p:cNvPr id="2" name="Content Placeholder 1">
             <a:extLst>
               <a:ext uri="{FF2B5EF4-FFF2-40B4-BE49-F238E27FC236}">
-                <a16:creationId xmlns:a16="http://schemas.microsoft.com/office/drawing/2014/main" xmlns="" id="{E89FD19F-30E3-4B98-9C47-C4FB03F56C78}"/>
+                <a16:creationId xmlns="" xmlns:a16="http://schemas.microsoft.com/office/drawing/2014/main" id="{E89FD19F-30E3-4B98-9C47-C4FB03F56C78}"/>
               </a:ext>
             </a:extLst>
           </p:cNvPr>
@@ -19379,72 +21010,130 @@
           <a:lstStyle/>
           <a:p>
             <a:r>
-              <a:rPr lang="en-US" dirty="0"/>
-              <a:t>Takahashi, Y., &amp; </a:t>
-            </a:r>
-            <a:r>
-              <a:rPr lang="en-US" dirty="0" err="1"/>
-              <a:t>Kunihiro</a:t>
-            </a:r>
-            <a:r>
-              <a:rPr lang="en-US" dirty="0"/>
-              <a:t>, N. (2005). A linear-size quantum circuit for addition with no ancillary qubits. Quantum Information &amp; Computation, 5(6), 440-448.</a:t>
-            </a:r>
-          </a:p>
-          <a:p>
-            <a:r>
-              <a:rPr lang="en-US" dirty="0"/>
-              <a:t>Draper, T. G. (2000). Addition on a quantum computer. </a:t>
-            </a:r>
-            <a:r>
-              <a:rPr lang="en-US" dirty="0" err="1"/>
+              <a:rPr lang="en-US" dirty="0">
+                <a:hlinkClick r:id="rId2"/>
+              </a:rPr>
+              <a:t>Shende, V. V., Markov, I. L., &amp; Bullock, S. S. (2004). Minimal universal two-qubit controlled-NOT-based circuits. Physical Review A, 69(6), 062321.</a:t>
+            </a:r>
+            <a:endParaRPr lang="en-US" dirty="0"/>
+          </a:p>
+          <a:p>
+            <a:r>
+              <a:rPr lang="en-US" dirty="0" err="1">
+                <a:hlinkClick r:id="rId3"/>
+              </a:rPr>
+              <a:t>Ozols</a:t>
+            </a:r>
+            <a:r>
+              <a:rPr lang="en-US" dirty="0">
+                <a:hlinkClick r:id="rId3"/>
+              </a:rPr>
+              <a:t>, M., </a:t>
+            </a:r>
+            <a:r>
+              <a:rPr lang="en-US" dirty="0" err="1">
+                <a:hlinkClick r:id="rId3"/>
+              </a:rPr>
+              <a:t>Roetteler</a:t>
+            </a:r>
+            <a:r>
+              <a:rPr lang="en-US" dirty="0">
+                <a:hlinkClick r:id="rId3"/>
+              </a:rPr>
+              <a:t>, M., &amp; Roland, J. (2013). Quantum rejection sampling. ACM Transactions on Computation Theory (TOCT), 5(3), 11.</a:t>
+            </a:r>
+            <a:endParaRPr lang="en-US" dirty="0"/>
+          </a:p>
+          <a:p>
+            <a:r>
+              <a:rPr lang="en-US" dirty="0">
+                <a:hlinkClick r:id="rId4"/>
+              </a:rPr>
+              <a:t>Grover, L., &amp; Rudolph, T. (2002). Creating superpositions that correspond to eﬃciently integrable probability distributions. </a:t>
+            </a:r>
+            <a:r>
+              <a:rPr lang="en-US" dirty="0" err="1">
+                <a:hlinkClick r:id="rId4"/>
+              </a:rPr>
               <a:t>arXiv</a:t>
             </a:r>
             <a:r>
-              <a:rPr lang="en-US" dirty="0"/>
+              <a:rPr lang="en-US" dirty="0">
+                <a:hlinkClick r:id="rId4"/>
+              </a:rPr>
               <a:t> preprint quant-</a:t>
             </a:r>
             <a:r>
-              <a:rPr lang="en-US" dirty="0" err="1"/>
+              <a:rPr lang="en-US" dirty="0" err="1">
+                <a:hlinkClick r:id="rId4"/>
+              </a:rPr>
               <a:t>ph</a:t>
             </a:r>
             <a:r>
-              <a:rPr lang="en-US" dirty="0"/>
-              <a:t>/0008033.</a:t>
-            </a:r>
-          </a:p>
-          <a:p>
-            <a:r>
-              <a:rPr lang="en-US" dirty="0" err="1"/>
-              <a:t>Soeken</a:t>
-            </a:r>
-            <a:r>
-              <a:rPr lang="en-US" dirty="0"/>
-              <a:t>, M., </a:t>
-            </a:r>
-            <a:r>
-              <a:rPr lang="en-US" dirty="0" err="1"/>
-              <a:t>Roetteler</a:t>
-            </a:r>
-            <a:r>
-              <a:rPr lang="en-US" dirty="0"/>
-              <a:t>, M., Wiebe, N., &amp; De </a:t>
-            </a:r>
-            <a:r>
-              <a:rPr lang="en-US" dirty="0" err="1"/>
-              <a:t>Micheli</a:t>
-            </a:r>
-            <a:r>
-              <a:rPr lang="en-US" dirty="0"/>
-              <a:t>, G. (2017, March). Design automation and design space exploration for quantum computers. In 2017 Design, Automation &amp; Test in Europe Conference &amp; Exhibition (DATE) (pp. 470-475). IEEE.</a:t>
-            </a:r>
+              <a:rPr lang="en-US" dirty="0">
+                <a:hlinkClick r:id="rId4"/>
+              </a:rPr>
+              <a:t>/0208112.</a:t>
+            </a:r>
+            <a:endParaRPr lang="en-US" dirty="0"/>
+          </a:p>
+          <a:p>
+            <a:r>
+              <a:rPr lang="en-US" dirty="0" err="1">
+                <a:hlinkClick r:id="rId5"/>
+              </a:rPr>
+              <a:t>Farhi</a:t>
+            </a:r>
+            <a:r>
+              <a:rPr lang="en-US" dirty="0">
+                <a:hlinkClick r:id="rId5"/>
+              </a:rPr>
+              <a:t>, E., Goldstone, J., Gutmann, S., &amp; </a:t>
+            </a:r>
+            <a:r>
+              <a:rPr lang="en-US" dirty="0" err="1">
+                <a:hlinkClick r:id="rId5"/>
+              </a:rPr>
+              <a:t>Sipser</a:t>
+            </a:r>
+            <a:r>
+              <a:rPr lang="en-US" dirty="0">
+                <a:hlinkClick r:id="rId5"/>
+              </a:rPr>
+              <a:t>, M. (2000). Quantum computation by adiabatic evolution. </a:t>
+            </a:r>
+            <a:r>
+              <a:rPr lang="en-US" dirty="0" err="1">
+                <a:hlinkClick r:id="rId5"/>
+              </a:rPr>
+              <a:t>arXiv</a:t>
+            </a:r>
+            <a:r>
+              <a:rPr lang="en-US" dirty="0">
+                <a:hlinkClick r:id="rId5"/>
+              </a:rPr>
+              <a:t> preprint quant-</a:t>
+            </a:r>
+            <a:r>
+              <a:rPr lang="en-US" dirty="0" err="1">
+                <a:hlinkClick r:id="rId5"/>
+              </a:rPr>
+              <a:t>ph</a:t>
+            </a:r>
+            <a:r>
+              <a:rPr lang="en-US" dirty="0">
+                <a:hlinkClick r:id="rId5"/>
+              </a:rPr>
+              <a:t>/0001106.</a:t>
+            </a:r>
+            <a:endParaRPr lang="en-US" dirty="0"/>
           </a:p>
         </p:txBody>
       </p:sp>
     </p:spTree>
     <p:extLst>
       <p:ext uri="{BB962C8B-B14F-4D97-AF65-F5344CB8AC3E}">
-        <p14:creationId xmlns:p14="http://schemas.microsoft.com/office/powerpoint/2010/main" val="3990928916"/>
+        <p14:creationId xmlns:p14="http://schemas.microsoft.com/office/powerpoint/2010/main" val="2027937336"/>
       </p:ext>
     </p:extLst>
   </p:cSld>
@@ -19488,7 +21177,7 @@
           <p:cNvPr id="3" name="Title 2">
             <a:extLst>
               <a:ext uri="{FF2B5EF4-FFF2-40B4-BE49-F238E27FC236}">
-                <a16:creationId xmlns:a16="http://schemas.microsoft.com/office/drawing/2014/main" xmlns="" id="{42516048-E8AE-4FBE-81BB-073FC61BEB9B}"/>
+                <a16:creationId xmlns="" xmlns:a16="http://schemas.microsoft.com/office/drawing/2014/main" id="{42516048-E8AE-4FBE-81BB-073FC61BEB9B}"/>
               </a:ext>
             </a:extLst>
           </p:cNvPr>
@@ -19499,12 +21188,7 @@
             <p:ph type="title"/>
           </p:nvPr>
         </p:nvSpPr>
-        <p:spPr>
-          <a:xfrm>
-            <a:off x="677334" y="609600"/>
-            <a:ext cx="9200444" cy="1320800"/>
-          </a:xfrm>
-        </p:spPr>
+        <p:spPr/>
         <p:txBody>
           <a:bodyPr>
             <a:normAutofit fontScale="90000"/>
@@ -19513,21 +21197,7 @@
           <a:p>
             <a:r>
               <a:rPr lang="en-US" dirty="0"/>
-              <a:t>Methods for fast quantum sampling (amplitude amplification) and probability estimation</a:t>
-            </a:r>
-            <a:br>
-              <a:rPr lang="en-US" dirty="0"/>
-            </a:br>
-            <a:r>
-              <a:rPr lang="en-US" dirty="0"/>
-              <a:t/>
-            </a:r>
-            <a:br>
-              <a:rPr lang="en-US" dirty="0"/>
-            </a:br>
-            <a:r>
-              <a:rPr lang="en-US" dirty="0"/>
-              <a:t/>
+              <a:t>Approaches for synthesizing circuits out of H, T and CNOT gates</a:t>
             </a:r>
             <a:br>
               <a:rPr lang="en-US" dirty="0"/>
@@ -19573,7 +21243,7 @@
           <p:cNvPr id="2" name="Content Placeholder 1">
             <a:extLst>
               <a:ext uri="{FF2B5EF4-FFF2-40B4-BE49-F238E27FC236}">
-                <a16:creationId xmlns:a16="http://schemas.microsoft.com/office/drawing/2014/main" xmlns="" id="{E89FD19F-30E3-4B98-9C47-C4FB03F56C78}"/>
+                <a16:creationId xmlns="" xmlns:a16="http://schemas.microsoft.com/office/drawing/2014/main" id="{E89FD19F-30E3-4B98-9C47-C4FB03F56C78}"/>
               </a:ext>
             </a:extLst>
           </p:cNvPr>
@@ -19590,44 +21260,142 @@
           <a:lstStyle/>
           <a:p>
             <a:r>
-              <a:rPr lang="en-US" dirty="0"/>
-              <a:t>Brassard, G., Hoyer, P., </a:t>
-            </a:r>
-            <a:r>
-              <a:rPr lang="en-US" dirty="0" err="1"/>
+              <a:rPr lang="en-US" dirty="0" err="1">
+                <a:hlinkClick r:id="rId2"/>
+              </a:rPr>
+              <a:t>Kliuchnikov</a:t>
+            </a:r>
+            <a:r>
+              <a:rPr lang="en-US" dirty="0">
+                <a:hlinkClick r:id="rId2"/>
+              </a:rPr>
+              <a:t>, V., </a:t>
+            </a:r>
+            <a:r>
+              <a:rPr lang="en-US" dirty="0" err="1">
+                <a:hlinkClick r:id="rId2"/>
+              </a:rPr>
+              <a:t>Maslov</a:t>
+            </a:r>
+            <a:r>
+              <a:rPr lang="en-US" dirty="0">
+                <a:hlinkClick r:id="rId2"/>
+              </a:rPr>
+              <a:t>, D., &amp; </a:t>
+            </a:r>
+            <a:r>
+              <a:rPr lang="en-US" dirty="0" err="1">
+                <a:hlinkClick r:id="rId2"/>
+              </a:rPr>
               <a:t>Mosca</a:t>
             </a:r>
             <a:r>
-              <a:rPr lang="en-US" dirty="0"/>
-              <a:t>, M., &amp; </a:t>
-            </a:r>
-            <a:r>
-              <a:rPr lang="en-US" dirty="0" err="1"/>
-              <a:t>Tapp</a:t>
-            </a:r>
-            <a:r>
-              <a:rPr lang="en-US" dirty="0"/>
-              <a:t>, A. (2002). Quantum amplitude ampliﬁcation and estimation. Contemporary Mathematics, 305, 53-74.</a:t>
-            </a:r>
-          </a:p>
-          <a:p>
-            <a:r>
-              <a:rPr lang="en-US" dirty="0"/>
-              <a:t>Grover, L. K. (2005). Fixed-point quantum search. Physical Review Letters, 95(15), 150501.</a:t>
-            </a:r>
-          </a:p>
-          <a:p>
-            <a:r>
-              <a:rPr lang="en-US" dirty="0"/>
-              <a:t>Berry, D. W., Childs, A. M., &amp; Kothari, R. (2015, October). Hamiltonian simulation with nearly optimal dependence on all parameters. In Foundations of Computer Science (FOCS), 2015 IEEE 56th Annual Symposium on (pp. 792-809). IEEE.</a:t>
-            </a:r>
+              <a:rPr lang="en-US" dirty="0">
+                <a:hlinkClick r:id="rId2"/>
+              </a:rPr>
+              <a:t>, M. (2013). Asymptotically optimal approximation of single qubit </a:t>
+            </a:r>
+            <a:r>
+              <a:rPr lang="en-US" dirty="0" err="1">
+                <a:hlinkClick r:id="rId2"/>
+              </a:rPr>
+              <a:t>unitaries</a:t>
+            </a:r>
+            <a:r>
+              <a:rPr lang="en-US" dirty="0">
+                <a:hlinkClick r:id="rId2"/>
+              </a:rPr>
+              <a:t> by Cliﬀord and T circuits using a constant number of ancillary qubits. Physical Review Letters, 110(19), 190502.</a:t>
+            </a:r>
+            <a:endParaRPr lang="en-US" dirty="0"/>
+          </a:p>
+          <a:p>
+            <a:r>
+              <a:rPr lang="en-US" dirty="0">
+                <a:hlinkClick r:id="rId3"/>
+              </a:rPr>
+              <a:t>Ross, N. J., &amp; Selinger, P. (2014). Optimal ancilla-free Cliﬀord+ T approximation of z-rotations. </a:t>
+            </a:r>
+            <a:r>
+              <a:rPr lang="en-US" dirty="0" err="1">
+                <a:hlinkClick r:id="rId3"/>
+              </a:rPr>
+              <a:t>arXiv</a:t>
+            </a:r>
+            <a:r>
+              <a:rPr lang="en-US" dirty="0">
+                <a:hlinkClick r:id="rId3"/>
+              </a:rPr>
+              <a:t> preprint arXiv:1403.2975.</a:t>
+            </a:r>
+            <a:endParaRPr lang="en-US" dirty="0"/>
+          </a:p>
+          <a:p>
+            <a:r>
+              <a:rPr lang="en-US" dirty="0" err="1">
+                <a:hlinkClick r:id="rId4"/>
+              </a:rPr>
+              <a:t>Kliuchnikov</a:t>
+            </a:r>
+            <a:r>
+              <a:rPr lang="en-US" dirty="0">
+                <a:hlinkClick r:id="rId4"/>
+              </a:rPr>
+              <a:t>, V. (2013). Synthesis of </a:t>
+            </a:r>
+            <a:r>
+              <a:rPr lang="en-US" dirty="0" err="1">
+                <a:hlinkClick r:id="rId4"/>
+              </a:rPr>
+              <a:t>unitaries</a:t>
+            </a:r>
+            <a:r>
+              <a:rPr lang="en-US" dirty="0">
+                <a:hlinkClick r:id="rId4"/>
+              </a:rPr>
+              <a:t> with Cliﬀord+ T circuits. </a:t>
+            </a:r>
+            <a:r>
+              <a:rPr lang="en-US" dirty="0" err="1">
+                <a:hlinkClick r:id="rId4"/>
+              </a:rPr>
+              <a:t>arXiv</a:t>
+            </a:r>
+            <a:r>
+              <a:rPr lang="en-US" dirty="0">
+                <a:hlinkClick r:id="rId4"/>
+              </a:rPr>
+              <a:t> preprint arXiv:1306.3200.</a:t>
+            </a:r>
+            <a:endParaRPr lang="en-US" dirty="0"/>
+          </a:p>
+          <a:p>
+            <a:r>
+              <a:rPr lang="en-US" dirty="0">
+                <a:hlinkClick r:id="rId5"/>
+              </a:rPr>
+              <a:t>Jones, N. C., Whitﬁeld, J. D., McMahon, P. L., Yung, M. H., Van Meter, R., </a:t>
+            </a:r>
+            <a:r>
+              <a:rPr lang="en-US" dirty="0" err="1">
+                <a:hlinkClick r:id="rId5"/>
+              </a:rPr>
+              <a:t>Aspuru-Guzik</a:t>
+            </a:r>
+            <a:r>
+              <a:rPr lang="en-US" dirty="0">
+                <a:hlinkClick r:id="rId5"/>
+              </a:rPr>
+              <a:t>, A., &amp; Yamamoto, Y. (2012). Faster quantum chemistry simulation on fault-tolerant quantum computers. New Journal of Physics, 14(11), 115023.</a:t>
+            </a:r>
+            <a:endParaRPr lang="en-US" dirty="0"/>
           </a:p>
         </p:txBody>
       </p:sp>
     </p:spTree>
     <p:extLst>
       <p:ext uri="{BB962C8B-B14F-4D97-AF65-F5344CB8AC3E}">
-        <p14:creationId xmlns:p14="http://schemas.microsoft.com/office/powerpoint/2010/main" val="2333335596"/>
+        <p14:creationId xmlns:p14="http://schemas.microsoft.com/office/powerpoint/2010/main" val="2275176502"/>
       </p:ext>
     </p:extLst>
   </p:cSld>
@@ -19671,7 +21439,7 @@
           <p:cNvPr id="3" name="Title 2">
             <a:extLst>
               <a:ext uri="{FF2B5EF4-FFF2-40B4-BE49-F238E27FC236}">
-                <a16:creationId xmlns:a16="http://schemas.microsoft.com/office/drawing/2014/main" xmlns="" id="{42516048-E8AE-4FBE-81BB-073FC61BEB9B}"/>
+                <a16:creationId xmlns="" xmlns:a16="http://schemas.microsoft.com/office/drawing/2014/main" id="{42516048-E8AE-4FBE-81BB-073FC61BEB9B}"/>
               </a:ext>
             </a:extLst>
           </p:cNvPr>
@@ -19682,12 +21450,7 @@
             <p:ph type="title"/>
           </p:nvPr>
         </p:nvSpPr>
-        <p:spPr>
-          <a:xfrm>
-            <a:off x="677334" y="609600"/>
-            <a:ext cx="9200444" cy="1320800"/>
-          </a:xfrm>
-        </p:spPr>
+        <p:spPr/>
         <p:txBody>
           <a:bodyPr>
             <a:normAutofit fontScale="90000"/>
@@ -19696,21 +21459,7 @@
           <a:p>
             <a:r>
               <a:rPr lang="en-US" dirty="0"/>
-              <a:t>Algorithms for quantum simulation</a:t>
-            </a:r>
-            <a:br>
-              <a:rPr lang="en-US" dirty="0"/>
-            </a:br>
-            <a:r>
-              <a:rPr lang="en-US" dirty="0"/>
-              <a:t/>
-            </a:r>
-            <a:br>
-              <a:rPr lang="en-US" dirty="0"/>
-            </a:br>
-            <a:r>
-              <a:rPr lang="en-US" dirty="0"/>
-              <a:t/>
+              <a:t>Approaches for quantum arithmetic</a:t>
             </a:r>
             <a:br>
               <a:rPr lang="en-US" dirty="0"/>
@@ -19763,7 +21512,7 @@
           <p:cNvPr id="2" name="Content Placeholder 1">
             <a:extLst>
               <a:ext uri="{FF2B5EF4-FFF2-40B4-BE49-F238E27FC236}">
-                <a16:creationId xmlns:a16="http://schemas.microsoft.com/office/drawing/2014/main" xmlns="" id="{E89FD19F-30E3-4B98-9C47-C4FB03F56C78}"/>
+                <a16:creationId xmlns="" xmlns:a16="http://schemas.microsoft.com/office/drawing/2014/main" id="{E89FD19F-30E3-4B98-9C47-C4FB03F56C78}"/>
               </a:ext>
             </a:extLst>
           </p:cNvPr>
@@ -19776,192 +21525,107 @@
         </p:nvSpPr>
         <p:spPr/>
         <p:txBody>
-          <a:bodyPr>
-            <a:normAutofit fontScale="85000" lnSpcReduction="20000"/>
-          </a:bodyPr>
+          <a:bodyPr/>
           <a:lstStyle/>
           <a:p>
-            <a:r>
-              <a:rPr lang="en-US" dirty="0"/>
-              <a:t>Lloyd, S. (1996). Universal Quantum Simulators. </a:t>
-            </a:r>
             <a:r>
               <a:rPr lang="en-US" dirty="0">
                 <a:hlinkClick r:id="rId2"/>
               </a:rPr>
-              <a:t>Science (New York, NY), 273(5278), 1073</a:t>
-            </a:r>
-            <a:r>
-              <a:rPr lang="en-US" dirty="0"/>
-              <a:t>.</a:t>
-            </a:r>
-          </a:p>
-          <a:p>
-            <a:r>
-              <a:rPr lang="en-US" dirty="0"/>
-              <a:t>Berry, D. W., Childs, A. M., Cleve, R., Kothari, R., &amp; </a:t>
-            </a:r>
-            <a:r>
-              <a:rPr lang="en-US" dirty="0" err="1"/>
-              <a:t>Somma</a:t>
-            </a:r>
-            <a:r>
-              <a:rPr lang="en-US" dirty="0"/>
-              <a:t>, R. D. (2015). Simulating Hamiltonian dynamics with a truncated Taylor series. </a:t>
-            </a:r>
+              <a:t>Takahashi, Y., &amp; </a:t>
+            </a:r>
+            <a:r>
+              <a:rPr lang="en-US" dirty="0" err="1">
+                <a:hlinkClick r:id="rId2"/>
+              </a:rPr>
+              <a:t>Kunihiro</a:t>
+            </a:r>
+            <a:r>
+              <a:rPr lang="en-US" dirty="0">
+                <a:hlinkClick r:id="rId2"/>
+              </a:rPr>
+              <a:t>, N. (2005). A linear-size quantum circuit for addition with no ancillary qubits. Quantum Information &amp; Computation, 5(6), 440-448.</a:t>
+            </a:r>
+            <a:endParaRPr lang="en-US" dirty="0"/>
+          </a:p>
+          <a:p>
             <a:r>
               <a:rPr lang="en-US" dirty="0">
                 <a:hlinkClick r:id="rId3"/>
               </a:rPr>
-              <a:t>Physical Review Letters, 114(9), 090502</a:t>
-            </a:r>
-            <a:r>
-              <a:rPr lang="en-US" dirty="0"/>
-              <a:t>.</a:t>
-            </a:r>
-          </a:p>
-          <a:p>
-            <a:r>
-              <a:rPr lang="en-US" dirty="0"/>
-              <a:t>Low, G. H., &amp; Chuang, I. L. (2017). </a:t>
+              <a:t>Draper, T. G. (2000). Addition on a quantum computer. </a:t>
+            </a:r>
+            <a:r>
+              <a:rPr lang="en-US" dirty="0" err="1">
+                <a:hlinkClick r:id="rId3"/>
+              </a:rPr>
+              <a:t>arXiv</a:t>
+            </a:r>
+            <a:r>
+              <a:rPr lang="en-US" dirty="0">
+                <a:hlinkClick r:id="rId3"/>
+              </a:rPr>
+              <a:t> preprint quant-</a:t>
+            </a:r>
+            <a:r>
+              <a:rPr lang="en-US" dirty="0" err="1">
+                <a:hlinkClick r:id="rId3"/>
+              </a:rPr>
+              <a:t>ph</a:t>
+            </a:r>
+            <a:r>
+              <a:rPr lang="en-US" dirty="0">
+                <a:hlinkClick r:id="rId3"/>
+              </a:rPr>
+              <a:t>/0008033.</a:t>
+            </a:r>
+            <a:endParaRPr lang="en-US" dirty="0"/>
+          </a:p>
+          <a:p>
+            <a:r>
+              <a:rPr lang="en-US" dirty="0" err="1">
+                <a:hlinkClick r:id="rId4"/>
+              </a:rPr>
+              <a:t>Soeken</a:t>
             </a:r>
             <a:r>
               <a:rPr lang="en-US" dirty="0">
                 <a:hlinkClick r:id="rId4"/>
               </a:rPr>
-              <a:t>Optimal Hamiltonian simulation by quantum signal processing</a:t>
-            </a:r>
-            <a:r>
-              <a:rPr lang="en-US" dirty="0"/>
-              <a:t>. </a:t>
+              <a:t>, M., </a:t>
+            </a:r>
+            <a:r>
+              <a:rPr lang="en-US" dirty="0" err="1">
+                <a:hlinkClick r:id="rId4"/>
+              </a:rPr>
+              <a:t>Roetteler</a:t>
             </a:r>
             <a:r>
               <a:rPr lang="en-US" dirty="0">
-                <a:hlinkClick r:id="rId5"/>
-              </a:rPr>
-              <a:t>Physical Review Letters, 118(1), 010501</a:t>
-            </a:r>
-            <a:r>
-              <a:rPr lang="en-US" dirty="0"/>
-              <a:t>.</a:t>
-            </a:r>
-          </a:p>
-          <a:p>
-            <a:r>
-              <a:rPr lang="en-US" dirty="0"/>
-              <a:t>Low, G. H., &amp; Chuang, I. L. (2016). Hamiltonian simulation by </a:t>
-            </a:r>
-            <a:r>
-              <a:rPr lang="en-US" dirty="0" err="1"/>
-              <a:t>qubitization</a:t>
-            </a:r>
-            <a:r>
-              <a:rPr lang="en-US" dirty="0"/>
-              <a:t>. </a:t>
+                <a:hlinkClick r:id="rId4"/>
+              </a:rPr>
+              <a:t>, M., Wiebe, N., &amp; De </a:t>
             </a:r>
             <a:r>
               <a:rPr lang="en-US" dirty="0" err="1">
-                <a:hlinkClick r:id="rId6"/>
-              </a:rPr>
-              <a:t>arXiv</a:t>
+                <a:hlinkClick r:id="rId4"/>
+              </a:rPr>
+              <a:t>Micheli</a:t>
             </a:r>
             <a:r>
               <a:rPr lang="en-US" dirty="0">
-                <a:hlinkClick r:id="rId6"/>
-              </a:rPr>
-              <a:t> preprint:1610.06546</a:t>
-            </a:r>
-            <a:r>
-              <a:rPr lang="en-US" dirty="0"/>
-              <a:t>.</a:t>
-            </a:r>
-          </a:p>
-          <a:p>
-            <a:r>
-              <a:rPr lang="en-US" dirty="0" err="1"/>
-              <a:t>Reiher</a:t>
-            </a:r>
-            <a:r>
-              <a:rPr lang="en-US" dirty="0"/>
-              <a:t>, M., Wiebe, N., </a:t>
-            </a:r>
-            <a:r>
-              <a:rPr lang="en-US" dirty="0" err="1"/>
-              <a:t>Svore</a:t>
-            </a:r>
-            <a:r>
-              <a:rPr lang="en-US" dirty="0"/>
-              <a:t>, K. M., </a:t>
-            </a:r>
-            <a:r>
-              <a:rPr lang="en-US" dirty="0" err="1"/>
-              <a:t>Wecker</a:t>
-            </a:r>
-            <a:r>
-              <a:rPr lang="en-US" dirty="0"/>
-              <a:t>, D., &amp; Troyer, M. (2017). Elucidating reaction mechanisms on quantum computers. </a:t>
-            </a:r>
-            <a:r>
-              <a:rPr lang="en-US" dirty="0">
-                <a:hlinkClick r:id="rId7"/>
-              </a:rPr>
-              <a:t>Proceedings of the National Academy of Sciences, 201619152</a:t>
-            </a:r>
-            <a:r>
-              <a:rPr lang="en-US" dirty="0"/>
-              <a:t>.</a:t>
-            </a:r>
-          </a:p>
-          <a:p>
-            <a:r>
-              <a:rPr lang="en-US" dirty="0"/>
-              <a:t>Wiebe, N., Berry, D. W., </a:t>
-            </a:r>
-            <a:r>
-              <a:rPr lang="en-US" dirty="0" err="1"/>
-              <a:t>Høyer</a:t>
-            </a:r>
-            <a:r>
-              <a:rPr lang="en-US" dirty="0"/>
-              <a:t>, P., &amp; Sanders, B. C. (2011). Simulating quantum dynamics on a quantum computer. </a:t>
-            </a:r>
-            <a:r>
-              <a:rPr lang="en-US" dirty="0">
-                <a:hlinkClick r:id="rId8"/>
-              </a:rPr>
-              <a:t>Journal of Physics A: Mathematical and Theoretical, 44(44), 445308</a:t>
-            </a:r>
-            <a:r>
-              <a:rPr lang="en-US" dirty="0"/>
-              <a:t>.</a:t>
-            </a:r>
-          </a:p>
-          <a:p>
-            <a:r>
-              <a:rPr lang="en-US" dirty="0" err="1"/>
-              <a:t>Peruzzo</a:t>
-            </a:r>
-            <a:r>
-              <a:rPr lang="en-US" dirty="0"/>
-              <a:t>, A., McClean, J., Shadbolt, P., Yung, M. H., Zhou, X. Q., Love, P. J., ... &amp; Obrien, J. L. (2014). A variational eigenvalue solver on a photonic quantum processor. </a:t>
-            </a:r>
-            <a:r>
-              <a:rPr lang="en-US" dirty="0">
-                <a:hlinkClick r:id="rId9"/>
-              </a:rPr>
-              <a:t>Nature communications, 5</a:t>
-            </a:r>
-            <a:r>
-              <a:rPr lang="en-US" dirty="0"/>
-              <a:t>.</a:t>
-            </a:r>
+                <a:hlinkClick r:id="rId4"/>
+              </a:rPr>
+              <a:t>, G. (2017, March). Design automation and design space exploration for quantum computers. In 2017 Design, Automation &amp; Test in Europe Conference &amp; Exhibition (DATE) (pp. 470-475). IEEE.</a:t>
+            </a:r>
+            <a:endParaRPr lang="en-US" dirty="0"/>
           </a:p>
         </p:txBody>
       </p:sp>
     </p:spTree>
     <p:extLst>
       <p:ext uri="{BB962C8B-B14F-4D97-AF65-F5344CB8AC3E}">
-        <p14:creationId xmlns:p14="http://schemas.microsoft.com/office/powerpoint/2010/main" val="3558267317"/>
+        <p14:creationId xmlns:p14="http://schemas.microsoft.com/office/powerpoint/2010/main" val="3990928916"/>
       </p:ext>
     </p:extLst>
   </p:cSld>
@@ -20005,7 +21669,7 @@
           <p:cNvPr id="3" name="Title 2">
             <a:extLst>
               <a:ext uri="{FF2B5EF4-FFF2-40B4-BE49-F238E27FC236}">
-                <a16:creationId xmlns:a16="http://schemas.microsoft.com/office/drawing/2014/main" xmlns="" id="{42516048-E8AE-4FBE-81BB-073FC61BEB9B}"/>
+                <a16:creationId xmlns="" xmlns:a16="http://schemas.microsoft.com/office/drawing/2014/main" id="{42516048-E8AE-4FBE-81BB-073FC61BEB9B}"/>
               </a:ext>
             </a:extLst>
           </p:cNvPr>
@@ -20030,21 +21694,7 @@
           <a:p>
             <a:r>
               <a:rPr lang="en-US" dirty="0"/>
-              <a:t>Procedures for quantum optimization</a:t>
-            </a:r>
-            <a:br>
-              <a:rPr lang="en-US" dirty="0"/>
-            </a:br>
-            <a:r>
-              <a:rPr lang="en-US" dirty="0"/>
-              <a:t/>
-            </a:r>
-            <a:br>
-              <a:rPr lang="en-US" dirty="0"/>
-            </a:br>
-            <a:r>
-              <a:rPr lang="en-US" dirty="0"/>
-              <a:t/>
+              <a:t>Methods for fast quantum sampling (amplitude amplification) and probability estimation</a:t>
             </a:r>
             <a:br>
               <a:rPr lang="en-US" dirty="0"/>
@@ -20104,7 +21754,555 @@
           <p:cNvPr id="2" name="Content Placeholder 1">
             <a:extLst>
               <a:ext uri="{FF2B5EF4-FFF2-40B4-BE49-F238E27FC236}">
-                <a16:creationId xmlns:a16="http://schemas.microsoft.com/office/drawing/2014/main" xmlns="" id="{E89FD19F-30E3-4B98-9C47-C4FB03F56C78}"/>
+                <a16:creationId xmlns="" xmlns:a16="http://schemas.microsoft.com/office/drawing/2014/main" id="{E89FD19F-30E3-4B98-9C47-C4FB03F56C78}"/>
+              </a:ext>
+            </a:extLst>
+          </p:cNvPr>
+          <p:cNvSpPr>
+            <a:spLocks noGrp="1"/>
+          </p:cNvSpPr>
+          <p:nvPr>
+            <p:ph idx="1"/>
+          </p:nvPr>
+        </p:nvSpPr>
+        <p:spPr/>
+        <p:txBody>
+          <a:bodyPr/>
+          <a:lstStyle/>
+          <a:p>
+            <a:r>
+              <a:rPr lang="en-US" dirty="0">
+                <a:hlinkClick r:id="rId2"/>
+              </a:rPr>
+              <a:t>Brassard, G., Hoyer, P., </a:t>
+            </a:r>
+            <a:r>
+              <a:rPr lang="en-US" dirty="0" err="1">
+                <a:hlinkClick r:id="rId2"/>
+              </a:rPr>
+              <a:t>Mosca</a:t>
+            </a:r>
+            <a:r>
+              <a:rPr lang="en-US" dirty="0">
+                <a:hlinkClick r:id="rId2"/>
+              </a:rPr>
+              <a:t>, M., &amp; </a:t>
+            </a:r>
+            <a:r>
+              <a:rPr lang="en-US" dirty="0" err="1">
+                <a:hlinkClick r:id="rId2"/>
+              </a:rPr>
+              <a:t>Tapp</a:t>
+            </a:r>
+            <a:r>
+              <a:rPr lang="en-US" dirty="0">
+                <a:hlinkClick r:id="rId2"/>
+              </a:rPr>
+              <a:t>, A. (2002). Quantum amplitude ampliﬁcation and estimation. Contemporary Mathematics, 305, 53-74.</a:t>
+            </a:r>
+            <a:endParaRPr lang="en-US" dirty="0"/>
+          </a:p>
+          <a:p>
+            <a:r>
+              <a:rPr lang="en-US" dirty="0">
+                <a:hlinkClick r:id="rId3"/>
+              </a:rPr>
+              <a:t>Grover, L. K. (2005). Fixed-point quantum search. Physical Review Letters, 95(15), 150501.</a:t>
+            </a:r>
+            <a:endParaRPr lang="en-US" dirty="0"/>
+          </a:p>
+          <a:p>
+            <a:r>
+              <a:rPr lang="en-US" dirty="0">
+                <a:hlinkClick r:id="rId4"/>
+              </a:rPr>
+              <a:t>Berry, D. W., Childs, A. M., &amp; Kothari, R. (2015, October). Hamiltonian simulation with nearly optimal dependence on all parameters. In Foundations of Computer Science (FOCS), 2015 IEEE 56th Annual Symposium on (pp. 792-809). IEEE.</a:t>
+            </a:r>
+            <a:endParaRPr lang="en-US" dirty="0"/>
+          </a:p>
+        </p:txBody>
+      </p:sp>
+    </p:spTree>
+    <p:extLst>
+      <p:ext uri="{BB962C8B-B14F-4D97-AF65-F5344CB8AC3E}">
+        <p14:creationId xmlns:p14="http://schemas.microsoft.com/office/powerpoint/2010/main" val="2333335596"/>
+      </p:ext>
+    </p:extLst>
+  </p:cSld>
+  <p:clrMapOvr>
+    <a:masterClrMapping/>
+  </p:clrMapOvr>
+  <mc:AlternateContent xmlns:mc="http://schemas.openxmlformats.org/markup-compatibility/2006" xmlns:p14="http://schemas.microsoft.com/office/powerpoint/2010/main">
+    <mc:Choice Requires="p14">
+      <p:transition spd="med" p14:dur="700">
+        <p:fade/>
+      </p:transition>
+    </mc:Choice>
+    <mc:Fallback xmlns="">
+      <p:transition spd="med">
+        <p:fade/>
+      </p:transition>
+    </mc:Fallback>
+  </mc:AlternateContent>
+</p:sld>
+</file>
+
+<file path=ppt/slides/slide58.xml><?xml version="1.0" encoding="utf-8"?>
+<p:sld xmlns:a="http://schemas.openxmlformats.org/drawingml/2006/main" xmlns:r="http://schemas.openxmlformats.org/officeDocument/2006/relationships" xmlns:p="http://schemas.openxmlformats.org/presentationml/2006/main">
+  <p:cSld>
+    <p:spTree>
+      <p:nvGrpSpPr>
+        <p:cNvPr id="1" name=""/>
+        <p:cNvGrpSpPr/>
+        <p:nvPr/>
+      </p:nvGrpSpPr>
+      <p:grpSpPr>
+        <a:xfrm>
+          <a:off x="0" y="0"/>
+          <a:ext cx="0" cy="0"/>
+          <a:chOff x="0" y="0"/>
+          <a:chExt cx="0" cy="0"/>
+        </a:xfrm>
+      </p:grpSpPr>
+      <p:sp>
+        <p:nvSpPr>
+          <p:cNvPr id="3" name="Title 2">
+            <a:extLst>
+              <a:ext uri="{FF2B5EF4-FFF2-40B4-BE49-F238E27FC236}">
+                <a16:creationId xmlns="" xmlns:a16="http://schemas.microsoft.com/office/drawing/2014/main" id="{42516048-E8AE-4FBE-81BB-073FC61BEB9B}"/>
+              </a:ext>
+            </a:extLst>
+          </p:cNvPr>
+          <p:cNvSpPr>
+            <a:spLocks noGrp="1"/>
+          </p:cNvSpPr>
+          <p:nvPr>
+            <p:ph type="title"/>
+          </p:nvPr>
+        </p:nvSpPr>
+        <p:spPr>
+          <a:xfrm>
+            <a:off x="677334" y="609600"/>
+            <a:ext cx="9200444" cy="1320800"/>
+          </a:xfrm>
+        </p:spPr>
+        <p:txBody>
+          <a:bodyPr>
+            <a:normAutofit fontScale="90000"/>
+          </a:bodyPr>
+          <a:lstStyle/>
+          <a:p>
+            <a:r>
+              <a:rPr lang="en-US" dirty="0"/>
+              <a:t>Algorithms for quantum simulation</a:t>
+            </a:r>
+            <a:br>
+              <a:rPr lang="en-US" dirty="0"/>
+            </a:br>
+            <a:r>
+              <a:rPr lang="en-US" dirty="0"/>
+              <a:t/>
+            </a:r>
+            <a:br>
+              <a:rPr lang="en-US" dirty="0"/>
+            </a:br>
+            <a:r>
+              <a:rPr lang="en-US" dirty="0"/>
+              <a:t/>
+            </a:r>
+            <a:br>
+              <a:rPr lang="en-US" dirty="0"/>
+            </a:br>
+            <a:r>
+              <a:rPr lang="en-US" dirty="0"/>
+              <a:t/>
+            </a:r>
+            <a:br>
+              <a:rPr lang="en-US" dirty="0"/>
+            </a:br>
+            <a:r>
+              <a:rPr lang="en-US" dirty="0"/>
+              <a:t/>
+            </a:r>
+            <a:br>
+              <a:rPr lang="en-US" dirty="0"/>
+            </a:br>
+            <a:r>
+              <a:rPr lang="en-US" dirty="0"/>
+              <a:t/>
+            </a:r>
+            <a:br>
+              <a:rPr lang="en-US" dirty="0"/>
+            </a:br>
+            <a:r>
+              <a:rPr lang="en-US" dirty="0"/>
+              <a:t/>
+            </a:r>
+            <a:br>
+              <a:rPr lang="en-US" dirty="0"/>
+            </a:br>
+            <a:r>
+              <a:rPr lang="en-US" dirty="0">
+                <a:effectLst/>
+              </a:rPr>
+              <a:t/>
+            </a:r>
+            <a:br>
+              <a:rPr lang="en-US" dirty="0">
+                <a:effectLst/>
+              </a:rPr>
+            </a:br>
+            <a:endParaRPr lang="en-US" dirty="0"/>
+          </a:p>
+        </p:txBody>
+      </p:sp>
+      <p:sp>
+        <p:nvSpPr>
+          <p:cNvPr id="2" name="Content Placeholder 1">
+            <a:extLst>
+              <a:ext uri="{FF2B5EF4-FFF2-40B4-BE49-F238E27FC236}">
+                <a16:creationId xmlns="" xmlns:a16="http://schemas.microsoft.com/office/drawing/2014/main" id="{E89FD19F-30E3-4B98-9C47-C4FB03F56C78}"/>
+              </a:ext>
+            </a:extLst>
+          </p:cNvPr>
+          <p:cNvSpPr>
+            <a:spLocks noGrp="1"/>
+          </p:cNvSpPr>
+          <p:nvPr>
+            <p:ph idx="1"/>
+          </p:nvPr>
+        </p:nvSpPr>
+        <p:spPr/>
+        <p:txBody>
+          <a:bodyPr>
+            <a:normAutofit fontScale="85000" lnSpcReduction="20000"/>
+          </a:bodyPr>
+          <a:lstStyle/>
+          <a:p>
+            <a:r>
+              <a:rPr lang="en-US" dirty="0"/>
+              <a:t>Lloyd, S. (1996). Universal Quantum Simulators. </a:t>
+            </a:r>
+            <a:r>
+              <a:rPr lang="en-US" dirty="0">
+                <a:hlinkClick r:id="rId2"/>
+              </a:rPr>
+              <a:t>Science (New York, NY), 273(5278), 1073</a:t>
+            </a:r>
+            <a:r>
+              <a:rPr lang="en-US" dirty="0"/>
+              <a:t>.</a:t>
+            </a:r>
+          </a:p>
+          <a:p>
+            <a:r>
+              <a:rPr lang="en-US" dirty="0"/>
+              <a:t>Berry, D. W., Childs, A. M., Cleve, R., Kothari, R., &amp; </a:t>
+            </a:r>
+            <a:r>
+              <a:rPr lang="en-US" dirty="0" err="1"/>
+              <a:t>Somma</a:t>
+            </a:r>
+            <a:r>
+              <a:rPr lang="en-US" dirty="0"/>
+              <a:t>, R. D. (2015). Simulating Hamiltonian dynamics with a truncated Taylor series. </a:t>
+            </a:r>
+            <a:r>
+              <a:rPr lang="en-US" dirty="0">
+                <a:hlinkClick r:id="rId3"/>
+              </a:rPr>
+              <a:t>Physical Review Letters, 114(9), 090502</a:t>
+            </a:r>
+            <a:r>
+              <a:rPr lang="en-US" dirty="0"/>
+              <a:t>.</a:t>
+            </a:r>
+          </a:p>
+          <a:p>
+            <a:r>
+              <a:rPr lang="en-US" dirty="0"/>
+              <a:t>Low, G. H., &amp; Chuang, I. L. (2017). </a:t>
+            </a:r>
+            <a:r>
+              <a:rPr lang="en-US" dirty="0">
+                <a:hlinkClick r:id="rId4"/>
+              </a:rPr>
+              <a:t>Optimal Hamiltonian simulation by quantum signal processing</a:t>
+            </a:r>
+            <a:r>
+              <a:rPr lang="en-US" dirty="0"/>
+              <a:t>. </a:t>
+            </a:r>
+            <a:r>
+              <a:rPr lang="en-US" dirty="0">
+                <a:hlinkClick r:id="rId5"/>
+              </a:rPr>
+              <a:t>Physical Review Letters, 118(1), 010501</a:t>
+            </a:r>
+            <a:r>
+              <a:rPr lang="en-US" dirty="0"/>
+              <a:t>.</a:t>
+            </a:r>
+          </a:p>
+          <a:p>
+            <a:r>
+              <a:rPr lang="en-US" dirty="0"/>
+              <a:t>Low, G. H., &amp; Chuang, I. L. (2016). Hamiltonian simulation by </a:t>
+            </a:r>
+            <a:r>
+              <a:rPr lang="en-US" dirty="0" err="1"/>
+              <a:t>qubitization</a:t>
+            </a:r>
+            <a:r>
+              <a:rPr lang="en-US" dirty="0"/>
+              <a:t>. </a:t>
+            </a:r>
+            <a:r>
+              <a:rPr lang="en-US" dirty="0" err="1">
+                <a:hlinkClick r:id="rId6"/>
+              </a:rPr>
+              <a:t>arXiv</a:t>
+            </a:r>
+            <a:r>
+              <a:rPr lang="en-US" dirty="0">
+                <a:hlinkClick r:id="rId6"/>
+              </a:rPr>
+              <a:t> preprint:1610.06546</a:t>
+            </a:r>
+            <a:r>
+              <a:rPr lang="en-US" dirty="0"/>
+              <a:t>.</a:t>
+            </a:r>
+          </a:p>
+          <a:p>
+            <a:r>
+              <a:rPr lang="en-US" dirty="0" err="1"/>
+              <a:t>Reiher</a:t>
+            </a:r>
+            <a:r>
+              <a:rPr lang="en-US" dirty="0"/>
+              <a:t>, M., Wiebe, N., </a:t>
+            </a:r>
+            <a:r>
+              <a:rPr lang="en-US" dirty="0" err="1"/>
+              <a:t>Svore</a:t>
+            </a:r>
+            <a:r>
+              <a:rPr lang="en-US" dirty="0"/>
+              <a:t>, K. M., </a:t>
+            </a:r>
+            <a:r>
+              <a:rPr lang="en-US" dirty="0" err="1"/>
+              <a:t>Wecker</a:t>
+            </a:r>
+            <a:r>
+              <a:rPr lang="en-US" dirty="0"/>
+              <a:t>, D., &amp; Troyer, M. (2017). Elucidating reaction mechanisms on quantum computers. </a:t>
+            </a:r>
+            <a:r>
+              <a:rPr lang="en-US" dirty="0">
+                <a:hlinkClick r:id="rId7"/>
+              </a:rPr>
+              <a:t>Proceedings of the National Academy of Sciences, 201619152</a:t>
+            </a:r>
+            <a:r>
+              <a:rPr lang="en-US" dirty="0"/>
+              <a:t>.</a:t>
+            </a:r>
+          </a:p>
+          <a:p>
+            <a:r>
+              <a:rPr lang="en-US" dirty="0"/>
+              <a:t>Wiebe, N., Berry, D. W., </a:t>
+            </a:r>
+            <a:r>
+              <a:rPr lang="en-US" dirty="0" err="1"/>
+              <a:t>Høyer</a:t>
+            </a:r>
+            <a:r>
+              <a:rPr lang="en-US" dirty="0"/>
+              <a:t>, P., &amp; Sanders, B. C. (2011). Simulating quantum dynamics on a quantum computer. </a:t>
+            </a:r>
+            <a:r>
+              <a:rPr lang="en-US" dirty="0">
+                <a:hlinkClick r:id="rId8"/>
+              </a:rPr>
+              <a:t>Journal of Physics A: Mathematical and Theoretical, 44(44), 445308</a:t>
+            </a:r>
+            <a:r>
+              <a:rPr lang="en-US" dirty="0"/>
+              <a:t>.</a:t>
+            </a:r>
+          </a:p>
+          <a:p>
+            <a:r>
+              <a:rPr lang="en-US" dirty="0" err="1"/>
+              <a:t>Peruzzo</a:t>
+            </a:r>
+            <a:r>
+              <a:rPr lang="en-US" dirty="0"/>
+              <a:t>, A., McClean, J., Shadbolt, P., Yung, M. H., Zhou, X. Q., Love, P. J., ... &amp; Obrien, J. L. (2014). A variational eigenvalue solver on a photonic quantum processor. </a:t>
+            </a:r>
+            <a:r>
+              <a:rPr lang="en-US" dirty="0">
+                <a:hlinkClick r:id="rId9"/>
+              </a:rPr>
+              <a:t>Nature communications, 5</a:t>
+            </a:r>
+            <a:r>
+              <a:rPr lang="en-US" dirty="0"/>
+              <a:t>.</a:t>
+            </a:r>
+          </a:p>
+        </p:txBody>
+      </p:sp>
+    </p:spTree>
+    <p:extLst>
+      <p:ext uri="{BB962C8B-B14F-4D97-AF65-F5344CB8AC3E}">
+        <p14:creationId xmlns:p14="http://schemas.microsoft.com/office/powerpoint/2010/main" val="3558267317"/>
+      </p:ext>
+    </p:extLst>
+  </p:cSld>
+  <p:clrMapOvr>
+    <a:masterClrMapping/>
+  </p:clrMapOvr>
+  <mc:AlternateContent xmlns:mc="http://schemas.openxmlformats.org/markup-compatibility/2006" xmlns:p14="http://schemas.microsoft.com/office/powerpoint/2010/main">
+    <mc:Choice Requires="p14">
+      <p:transition spd="med" p14:dur="700">
+        <p:fade/>
+      </p:transition>
+    </mc:Choice>
+    <mc:Fallback xmlns="">
+      <p:transition spd="med">
+        <p:fade/>
+      </p:transition>
+    </mc:Fallback>
+  </mc:AlternateContent>
+</p:sld>
+</file>
+
+<file path=ppt/slides/slide59.xml><?xml version="1.0" encoding="utf-8"?>
+<p:sld xmlns:a="http://schemas.openxmlformats.org/drawingml/2006/main" xmlns:r="http://schemas.openxmlformats.org/officeDocument/2006/relationships" xmlns:p="http://schemas.openxmlformats.org/presentationml/2006/main">
+  <p:cSld>
+    <p:spTree>
+      <p:nvGrpSpPr>
+        <p:cNvPr id="1" name=""/>
+        <p:cNvGrpSpPr/>
+        <p:nvPr/>
+      </p:nvGrpSpPr>
+      <p:grpSpPr>
+        <a:xfrm>
+          <a:off x="0" y="0"/>
+          <a:ext cx="0" cy="0"/>
+          <a:chOff x="0" y="0"/>
+          <a:chExt cx="0" cy="0"/>
+        </a:xfrm>
+      </p:grpSpPr>
+      <p:sp>
+        <p:nvSpPr>
+          <p:cNvPr id="3" name="Title 2">
+            <a:extLst>
+              <a:ext uri="{FF2B5EF4-FFF2-40B4-BE49-F238E27FC236}">
+                <a16:creationId xmlns="" xmlns:a16="http://schemas.microsoft.com/office/drawing/2014/main" id="{42516048-E8AE-4FBE-81BB-073FC61BEB9B}"/>
+              </a:ext>
+            </a:extLst>
+          </p:cNvPr>
+          <p:cNvSpPr>
+            <a:spLocks noGrp="1"/>
+          </p:cNvSpPr>
+          <p:nvPr>
+            <p:ph type="title"/>
+          </p:nvPr>
+        </p:nvSpPr>
+        <p:spPr>
+          <a:xfrm>
+            <a:off x="677334" y="609600"/>
+            <a:ext cx="9200444" cy="1320800"/>
+          </a:xfrm>
+        </p:spPr>
+        <p:txBody>
+          <a:bodyPr>
+            <a:normAutofit fontScale="90000"/>
+          </a:bodyPr>
+          <a:lstStyle/>
+          <a:p>
+            <a:r>
+              <a:rPr lang="en-US" dirty="0"/>
+              <a:t>Procedures for quantum optimization</a:t>
+            </a:r>
+            <a:br>
+              <a:rPr lang="en-US" dirty="0"/>
+            </a:br>
+            <a:r>
+              <a:rPr lang="en-US" dirty="0"/>
+              <a:t/>
+            </a:r>
+            <a:br>
+              <a:rPr lang="en-US" dirty="0"/>
+            </a:br>
+            <a:r>
+              <a:rPr lang="en-US" dirty="0"/>
+              <a:t/>
+            </a:r>
+            <a:br>
+              <a:rPr lang="en-US" dirty="0"/>
+            </a:br>
+            <a:r>
+              <a:rPr lang="en-US" dirty="0"/>
+              <a:t/>
+            </a:r>
+            <a:br>
+              <a:rPr lang="en-US" dirty="0"/>
+            </a:br>
+            <a:r>
+              <a:rPr lang="en-US" dirty="0"/>
+              <a:t/>
+            </a:r>
+            <a:br>
+              <a:rPr lang="en-US" dirty="0"/>
+            </a:br>
+            <a:r>
+              <a:rPr lang="en-US" dirty="0"/>
+              <a:t/>
+            </a:r>
+            <a:br>
+              <a:rPr lang="en-US" dirty="0"/>
+            </a:br>
+            <a:r>
+              <a:rPr lang="en-US" dirty="0"/>
+              <a:t/>
+            </a:r>
+            <a:br>
+              <a:rPr lang="en-US" dirty="0"/>
+            </a:br>
+            <a:r>
+              <a:rPr lang="en-US" dirty="0"/>
+              <a:t/>
+            </a:r>
+            <a:br>
+              <a:rPr lang="en-US" dirty="0"/>
+            </a:br>
+            <a:r>
+              <a:rPr lang="en-US" dirty="0">
+                <a:effectLst/>
+              </a:rPr>
+              <a:t/>
+            </a:r>
+            <a:br>
+              <a:rPr lang="en-US" dirty="0">
+                <a:effectLst/>
+              </a:rPr>
+            </a:br>
+            <a:endParaRPr lang="en-US" dirty="0"/>
+          </a:p>
+        </p:txBody>
+      </p:sp>
+      <p:sp>
+        <p:nvSpPr>
+          <p:cNvPr id="2" name="Content Placeholder 1">
+            <a:extLst>
+              <a:ext uri="{FF2B5EF4-FFF2-40B4-BE49-F238E27FC236}">
+                <a16:creationId xmlns="" xmlns:a16="http://schemas.microsoft.com/office/drawing/2014/main" id="{E89FD19F-30E3-4B98-9C47-C4FB03F56C78}"/>
               </a:ext>
             </a:extLst>
           </p:cNvPr>
@@ -20123,73 +22321,108 @@
           <a:lstStyle/>
           <a:p>
             <a:r>
-              <a:rPr lang="en-US" dirty="0" err="1"/>
+              <a:rPr lang="en-US" dirty="0" err="1">
+                <a:hlinkClick r:id="rId2"/>
+              </a:rPr>
               <a:t>Durr</a:t>
             </a:r>
             <a:r>
-              <a:rPr lang="en-US" dirty="0"/>
+              <a:rPr lang="en-US" dirty="0">
+                <a:hlinkClick r:id="rId2"/>
+              </a:rPr>
               <a:t>, C., &amp; </a:t>
             </a:r>
             <a:r>
-              <a:rPr lang="en-US" dirty="0" err="1"/>
+              <a:rPr lang="en-US" dirty="0" err="1">
+                <a:hlinkClick r:id="rId2"/>
+              </a:rPr>
               <a:t>Høyer</a:t>
             </a:r>
             <a:r>
-              <a:rPr lang="en-US" dirty="0"/>
+              <a:rPr lang="en-US" dirty="0">
+                <a:hlinkClick r:id="rId2"/>
+              </a:rPr>
               <a:t>, P. (1996). A quantum algorithm for ﬁnding the minimum. </a:t>
             </a:r>
             <a:r>
-              <a:rPr lang="en-US" dirty="0" err="1"/>
+              <a:rPr lang="en-US" dirty="0" err="1">
+                <a:hlinkClick r:id="rId2"/>
+              </a:rPr>
               <a:t>arXiv</a:t>
             </a:r>
             <a:r>
-              <a:rPr lang="en-US" dirty="0"/>
+              <a:rPr lang="en-US" dirty="0">
+                <a:hlinkClick r:id="rId2"/>
+              </a:rPr>
               <a:t> preprint </a:t>
             </a:r>
             <a:r>
-              <a:rPr lang="en-US" dirty="0" err="1"/>
+              <a:rPr lang="en-US" dirty="0" err="1">
+                <a:hlinkClick r:id="rId2"/>
+              </a:rPr>
               <a:t>quantph</a:t>
             </a:r>
             <a:r>
-              <a:rPr lang="en-US" dirty="0"/>
+              <a:rPr lang="en-US" dirty="0">
+                <a:hlinkClick r:id="rId2"/>
+              </a:rPr>
               <a:t>/9607014.</a:t>
             </a:r>
-          </a:p>
-          <a:p>
-            <a:r>
-              <a:rPr lang="en-US" dirty="0" err="1"/>
+            <a:endParaRPr lang="en-US" dirty="0"/>
+          </a:p>
+          <a:p>
+            <a:r>
+              <a:rPr lang="en-US" dirty="0" err="1">
+                <a:hlinkClick r:id="rId3"/>
+              </a:rPr>
               <a:t>Farhi</a:t>
             </a:r>
             <a:r>
-              <a:rPr lang="en-US" dirty="0"/>
+              <a:rPr lang="en-US" dirty="0">
+                <a:hlinkClick r:id="rId3"/>
+              </a:rPr>
               <a:t>, E., Goldstone, J., &amp; Gutmann, S. (2014). A quantum approximate optimization algorithm. </a:t>
             </a:r>
             <a:r>
-              <a:rPr lang="en-US" dirty="0" err="1"/>
+              <a:rPr lang="en-US" dirty="0" err="1">
+                <a:hlinkClick r:id="rId3"/>
+              </a:rPr>
               <a:t>arXiv</a:t>
             </a:r>
             <a:r>
-              <a:rPr lang="en-US" dirty="0"/>
+              <a:rPr lang="en-US" dirty="0">
+                <a:hlinkClick r:id="rId3"/>
+              </a:rPr>
               <a:t> preprint arXiv:1411.4028.</a:t>
             </a:r>
-          </a:p>
-          <a:p>
-            <a:r>
-              <a:rPr lang="en-US" dirty="0" err="1"/>
+            <a:endParaRPr lang="en-US" dirty="0"/>
+          </a:p>
+          <a:p>
+            <a:r>
+              <a:rPr lang="en-US" dirty="0" err="1">
+                <a:hlinkClick r:id="rId4"/>
+              </a:rPr>
               <a:t>Brandao</a:t>
             </a:r>
             <a:r>
-              <a:rPr lang="en-US" dirty="0"/>
+              <a:rPr lang="en-US" dirty="0">
+                <a:hlinkClick r:id="rId4"/>
+              </a:rPr>
               <a:t>, F. G., </a:t>
             </a:r>
             <a:r>
-              <a:rPr lang="en-US" dirty="0" err="1"/>
+              <a:rPr lang="en-US" dirty="0" err="1">
+                <a:hlinkClick r:id="rId4"/>
+              </a:rPr>
               <a:t>Svore</a:t>
             </a:r>
             <a:r>
-              <a:rPr lang="en-US" dirty="0"/>
+              <a:rPr lang="en-US" dirty="0">
+                <a:hlinkClick r:id="rId4"/>
+              </a:rPr>
               <a:t>, K. M. (2017). Quantum Speed-ups for Semideﬁnite Programming. In Annual Symposium on Foundations of Computer Science (FOCS 2017).</a:t>
             </a:r>
+            <a:endParaRPr lang="en-US" dirty="0"/>
           </a:p>
         </p:txBody>
       </p:sp>
@@ -20240,7 +22473,7 @@
           <p:cNvPr id="3" name="Title 2">
             <a:extLst>
               <a:ext uri="{FF2B5EF4-FFF2-40B4-BE49-F238E27FC236}">
-                <a16:creationId xmlns:a16="http://schemas.microsoft.com/office/drawing/2014/main" xmlns="" id="{4CEC84E4-0AB6-4BC2-8B0F-8E10D60DD12E}"/>
+                <a16:creationId xmlns="" xmlns:a16="http://schemas.microsoft.com/office/drawing/2014/main" id="{4CEC84E4-0AB6-4BC2-8B0F-8E10D60DD12E}"/>
               </a:ext>
             </a:extLst>
           </p:cNvPr>
@@ -20278,7 +22511,7 @@
           <p:cNvPr id="2" name="Content Placeholder 1">
             <a:extLst>
               <a:ext uri="{FF2B5EF4-FFF2-40B4-BE49-F238E27FC236}">
-                <a16:creationId xmlns:a16="http://schemas.microsoft.com/office/drawing/2014/main" xmlns="" id="{A9DD64F3-327E-4540-967F-BBDE22E22066}"/>
+                <a16:creationId xmlns="" xmlns:a16="http://schemas.microsoft.com/office/drawing/2014/main" id="{A9DD64F3-327E-4540-967F-BBDE22E22066}"/>
               </a:ext>
             </a:extLst>
           </p:cNvPr>
@@ -20359,7 +22592,7 @@
           <p:cNvPr id="3" name="Title 2">
             <a:extLst>
               <a:ext uri="{FF2B5EF4-FFF2-40B4-BE49-F238E27FC236}">
-                <a16:creationId xmlns:a16="http://schemas.microsoft.com/office/drawing/2014/main" xmlns="" id="{4CEC84E4-0AB6-4BC2-8B0F-8E10D60DD12E}"/>
+                <a16:creationId xmlns="" xmlns:a16="http://schemas.microsoft.com/office/drawing/2014/main" id="{4CEC84E4-0AB6-4BC2-8B0F-8E10D60DD12E}"/>
               </a:ext>
             </a:extLst>
           </p:cNvPr>
@@ -20395,7 +22628,7 @@
           <p:cNvPr id="2" name="Content Placeholder 1">
             <a:extLst>
               <a:ext uri="{FF2B5EF4-FFF2-40B4-BE49-F238E27FC236}">
-                <a16:creationId xmlns:a16="http://schemas.microsoft.com/office/drawing/2014/main" xmlns="" id="{A9DD64F3-327E-4540-967F-BBDE22E22066}"/>
+                <a16:creationId xmlns="" xmlns:a16="http://schemas.microsoft.com/office/drawing/2014/main" id="{A9DD64F3-327E-4540-967F-BBDE22E22066}"/>
               </a:ext>
             </a:extLst>
           </p:cNvPr>
@@ -20501,7 +22734,7 @@
           <p:cNvPr id="3" name="Title 2">
             <a:extLst>
               <a:ext uri="{FF2B5EF4-FFF2-40B4-BE49-F238E27FC236}">
-                <a16:creationId xmlns:a16="http://schemas.microsoft.com/office/drawing/2014/main" xmlns="" id="{79CCE64D-A88B-4008-865F-C853DABD3285}"/>
+                <a16:creationId xmlns="" xmlns:a16="http://schemas.microsoft.com/office/drawing/2014/main" id="{79CCE64D-A88B-4008-865F-C853DABD3285}"/>
               </a:ext>
             </a:extLst>
           </p:cNvPr>
@@ -20529,7 +22762,7 @@
           <p:cNvPr id="2" name="Content Placeholder 1">
             <a:extLst>
               <a:ext uri="{FF2B5EF4-FFF2-40B4-BE49-F238E27FC236}">
-                <a16:creationId xmlns:a16="http://schemas.microsoft.com/office/drawing/2014/main" xmlns="" id="{9EC214B1-E126-4934-8C3D-84AB1BEBE672}"/>
+                <a16:creationId xmlns="" xmlns:a16="http://schemas.microsoft.com/office/drawing/2014/main" id="{9EC214B1-E126-4934-8C3D-84AB1BEBE672}"/>
               </a:ext>
             </a:extLst>
           </p:cNvPr>
@@ -20643,7 +22876,7 @@
           <p:cNvPr id="3" name="Title 2">
             <a:extLst>
               <a:ext uri="{FF2B5EF4-FFF2-40B4-BE49-F238E27FC236}">
-                <a16:creationId xmlns:a16="http://schemas.microsoft.com/office/drawing/2014/main" xmlns="" id="{185A2A8B-7873-4579-8371-D623475ED5E8}"/>
+                <a16:creationId xmlns="" xmlns:a16="http://schemas.microsoft.com/office/drawing/2014/main" id="{185A2A8B-7873-4579-8371-D623475ED5E8}"/>
               </a:ext>
             </a:extLst>
           </p:cNvPr>
@@ -20671,7 +22904,7 @@
           <p:cNvPr id="2" name="Content Placeholder 1">
             <a:extLst>
               <a:ext uri="{FF2B5EF4-FFF2-40B4-BE49-F238E27FC236}">
-                <a16:creationId xmlns:a16="http://schemas.microsoft.com/office/drawing/2014/main" xmlns="" id="{11006CC8-F2D2-4707-914F-CF6DAE6D2E61}"/>
+                <a16:creationId xmlns="" xmlns:a16="http://schemas.microsoft.com/office/drawing/2014/main" id="{11006CC8-F2D2-4707-914F-CF6DAE6D2E61}"/>
               </a:ext>
             </a:extLst>
           </p:cNvPr>
@@ -20736,7 +22969,7 @@
           <p:cNvPr id="1026" name="Picture 2" descr="https://upload.wikimedia.org/wikipedia/commons/thumb/6/6b/Bloch_sphere.svg/256px-Bloch_sphere.svg.png">
             <a:extLst>
               <a:ext uri="{FF2B5EF4-FFF2-40B4-BE49-F238E27FC236}">
-                <a16:creationId xmlns:a16="http://schemas.microsoft.com/office/drawing/2014/main" xmlns="" id="{827E6786-F661-4918-834F-9BC6F91085D6}"/>
+                <a16:creationId xmlns="" xmlns:a16="http://schemas.microsoft.com/office/drawing/2014/main" id="{827E6786-F661-4918-834F-9BC6F91085D6}"/>
               </a:ext>
             </a:extLst>
           </p:cNvPr>
